--- a/project/Презентация.pptx
+++ b/project/Презентация.pptx
@@ -856,7 +856,7 @@
         </p:nvSpPr>
         <p:spPr>
           <a:xfrm>
-            <a:off x="381309" y="685800"/>
+            <a:off x="381000" y="685800"/>
             <a:ext cx="6096000" cy="3429000"/>
           </a:xfrm>
           <a:custGeom>
@@ -960,7 +960,7 @@
         </p:nvSpPr>
         <p:spPr>
           <a:xfrm>
-            <a:off x="381309" y="685800"/>
+            <a:off x="381000" y="685800"/>
             <a:ext cx="6096000" cy="3429000"/>
           </a:xfrm>
           <a:custGeom>
@@ -1064,7 +1064,7 @@
         </p:nvSpPr>
         <p:spPr>
           <a:xfrm>
-            <a:off x="381309" y="685800"/>
+            <a:off x="381000" y="685800"/>
             <a:ext cx="6096000" cy="3429000"/>
           </a:xfrm>
           <a:custGeom>
@@ -1480,7 +1480,7 @@
         </p:nvSpPr>
         <p:spPr>
           <a:xfrm>
-            <a:off x="381309" y="685800"/>
+            <a:off x="381000" y="685800"/>
             <a:ext cx="6096000" cy="3429000"/>
           </a:xfrm>
           <a:custGeom>
@@ -1584,7 +1584,7 @@
         </p:nvSpPr>
         <p:spPr>
           <a:xfrm>
-            <a:off x="381309" y="685800"/>
+            <a:off x="381000" y="685800"/>
             <a:ext cx="6096000" cy="3429000"/>
           </a:xfrm>
           <a:custGeom>
@@ -1688,7 +1688,7 @@
         </p:nvSpPr>
         <p:spPr>
           <a:xfrm>
-            <a:off x="381309" y="685800"/>
+            <a:off x="381000" y="685800"/>
             <a:ext cx="6096000" cy="3429000"/>
           </a:xfrm>
           <a:custGeom>
@@ -1792,7 +1792,7 @@
         </p:nvSpPr>
         <p:spPr>
           <a:xfrm>
-            <a:off x="381309" y="685800"/>
+            <a:off x="381000" y="685800"/>
             <a:ext cx="6096000" cy="3429000"/>
           </a:xfrm>
           <a:custGeom>
@@ -2000,7 +2000,7 @@
         </p:nvSpPr>
         <p:spPr>
           <a:xfrm>
-            <a:off x="381309" y="685800"/>
+            <a:off x="381000" y="685800"/>
             <a:ext cx="6096000" cy="3429000"/>
           </a:xfrm>
           <a:custGeom>
@@ -10023,11 +10023,17 @@
         <p:nvGraphicFramePr>
           <p:cNvPr id="142" name="Google Shape;142;p25"/>
           <p:cNvGraphicFramePr/>
-          <p:nvPr/>
+          <p:nvPr>
+            <p:extLst>
+              <p:ext uri="{D42A27DB-BD31-4B8C-83A1-F6EECF244321}">
+                <p14:modId xmlns:p14="http://schemas.microsoft.com/office/powerpoint/2010/main" val="3631007947"/>
+              </p:ext>
+            </p:extLst>
+          </p:nvPr>
         </p:nvGraphicFramePr>
         <p:xfrm>
           <a:off x="952500" y="1544194"/>
-          <a:ext cx="7239000" cy="1094964"/>
+          <a:ext cx="7239000" cy="1075597"/>
         </p:xfrm>
         <a:graphic>
           <a:graphicData uri="http://schemas.openxmlformats.org/drawingml/2006/table">
@@ -10152,7 +10158,43 @@
                         </a:spcAft>
                         <a:buNone/>
                       </a:pPr>
-                      <a:endParaRPr sz="1300">
+                      <a:r>
+                        <a:rPr lang="ru-RU" sz="1300" dirty="0" smtClean="0">
+                          <a:latin typeface="Roboto"/>
+                          <a:ea typeface="Roboto"/>
+                          <a:cs typeface="Roboto"/>
+                          <a:sym typeface="Roboto"/>
+                        </a:rPr>
+                        <a:t>Для</a:t>
+                      </a:r>
+                      <a:r>
+                        <a:rPr lang="ru-RU" sz="1300" baseline="0" dirty="0" smtClean="0">
+                          <a:latin typeface="Roboto"/>
+                          <a:ea typeface="Roboto"/>
+                          <a:cs typeface="Roboto"/>
+                          <a:sym typeface="Roboto"/>
+                        </a:rPr>
+                        <a:t> масштабирования </a:t>
+                      </a:r>
+                      <a:r>
+                        <a:rPr lang="ru-RU" sz="1300" baseline="0" smtClean="0">
+                          <a:latin typeface="Roboto"/>
+                          <a:ea typeface="Roboto"/>
+                          <a:cs typeface="Roboto"/>
+                          <a:sym typeface="Roboto"/>
+                        </a:rPr>
+                        <a:t>возможно добавление</a:t>
+                      </a:r>
+                      <a:r>
+                        <a:rPr lang="en-US" sz="1300" baseline="0" smtClean="0">
+                          <a:latin typeface="Roboto"/>
+                          <a:ea typeface="Roboto"/>
+                          <a:cs typeface="Roboto"/>
+                          <a:sym typeface="Roboto"/>
+                        </a:rPr>
+                        <a:t>TimescaleDB</a:t>
+                      </a:r>
+                      <a:endParaRPr sz="1300" dirty="0">
                         <a:latin typeface="Roboto"/>
                         <a:ea typeface="Roboto"/>
                         <a:cs typeface="Roboto"/>
@@ -10464,7 +10506,7 @@
                         </a:spcAft>
                         <a:buNone/>
                       </a:pPr>
-                      <a:endParaRPr sz="1300">
+                      <a:endParaRPr sz="1300" dirty="0">
                         <a:latin typeface="Roboto"/>
                         <a:ea typeface="Roboto"/>
                         <a:cs typeface="Roboto"/>
@@ -16024,15 +16066,7 @@
             </a:pPr>
             <a:r>
               <a:rPr lang="ru-RU" dirty="0"/>
-              <a:t>В</a:t>
-            </a:r>
-            <a:r>
-              <a:rPr lang="ru-RU" dirty="0"/>
-              <a:t>едущий </a:t>
-            </a:r>
-            <a:r>
-              <a:rPr lang="ru-RU" dirty="0"/>
-              <a:t>разработчик</a:t>
+              <a:t>Ведущий разработчик</a:t>
             </a:r>
             <a:endParaRPr dirty="0"/>
           </a:p>
@@ -16755,14 +16789,14 @@
           <p:nvPr>
             <p:extLst>
               <p:ext uri="{D42A27DB-BD31-4B8C-83A1-F6EECF244321}">
-                <p14:modId xmlns:p14="http://schemas.microsoft.com/office/powerpoint/2010/main" val="2341189125"/>
+                <p14:modId xmlns:p14="http://schemas.microsoft.com/office/powerpoint/2010/main" val="2284239736"/>
               </p:ext>
             </p:extLst>
           </p:nvPr>
         </p:nvGraphicFramePr>
         <p:xfrm>
           <a:off x="952500" y="2058925"/>
-          <a:ext cx="7239000" cy="2140911"/>
+          <a:ext cx="7239000" cy="2203584"/>
         </p:xfrm>
         <a:graphic>
           <a:graphicData uri="http://schemas.openxmlformats.org/drawingml/2006/table">
@@ -16901,7 +16935,43 @@
                           <a:cs typeface="Roboto"/>
                           <a:sym typeface="Roboto"/>
                         </a:rPr>
-                        <a:t> систему хранения и визуализации показаний датчиков и приборов ориентированную на домашнее применение или сферу малых предприятий.</a:t>
+                        <a:t> </a:t>
+                      </a:r>
+                      <a:r>
+                        <a:rPr lang="ru-RU" baseline="0" dirty="0" smtClean="0">
+                          <a:latin typeface="Roboto"/>
+                          <a:ea typeface="Roboto"/>
+                          <a:cs typeface="Roboto"/>
+                          <a:sym typeface="Roboto"/>
+                        </a:rPr>
+                        <a:t>прототип системы </a:t>
+                      </a:r>
+                      <a:r>
+                        <a:rPr lang="ru-RU" baseline="0" dirty="0" smtClean="0">
+                          <a:latin typeface="Roboto"/>
+                          <a:ea typeface="Roboto"/>
+                          <a:cs typeface="Roboto"/>
+                          <a:sym typeface="Roboto"/>
+                        </a:rPr>
+                        <a:t>хранения и визуализации показаний датчиков и приборов </a:t>
+                      </a:r>
+                      <a:r>
+                        <a:rPr lang="ru-RU" baseline="0" dirty="0" smtClean="0">
+                          <a:latin typeface="Roboto"/>
+                          <a:ea typeface="Roboto"/>
+                          <a:cs typeface="Roboto"/>
+                          <a:sym typeface="Roboto"/>
+                        </a:rPr>
+                        <a:t>ориентированный </a:t>
+                      </a:r>
+                      <a:r>
+                        <a:rPr lang="ru-RU" baseline="0" dirty="0" smtClean="0">
+                          <a:latin typeface="Roboto"/>
+                          <a:ea typeface="Roboto"/>
+                          <a:cs typeface="Roboto"/>
+                          <a:sym typeface="Roboto"/>
+                        </a:rPr>
+                        <a:t>на домашнее применение или сферу малых предприятий.</a:t>
                       </a:r>
                       <a:endParaRPr dirty="0">
                         <a:latin typeface="Roboto"/>
@@ -17971,75 +18041,6 @@
           </a:graphicData>
         </a:graphic>
       </p:graphicFrame>
-      <p:sp>
-        <p:nvSpPr>
-          <p:cNvPr id="116" name="Google Shape;116;p21"/>
-          <p:cNvSpPr/>
-          <p:nvPr/>
-        </p:nvSpPr>
-        <p:spPr>
-          <a:xfrm>
-            <a:off x="5498575" y="391950"/>
-            <a:ext cx="3257100" cy="644700"/>
-          </a:xfrm>
-          <a:prstGeom prst="wedgeRectCallout">
-            <a:avLst>
-              <a:gd name="adj1" fmla="val -20075"/>
-              <a:gd name="adj2" fmla="val 76031"/>
-            </a:avLst>
-          </a:prstGeom>
-          <a:solidFill>
-            <a:srgbClr val="F3F3F3"/>
-          </a:solidFill>
-          <a:ln w="9525" cap="flat" cmpd="sng">
-            <a:solidFill>
-              <a:srgbClr val="013D85"/>
-            </a:solidFill>
-            <a:prstDash val="solid"/>
-            <a:round/>
-            <a:headEnd type="none" w="sm" len="sm"/>
-            <a:tailEnd type="none" w="sm" len="sm"/>
-          </a:ln>
-        </p:spPr>
-        <p:txBody>
-          <a:bodyPr spcFirstLastPara="1" wrap="square" lIns="198000" tIns="126000" rIns="198000" bIns="126000" anchor="ctr" anchorCtr="0">
-            <a:noAutofit/>
-          </a:bodyPr>
-          <a:lstStyle/>
-          <a:p>
-            <a:pPr marL="0" lvl="0" indent="0" algn="l" rtl="0">
-              <a:spcBef>
-                <a:spcPts val="0"/>
-              </a:spcBef>
-              <a:spcAft>
-                <a:spcPts val="0"/>
-              </a:spcAft>
-              <a:buNone/>
-            </a:pPr>
-            <a:r>
-              <a:rPr lang="ru" sz="1100">
-                <a:solidFill>
-                  <a:srgbClr val="02418B"/>
-                </a:solidFill>
-                <a:latin typeface="Roboto"/>
-                <a:ea typeface="Roboto"/>
-                <a:cs typeface="Roboto"/>
-                <a:sym typeface="Roboto"/>
-              </a:rPr>
-              <a:t>Что было в начале, что знали до курса, сколько времени заняло выполнение проекта</a:t>
-            </a:r>
-            <a:endParaRPr sz="1100">
-              <a:solidFill>
-                <a:srgbClr val="02418B"/>
-              </a:solidFill>
-              <a:latin typeface="Roboto"/>
-              <a:ea typeface="Roboto"/>
-              <a:cs typeface="Roboto"/>
-              <a:sym typeface="Roboto"/>
-            </a:endParaRPr>
-          </a:p>
-        </p:txBody>
-      </p:sp>
     </p:spTree>
   </p:cSld>
   <p:clrMapOvr>
@@ -18133,14 +18134,14 @@
           <p:nvPr>
             <p:extLst>
               <p:ext uri="{D42A27DB-BD31-4B8C-83A1-F6EECF244321}">
-                <p14:modId xmlns:p14="http://schemas.microsoft.com/office/powerpoint/2010/main" val="3958835186"/>
+                <p14:modId xmlns:p14="http://schemas.microsoft.com/office/powerpoint/2010/main" val="3820765266"/>
               </p:ext>
             </p:extLst>
           </p:nvPr>
         </p:nvGraphicFramePr>
         <p:xfrm>
           <a:off x="952500" y="1544194"/>
-          <a:ext cx="7239000" cy="1459952"/>
+          <a:ext cx="7239000" cy="2417766"/>
         </p:xfrm>
         <a:graphic>
           <a:graphicData uri="http://schemas.openxmlformats.org/drawingml/2006/table">
@@ -18367,7 +18368,7 @@
                         <a:buNone/>
                       </a:pPr>
                       <a:r>
-                        <a:rPr lang="ru" sz="1300" b="1">
+                        <a:rPr lang="ru" sz="1300" b="1" dirty="0">
                           <a:solidFill>
                             <a:srgbClr val="013D85"/>
                           </a:solidFill>
@@ -18378,7 +18379,7 @@
                         </a:rPr>
                         <a:t>2.</a:t>
                       </a:r>
-                      <a:endParaRPr sz="1300" b="1">
+                      <a:endParaRPr sz="1300" b="1" dirty="0">
                         <a:solidFill>
                           <a:srgbClr val="013D85"/>
                         </a:solidFill>
@@ -18549,7 +18550,7 @@
                         <a:buNone/>
                       </a:pPr>
                       <a:r>
-                        <a:rPr lang="ru" sz="1300" b="1" dirty="0">
+                        <a:rPr lang="ru-RU" sz="1300" b="1" dirty="0" smtClean="0">
                           <a:solidFill>
                             <a:srgbClr val="013D85"/>
                           </a:solidFill>
@@ -18559,6 +18560,206 @@
                           <a:sym typeface="Roboto"/>
                         </a:rPr>
                         <a:t>3.</a:t>
+                      </a:r>
+                      <a:endParaRPr sz="1300" b="1" dirty="0">
+                        <a:solidFill>
+                          <a:srgbClr val="013D85"/>
+                        </a:solidFill>
+                        <a:latin typeface="Roboto"/>
+                        <a:ea typeface="Roboto"/>
+                        <a:cs typeface="Roboto"/>
+                        <a:sym typeface="Roboto"/>
+                      </a:endParaRPr>
+                    </a:p>
+                  </a:txBody>
+                  <a:tcPr marL="198000" marR="91425" marT="68575" marB="68575">
+                    <a:lnL w="9525" cap="flat" cmpd="sng">
+                      <a:solidFill>
+                        <a:srgbClr val="BFC1F0">
+                          <a:alpha val="0"/>
+                        </a:srgbClr>
+                      </a:solidFill>
+                      <a:prstDash val="solid"/>
+                      <a:round/>
+                      <a:headEnd type="none" w="sm" len="sm"/>
+                      <a:tailEnd type="none" w="sm" len="sm"/>
+                    </a:lnL>
+                    <a:lnR w="9525" cap="flat" cmpd="sng" algn="ctr">
+                      <a:solidFill>
+                        <a:schemeClr val="lt1">
+                          <a:alpha val="0"/>
+                        </a:schemeClr>
+                      </a:solidFill>
+                      <a:prstDash val="solid"/>
+                      <a:round/>
+                      <a:headEnd type="none" w="sm" len="sm"/>
+                      <a:tailEnd type="none" w="sm" len="sm"/>
+                    </a:lnR>
+                    <a:lnT w="9525" cap="flat" cmpd="sng" algn="ctr">
+                      <a:solidFill>
+                        <a:srgbClr val="BFC1F0"/>
+                      </a:solidFill>
+                      <a:prstDash val="solid"/>
+                      <a:round/>
+                      <a:headEnd type="none" w="sm" len="sm"/>
+                      <a:tailEnd type="none" w="sm" len="sm"/>
+                    </a:lnT>
+                    <a:lnB w="9525" cap="flat" cmpd="sng">
+                      <a:solidFill>
+                        <a:srgbClr val="BFC1F0"/>
+                      </a:solidFill>
+                      <a:prstDash val="solid"/>
+                      <a:round/>
+                      <a:headEnd type="none" w="sm" len="sm"/>
+                      <a:tailEnd type="none" w="sm" len="sm"/>
+                    </a:lnB>
+                  </a:tcPr>
+                </a:tc>
+                <a:tc>
+                  <a:txBody>
+                    <a:bodyPr/>
+                    <a:lstStyle/>
+                    <a:p>
+                      <a:pPr marL="0" lvl="0" indent="0" algn="l" rtl="0">
+                        <a:lnSpc>
+                          <a:spcPct val="115000"/>
+                        </a:lnSpc>
+                        <a:spcBef>
+                          <a:spcPts val="0"/>
+                        </a:spcBef>
+                        <a:spcAft>
+                          <a:spcPts val="0"/>
+                        </a:spcAft>
+                        <a:buNone/>
+                      </a:pPr>
+                      <a:r>
+                        <a:rPr lang="en-US" sz="1300" dirty="0" err="1" smtClean="0">
+                          <a:latin typeface="Roboto"/>
+                          <a:ea typeface="Roboto"/>
+                          <a:cs typeface="Roboto"/>
+                          <a:sym typeface="Roboto"/>
+                        </a:rPr>
+                        <a:t>Telegraf</a:t>
+                      </a:r>
+                      <a:r>
+                        <a:rPr lang="en-US" sz="1300" baseline="0" dirty="0" smtClean="0">
+                          <a:latin typeface="Roboto"/>
+                          <a:ea typeface="Roboto"/>
+                          <a:cs typeface="Roboto"/>
+                          <a:sym typeface="Roboto"/>
+                        </a:rPr>
+                        <a:t> – </a:t>
+                      </a:r>
+                      <a:r>
+                        <a:rPr lang="ru-RU" sz="1300" baseline="0" dirty="0" smtClean="0">
+                          <a:latin typeface="Roboto"/>
+                          <a:ea typeface="Roboto"/>
+                          <a:cs typeface="Roboto"/>
+                          <a:sym typeface="Roboto"/>
+                        </a:rPr>
+                        <a:t>агент для сбора и передачи показаний от брокера </a:t>
+                      </a:r>
+                      <a:r>
+                        <a:rPr lang="en-US" sz="1300" baseline="0" dirty="0" smtClean="0">
+                          <a:latin typeface="Roboto"/>
+                          <a:ea typeface="Roboto"/>
+                          <a:cs typeface="Roboto"/>
+                          <a:sym typeface="Roboto"/>
+                        </a:rPr>
+                        <a:t>MQTT</a:t>
+                      </a:r>
+                      <a:r>
+                        <a:rPr lang="ru-RU" sz="1300" baseline="0" dirty="0" smtClean="0">
+                          <a:latin typeface="Roboto"/>
+                          <a:ea typeface="Roboto"/>
+                          <a:cs typeface="Roboto"/>
+                          <a:sym typeface="Roboto"/>
+                        </a:rPr>
+                        <a:t> к хранилищу.</a:t>
+                      </a:r>
+                      <a:endParaRPr lang="ru-RU" sz="1300" dirty="0" smtClean="0">
+                        <a:latin typeface="Roboto"/>
+                        <a:ea typeface="Roboto"/>
+                        <a:cs typeface="Roboto"/>
+                        <a:sym typeface="Roboto"/>
+                      </a:endParaRPr>
+                    </a:p>
+                  </a:txBody>
+                  <a:tcPr marL="198000" marR="91425" marT="68575" marB="68575">
+                    <a:lnL w="9525" cap="flat" cmpd="sng" algn="ctr">
+                      <a:solidFill>
+                        <a:schemeClr val="lt1">
+                          <a:alpha val="0"/>
+                        </a:schemeClr>
+                      </a:solidFill>
+                      <a:prstDash val="solid"/>
+                      <a:round/>
+                      <a:headEnd type="none" w="sm" len="sm"/>
+                      <a:tailEnd type="none" w="sm" len="sm"/>
+                    </a:lnL>
+                    <a:lnR w="9525" cap="flat" cmpd="sng">
+                      <a:solidFill>
+                        <a:srgbClr val="BFC1F0">
+                          <a:alpha val="0"/>
+                        </a:srgbClr>
+                      </a:solidFill>
+                      <a:prstDash val="solid"/>
+                      <a:round/>
+                      <a:headEnd type="none" w="sm" len="sm"/>
+                      <a:tailEnd type="none" w="sm" len="sm"/>
+                    </a:lnR>
+                    <a:lnT w="9525" cap="flat" cmpd="sng" algn="ctr">
+                      <a:solidFill>
+                        <a:srgbClr val="BFC1F0"/>
+                      </a:solidFill>
+                      <a:prstDash val="solid"/>
+                      <a:round/>
+                      <a:headEnd type="none" w="sm" len="sm"/>
+                      <a:tailEnd type="none" w="sm" len="sm"/>
+                    </a:lnT>
+                    <a:lnB w="9525" cap="flat" cmpd="sng">
+                      <a:solidFill>
+                        <a:srgbClr val="BFC1F0"/>
+                      </a:solidFill>
+                      <a:prstDash val="solid"/>
+                      <a:round/>
+                      <a:headEnd type="none" w="sm" len="sm"/>
+                      <a:tailEnd type="none" w="sm" len="sm"/>
+                    </a:lnB>
+                  </a:tcPr>
+                </a:tc>
+                <a:extLst>
+                  <a:ext uri="{0D108BD9-81ED-4DB2-BD59-A6C34878D82A}">
+                    <a16:rowId xmlns:a16="http://schemas.microsoft.com/office/drawing/2014/main" val="1670429676"/>
+                  </a:ext>
+                </a:extLst>
+              </a:tr>
+              <a:tr h="285750">
+                <a:tc>
+                  <a:txBody>
+                    <a:bodyPr/>
+                    <a:lstStyle/>
+                    <a:p>
+                      <a:pPr marL="0" lvl="0" indent="0" algn="l" rtl="0">
+                        <a:spcBef>
+                          <a:spcPts val="0"/>
+                        </a:spcBef>
+                        <a:spcAft>
+                          <a:spcPts val="0"/>
+                        </a:spcAft>
+                        <a:buNone/>
+                      </a:pPr>
+                      <a:r>
+                        <a:rPr lang="ru" sz="1300" b="1" dirty="0" smtClean="0">
+                          <a:solidFill>
+                            <a:srgbClr val="013D85"/>
+                          </a:solidFill>
+                          <a:latin typeface="Roboto"/>
+                          <a:ea typeface="Roboto"/>
+                          <a:cs typeface="Roboto"/>
+                          <a:sym typeface="Roboto"/>
+                        </a:rPr>
+                        <a:t>4.</a:t>
                       </a:r>
                       <a:endParaRPr sz="1300" b="1" dirty="0">
                         <a:solidFill>
@@ -18647,24 +18848,6 @@
                           <a:cs typeface="Roboto"/>
                           <a:sym typeface="Roboto"/>
                         </a:rPr>
-                        <a:t> + </a:t>
-                      </a:r>
-                      <a:r>
-                        <a:rPr lang="en-US" sz="1300" baseline="0" dirty="0" err="1" smtClean="0">
-                          <a:latin typeface="Roboto"/>
-                          <a:ea typeface="Roboto"/>
-                          <a:cs typeface="Roboto"/>
-                          <a:sym typeface="Roboto"/>
-                        </a:rPr>
-                        <a:t>TimescaleDB</a:t>
-                      </a:r>
-                      <a:r>
-                        <a:rPr lang="en-US" sz="1300" baseline="0" dirty="0" smtClean="0">
-                          <a:latin typeface="Roboto"/>
-                          <a:ea typeface="Roboto"/>
-                          <a:cs typeface="Roboto"/>
-                          <a:sym typeface="Roboto"/>
-                        </a:rPr>
                         <a:t> </a:t>
                       </a:r>
                       <a:r>
@@ -18674,7 +18857,25 @@
                           <a:cs typeface="Roboto"/>
                           <a:sym typeface="Roboto"/>
                         </a:rPr>
-                        <a:t>для хранения и агрегации показаний</a:t>
+                        <a:t>в качестве базовой технологии хранения </a:t>
+                      </a:r>
+                      <a:r>
+                        <a:rPr lang="ru-RU" sz="1300" baseline="0" dirty="0" smtClean="0">
+                          <a:latin typeface="Roboto"/>
+                          <a:ea typeface="Roboto"/>
+                          <a:cs typeface="Roboto"/>
+                          <a:sym typeface="Roboto"/>
+                        </a:rPr>
+                        <a:t>и агрегации </a:t>
+                      </a:r>
+                      <a:r>
+                        <a:rPr lang="ru-RU" sz="1300" baseline="0" dirty="0" smtClean="0">
+                          <a:latin typeface="Roboto"/>
+                          <a:ea typeface="Roboto"/>
+                          <a:cs typeface="Roboto"/>
+                          <a:sym typeface="Roboto"/>
+                        </a:rPr>
+                        <a:t>показаний.</a:t>
                       </a:r>
                       <a:endParaRPr sz="1300" dirty="0">
                         <a:latin typeface="Roboto"/>
@@ -18758,7 +18959,207 @@
                           <a:cs typeface="Roboto"/>
                           <a:sym typeface="Roboto"/>
                         </a:rPr>
-                        <a:t>4.</a:t>
+                        <a:t>5.</a:t>
+                      </a:r>
+                      <a:endParaRPr sz="1300" b="1" dirty="0">
+                        <a:solidFill>
+                          <a:srgbClr val="013D85"/>
+                        </a:solidFill>
+                        <a:latin typeface="Roboto"/>
+                        <a:ea typeface="Roboto"/>
+                        <a:cs typeface="Roboto"/>
+                        <a:sym typeface="Roboto"/>
+                      </a:endParaRPr>
+                    </a:p>
+                  </a:txBody>
+                  <a:tcPr marL="198000" marR="91425" marT="68575" marB="68575">
+                    <a:lnL w="9525" cap="flat" cmpd="sng">
+                      <a:solidFill>
+                        <a:srgbClr val="BFC1F0">
+                          <a:alpha val="0"/>
+                        </a:srgbClr>
+                      </a:solidFill>
+                      <a:prstDash val="solid"/>
+                      <a:round/>
+                      <a:headEnd type="none" w="sm" len="sm"/>
+                      <a:tailEnd type="none" w="sm" len="sm"/>
+                    </a:lnL>
+                    <a:lnR w="9525" cap="flat" cmpd="sng" algn="ctr">
+                      <a:solidFill>
+                        <a:schemeClr val="lt1">
+                          <a:alpha val="0"/>
+                        </a:schemeClr>
+                      </a:solidFill>
+                      <a:prstDash val="solid"/>
+                      <a:round/>
+                      <a:headEnd type="none" w="sm" len="sm"/>
+                      <a:tailEnd type="none" w="sm" len="sm"/>
+                    </a:lnR>
+                    <a:lnT w="9525" cap="flat" cmpd="sng" algn="ctr">
+                      <a:solidFill>
+                        <a:srgbClr val="BFC1F0"/>
+                      </a:solidFill>
+                      <a:prstDash val="solid"/>
+                      <a:round/>
+                      <a:headEnd type="none" w="sm" len="sm"/>
+                      <a:tailEnd type="none" w="sm" len="sm"/>
+                    </a:lnT>
+                    <a:lnB w="9525" cap="flat" cmpd="sng" algn="ctr">
+                      <a:solidFill>
+                        <a:srgbClr val="BFC1F0"/>
+                      </a:solidFill>
+                      <a:prstDash val="solid"/>
+                      <a:round/>
+                      <a:headEnd type="none" w="sm" len="sm"/>
+                      <a:tailEnd type="none" w="sm" len="sm"/>
+                    </a:lnB>
+                  </a:tcPr>
+                </a:tc>
+                <a:tc>
+                  <a:txBody>
+                    <a:bodyPr/>
+                    <a:lstStyle/>
+                    <a:p>
+                      <a:pPr marL="0" lvl="0" indent="0" algn="l" rtl="0">
+                        <a:lnSpc>
+                          <a:spcPct val="115000"/>
+                        </a:lnSpc>
+                        <a:spcBef>
+                          <a:spcPts val="0"/>
+                        </a:spcBef>
+                        <a:spcAft>
+                          <a:spcPts val="0"/>
+                        </a:spcAft>
+                        <a:buNone/>
+                      </a:pPr>
+                      <a:r>
+                        <a:rPr lang="en-US" sz="1300" baseline="0" dirty="0" err="1" smtClean="0">
+                          <a:latin typeface="Roboto"/>
+                          <a:ea typeface="Roboto"/>
+                          <a:cs typeface="Roboto"/>
+                          <a:sym typeface="Roboto"/>
+                        </a:rPr>
+                        <a:t>TimescaleDB</a:t>
+                      </a:r>
+                      <a:r>
+                        <a:rPr lang="en-US" sz="1300" baseline="0" dirty="0" smtClean="0">
+                          <a:latin typeface="Roboto"/>
+                          <a:ea typeface="Roboto"/>
+                          <a:cs typeface="Roboto"/>
+                          <a:sym typeface="Roboto"/>
+                        </a:rPr>
+                        <a:t> </a:t>
+                      </a:r>
+                      <a:r>
+                        <a:rPr lang="ru-RU" sz="1300" baseline="0" dirty="0" smtClean="0">
+                          <a:latin typeface="Roboto"/>
+                          <a:ea typeface="Roboto"/>
+                          <a:cs typeface="Roboto"/>
+                          <a:sym typeface="Roboto"/>
+                        </a:rPr>
+                        <a:t>– расширение </a:t>
+                      </a:r>
+                      <a:r>
+                        <a:rPr lang="en-US" sz="1300" baseline="0" dirty="0" smtClean="0">
+                          <a:latin typeface="Roboto"/>
+                          <a:ea typeface="Roboto"/>
+                          <a:cs typeface="Roboto"/>
+                          <a:sym typeface="Roboto"/>
+                        </a:rPr>
+                        <a:t>PostgreSQL </a:t>
+                      </a:r>
+                      <a:r>
+                        <a:rPr lang="ru-RU" sz="1300" baseline="0" dirty="0" smtClean="0">
+                          <a:latin typeface="Roboto"/>
+                          <a:ea typeface="Roboto"/>
+                          <a:cs typeface="Roboto"/>
+                          <a:sym typeface="Roboto"/>
+                        </a:rPr>
+                        <a:t>для эффективного хранения и обработки временных рядов.</a:t>
+                      </a:r>
+                      <a:endParaRPr sz="1300" dirty="0">
+                        <a:latin typeface="Roboto"/>
+                        <a:ea typeface="Roboto"/>
+                        <a:cs typeface="Roboto"/>
+                        <a:sym typeface="Roboto"/>
+                      </a:endParaRPr>
+                    </a:p>
+                  </a:txBody>
+                  <a:tcPr marL="198000" marR="91425" marT="68575" marB="68575">
+                    <a:lnL w="9525" cap="flat" cmpd="sng" algn="ctr">
+                      <a:solidFill>
+                        <a:schemeClr val="lt1">
+                          <a:alpha val="0"/>
+                        </a:schemeClr>
+                      </a:solidFill>
+                      <a:prstDash val="solid"/>
+                      <a:round/>
+                      <a:headEnd type="none" w="sm" len="sm"/>
+                      <a:tailEnd type="none" w="sm" len="sm"/>
+                    </a:lnL>
+                    <a:lnR w="9525" cap="flat" cmpd="sng">
+                      <a:solidFill>
+                        <a:srgbClr val="BFC1F0">
+                          <a:alpha val="0"/>
+                        </a:srgbClr>
+                      </a:solidFill>
+                      <a:prstDash val="solid"/>
+                      <a:round/>
+                      <a:headEnd type="none" w="sm" len="sm"/>
+                      <a:tailEnd type="none" w="sm" len="sm"/>
+                    </a:lnR>
+                    <a:lnT w="9525" cap="flat" cmpd="sng" algn="ctr">
+                      <a:solidFill>
+                        <a:srgbClr val="BFC1F0"/>
+                      </a:solidFill>
+                      <a:prstDash val="solid"/>
+                      <a:round/>
+                      <a:headEnd type="none" w="sm" len="sm"/>
+                      <a:tailEnd type="none" w="sm" len="sm"/>
+                    </a:lnT>
+                    <a:lnB w="9525" cap="flat" cmpd="sng" algn="ctr">
+                      <a:solidFill>
+                        <a:srgbClr val="BFC1F0"/>
+                      </a:solidFill>
+                      <a:prstDash val="solid"/>
+                      <a:round/>
+                      <a:headEnd type="none" w="sm" len="sm"/>
+                      <a:tailEnd type="none" w="sm" len="sm"/>
+                    </a:lnB>
+                  </a:tcPr>
+                </a:tc>
+                <a:extLst>
+                  <a:ext uri="{0D108BD9-81ED-4DB2-BD59-A6C34878D82A}">
+                    <a16:rowId xmlns:a16="http://schemas.microsoft.com/office/drawing/2014/main" val="3590171656"/>
+                  </a:ext>
+                </a:extLst>
+              </a:tr>
+              <a:tr h="285750">
+                <a:tc>
+                  <a:txBody>
+                    <a:bodyPr/>
+                    <a:lstStyle/>
+                    <a:p>
+                      <a:pPr marL="0" lvl="0" indent="0" algn="l" rtl="0">
+                        <a:spcBef>
+                          <a:spcPts val="0"/>
+                        </a:spcBef>
+                        <a:spcAft>
+                          <a:spcPts val="0"/>
+                        </a:spcAft>
+                        <a:buNone/>
+                      </a:pPr>
+                      <a:r>
+                        <a:rPr lang="ru-RU" sz="1300" b="1" dirty="0" smtClean="0">
+                          <a:solidFill>
+                            <a:srgbClr val="013D85"/>
+                          </a:solidFill>
+                          <a:latin typeface="Roboto"/>
+                          <a:ea typeface="Roboto"/>
+                          <a:cs typeface="Roboto"/>
+                          <a:sym typeface="Roboto"/>
+                        </a:rPr>
+                        <a:t>6.</a:t>
                       </a:r>
                       <a:endParaRPr sz="1300" b="1" dirty="0">
                         <a:solidFill>
@@ -18856,7 +19257,16 @@
                           <a:cs typeface="Roboto"/>
                           <a:sym typeface="Roboto"/>
                         </a:rPr>
-                        <a:t>для визуализации данных в хранилище</a:t>
+                        <a:t>для визуализации данных в </a:t>
+                      </a:r>
+                      <a:r>
+                        <a:rPr lang="ru-RU" sz="1300" baseline="0" dirty="0" smtClean="0">
+                          <a:latin typeface="Roboto"/>
+                          <a:ea typeface="Roboto"/>
+                          <a:cs typeface="Roboto"/>
+                          <a:sym typeface="Roboto"/>
+                        </a:rPr>
+                        <a:t>хранилище.</a:t>
                       </a:r>
                       <a:endParaRPr sz="1300" dirty="0">
                         <a:latin typeface="Roboto"/>
@@ -18919,95 +19329,6 @@
           </a:graphicData>
         </a:graphic>
       </p:graphicFrame>
-      <p:sp>
-        <p:nvSpPr>
-          <p:cNvPr id="123" name="Google Shape;123;p22"/>
-          <p:cNvSpPr/>
-          <p:nvPr/>
-        </p:nvSpPr>
-        <p:spPr>
-          <a:xfrm>
-            <a:off x="4994650" y="3519750"/>
-            <a:ext cx="3229200" cy="534900"/>
-          </a:xfrm>
-          <a:prstGeom prst="wedgeRectCallout">
-            <a:avLst>
-              <a:gd name="adj1" fmla="val -31236"/>
-              <a:gd name="adj2" fmla="val -97297"/>
-            </a:avLst>
-          </a:prstGeom>
-          <a:solidFill>
-            <a:srgbClr val="F3F3F3"/>
-          </a:solidFill>
-          <a:ln w="9525" cap="flat" cmpd="sng">
-            <a:solidFill>
-              <a:srgbClr val="013D85"/>
-            </a:solidFill>
-            <a:prstDash val="solid"/>
-            <a:round/>
-            <a:headEnd type="none" w="sm" len="sm"/>
-            <a:tailEnd type="none" w="sm" len="sm"/>
-          </a:ln>
-        </p:spPr>
-        <p:txBody>
-          <a:bodyPr spcFirstLastPara="1" wrap="square" lIns="198000" tIns="126000" rIns="198000" bIns="126000" anchor="ctr" anchorCtr="0">
-            <a:noAutofit/>
-          </a:bodyPr>
-          <a:lstStyle/>
-          <a:p>
-            <a:pPr marL="0" lvl="0" indent="0" algn="l" rtl="0">
-              <a:spcBef>
-                <a:spcPts val="600"/>
-              </a:spcBef>
-              <a:spcAft>
-                <a:spcPts val="0"/>
-              </a:spcAft>
-              <a:buNone/>
-            </a:pPr>
-            <a:r>
-              <a:rPr lang="ru" sz="1100">
-                <a:solidFill>
-                  <a:srgbClr val="02418B"/>
-                </a:solidFill>
-                <a:latin typeface="Roboto"/>
-                <a:ea typeface="Roboto"/>
-                <a:cs typeface="Roboto"/>
-                <a:sym typeface="Roboto"/>
-              </a:rPr>
-              <a:t>Какие технологии использовались и какое у вас мнение о новых технологиях</a:t>
-            </a:r>
-            <a:endParaRPr sz="1100">
-              <a:solidFill>
-                <a:srgbClr val="02418B"/>
-              </a:solidFill>
-              <a:latin typeface="Roboto"/>
-              <a:ea typeface="Roboto"/>
-              <a:cs typeface="Roboto"/>
-              <a:sym typeface="Roboto"/>
-            </a:endParaRPr>
-          </a:p>
-          <a:p>
-            <a:pPr marL="0" lvl="0" indent="0" algn="l" rtl="0">
-              <a:spcBef>
-                <a:spcPts val="0"/>
-              </a:spcBef>
-              <a:spcAft>
-                <a:spcPts val="0"/>
-              </a:spcAft>
-              <a:buNone/>
-            </a:pPr>
-            <a:endParaRPr sz="1100">
-              <a:solidFill>
-                <a:srgbClr val="02418B"/>
-              </a:solidFill>
-              <a:latin typeface="Roboto"/>
-              <a:ea typeface="Roboto"/>
-              <a:cs typeface="Roboto"/>
-              <a:sym typeface="Roboto"/>
-            </a:endParaRPr>
-          </a:p>
-        </p:txBody>
-      </p:sp>
     </p:spTree>
   </p:cSld>
   <p:clrMapOvr>
@@ -19107,7 +19428,7 @@
           </a:bodyPr>
           <a:lstStyle/>
           <a:p>
-            <a:pPr marL="457200" lvl="0" indent="-317500" algn="l" rtl="0">
+            <a:pPr marL="482600" lvl="0" indent="-342900" algn="l" rtl="0">
               <a:spcBef>
                 <a:spcPts val="0"/>
               </a:spcBef>
@@ -19118,11 +19439,11 @@
                 <a:srgbClr val="000000"/>
               </a:buClr>
               <a:buSzPts val="1400"/>
-              <a:buFont typeface="Roboto"/>
+              <a:buFont typeface="+mj-lt"/>
               <a:buAutoNum type="arabicPeriod"/>
             </a:pPr>
             <a:r>
-              <a:rPr lang="ru" dirty="0">
+              <a:rPr lang="ru-RU" dirty="0" smtClean="0">
                 <a:solidFill>
                   <a:srgbClr val="000000"/>
                 </a:solidFill>
@@ -19131,50 +19452,10 @@
                 <a:cs typeface="Roboto"/>
                 <a:sym typeface="Roboto"/>
               </a:rPr>
-              <a:t>Скрины основных экранов приложения и действий</a:t>
+              <a:t>Система представляет собой 4 контейнера разворачиваемые посредством </a:t>
             </a:r>
-            <a:endParaRPr dirty="0">
-              <a:solidFill>
-                <a:srgbClr val="000000"/>
-              </a:solidFill>
-              <a:latin typeface="Roboto"/>
-              <a:ea typeface="Roboto"/>
-              <a:cs typeface="Roboto"/>
-              <a:sym typeface="Roboto"/>
-            </a:endParaRPr>
-          </a:p>
-          <a:p>
-            <a:pPr marL="0" lvl="0" indent="0" algn="l" rtl="0">
-              <a:spcBef>
-                <a:spcPts val="0"/>
-              </a:spcBef>
-              <a:spcAft>
-                <a:spcPts val="0"/>
-              </a:spcAft>
-              <a:buNone/>
-            </a:pPr>
-            <a:endParaRPr dirty="0">
-              <a:solidFill>
-                <a:srgbClr val="000000"/>
-              </a:solidFill>
-              <a:latin typeface="Roboto"/>
-              <a:ea typeface="Roboto"/>
-              <a:cs typeface="Roboto"/>
-              <a:sym typeface="Roboto"/>
-            </a:endParaRPr>
-          </a:p>
-          <a:p>
-            <a:pPr marL="0" lvl="0" indent="0" algn="l" rtl="0">
-              <a:spcBef>
-                <a:spcPts val="0"/>
-              </a:spcBef>
-              <a:spcAft>
-                <a:spcPts val="0"/>
-              </a:spcAft>
-              <a:buNone/>
-            </a:pPr>
             <a:r>
-              <a:rPr lang="ru" b="1" dirty="0">
+              <a:rPr lang="en-US" dirty="0" smtClean="0">
                 <a:solidFill>
                   <a:srgbClr val="000000"/>
                 </a:solidFill>
@@ -19183,12 +19464,84 @@
                 <a:cs typeface="Roboto"/>
                 <a:sym typeface="Roboto"/>
               </a:rPr>
-              <a:t>или</a:t>
+              <a:t>Docker Compose</a:t>
             </a:r>
-            <a:endParaRPr b="1" dirty="0">
-              <a:solidFill>
+            <a:r>
+              <a:rPr lang="ru-RU" dirty="0" smtClean="0">
+                <a:latin typeface="Roboto"/>
+                <a:ea typeface="Roboto"/>
+                <a:cs typeface="Roboto"/>
+                <a:sym typeface="Roboto"/>
+              </a:rPr>
+              <a:t>. </a:t>
+            </a:r>
+          </a:p>
+          <a:p>
+            <a:pPr marL="482600" lvl="0" indent="-342900" algn="l" rtl="0">
+              <a:spcBef>
+                <a:spcPts val="0"/>
+              </a:spcBef>
+              <a:spcAft>
+                <a:spcPts val="0"/>
+              </a:spcAft>
+              <a:buClr>
                 <a:srgbClr val="000000"/>
-              </a:solidFill>
+              </a:buClr>
+              <a:buSzPts val="1400"/>
+              <a:buFont typeface="+mj-lt"/>
+              <a:buAutoNum type="arabicPeriod"/>
+            </a:pPr>
+            <a:r>
+              <a:rPr lang="ru-RU" dirty="0" smtClean="0">
+                <a:latin typeface="Roboto"/>
+                <a:ea typeface="Roboto"/>
+                <a:cs typeface="Roboto"/>
+                <a:sym typeface="Roboto"/>
+              </a:rPr>
+              <a:t>Хранилище содержит пример организации сырых данных, а так же посуточный отчет по конкретному датчику – минимальное, максимальное и средние значения. Отчет дополняется данными автоматически раз в минуту (для наглядности и отладки).</a:t>
+            </a:r>
+          </a:p>
+          <a:p>
+            <a:pPr marL="482600" lvl="0" indent="-342900" algn="l" rtl="0">
+              <a:spcBef>
+                <a:spcPts val="0"/>
+              </a:spcBef>
+              <a:spcAft>
+                <a:spcPts val="0"/>
+              </a:spcAft>
+              <a:buClr>
+                <a:srgbClr val="000000"/>
+              </a:buClr>
+              <a:buSzPts val="1400"/>
+              <a:buFont typeface="+mj-lt"/>
+              <a:buAutoNum type="arabicPeriod"/>
+            </a:pPr>
+            <a:r>
+              <a:rPr lang="ru-RU" dirty="0" smtClean="0">
+                <a:latin typeface="Roboto"/>
+                <a:ea typeface="Roboto"/>
+                <a:cs typeface="Roboto"/>
+                <a:sym typeface="Roboto"/>
+              </a:rPr>
+              <a:t>Система визуализации отображает сводный график трех агрегатов.</a:t>
+            </a:r>
+          </a:p>
+          <a:p>
+            <a:pPr marL="482600" lvl="0" indent="-342900" algn="l" rtl="0">
+              <a:spcBef>
+                <a:spcPts val="0"/>
+              </a:spcBef>
+              <a:spcAft>
+                <a:spcPts val="0"/>
+              </a:spcAft>
+              <a:buClr>
+                <a:srgbClr val="000000"/>
+              </a:buClr>
+              <a:buSzPts val="1400"/>
+              <a:buFont typeface="+mj-lt"/>
+              <a:buAutoNum type="arabicPeriod"/>
+            </a:pPr>
+            <a:endParaRPr lang="ru-RU" dirty="0" smtClean="0">
               <a:latin typeface="Roboto"/>
               <a:ea typeface="Roboto"/>
               <a:cs typeface="Roboto"/>
@@ -19196,27 +19549,7 @@
             </a:endParaRPr>
           </a:p>
           <a:p>
-            <a:pPr marL="0" lvl="0" indent="0" algn="l" rtl="0">
-              <a:spcBef>
-                <a:spcPts val="0"/>
-              </a:spcBef>
-              <a:spcAft>
-                <a:spcPts val="0"/>
-              </a:spcAft>
-              <a:buNone/>
-            </a:pPr>
-            <a:endParaRPr dirty="0">
-              <a:solidFill>
-                <a:srgbClr val="000000"/>
-              </a:solidFill>
-              <a:latin typeface="Roboto"/>
-              <a:ea typeface="Roboto"/>
-              <a:cs typeface="Roboto"/>
-              <a:sym typeface="Roboto"/>
-            </a:endParaRPr>
-          </a:p>
-          <a:p>
-            <a:pPr marL="457200" lvl="0" indent="-317500" algn="l" rtl="0">
+            <a:pPr marL="139700" lvl="0" algn="l" rtl="0">
               <a:spcBef>
                 <a:spcPts val="0"/>
               </a:spcBef>
@@ -19227,130 +19560,7 @@
                 <a:srgbClr val="000000"/>
               </a:buClr>
               <a:buSzPts val="1400"/>
-              <a:buFont typeface="Roboto"/>
-              <a:buAutoNum type="arabicPeriod"/>
             </a:pPr>
-            <a:r>
-              <a:rPr lang="ru" dirty="0">
-                <a:solidFill>
-                  <a:srgbClr val="000000"/>
-                </a:solidFill>
-                <a:latin typeface="Roboto"/>
-                <a:ea typeface="Roboto"/>
-                <a:cs typeface="Roboto"/>
-                <a:sym typeface="Roboto"/>
-              </a:rPr>
-              <a:t>Демонстрация приложения и исходных кодов</a:t>
-            </a:r>
-            <a:endParaRPr dirty="0">
-              <a:solidFill>
-                <a:srgbClr val="000000"/>
-              </a:solidFill>
-              <a:latin typeface="Roboto"/>
-              <a:ea typeface="Roboto"/>
-              <a:cs typeface="Roboto"/>
-              <a:sym typeface="Roboto"/>
-            </a:endParaRPr>
-          </a:p>
-          <a:p>
-            <a:pPr marL="0" lvl="0" indent="0" algn="l" rtl="0">
-              <a:spcBef>
-                <a:spcPts val="0"/>
-              </a:spcBef>
-              <a:spcAft>
-                <a:spcPts val="0"/>
-              </a:spcAft>
-              <a:buNone/>
-            </a:pPr>
-            <a:endParaRPr dirty="0">
-              <a:solidFill>
-                <a:srgbClr val="000000"/>
-              </a:solidFill>
-              <a:latin typeface="Roboto"/>
-              <a:ea typeface="Roboto"/>
-              <a:cs typeface="Roboto"/>
-              <a:sym typeface="Roboto"/>
-            </a:endParaRPr>
-          </a:p>
-          <a:p>
-            <a:pPr marL="0" lvl="0" indent="0" algn="l" rtl="0">
-              <a:spcBef>
-                <a:spcPts val="0"/>
-              </a:spcBef>
-              <a:spcAft>
-                <a:spcPts val="0"/>
-              </a:spcAft>
-              <a:buNone/>
-            </a:pPr>
-            <a:r>
-              <a:rPr lang="ru" b="1" dirty="0">
-                <a:solidFill>
-                  <a:srgbClr val="000000"/>
-                </a:solidFill>
-                <a:latin typeface="Roboto"/>
-                <a:ea typeface="Roboto"/>
-                <a:cs typeface="Roboto"/>
-                <a:sym typeface="Roboto"/>
-              </a:rPr>
-              <a:t>или</a:t>
-            </a:r>
-            <a:endParaRPr b="1" dirty="0">
-              <a:solidFill>
-                <a:srgbClr val="000000"/>
-              </a:solidFill>
-              <a:latin typeface="Roboto"/>
-              <a:ea typeface="Roboto"/>
-              <a:cs typeface="Roboto"/>
-              <a:sym typeface="Roboto"/>
-            </a:endParaRPr>
-          </a:p>
-          <a:p>
-            <a:pPr marL="0" lvl="0" indent="0" algn="l" rtl="0">
-              <a:spcBef>
-                <a:spcPts val="0"/>
-              </a:spcBef>
-              <a:spcAft>
-                <a:spcPts val="0"/>
-              </a:spcAft>
-              <a:buNone/>
-            </a:pPr>
-            <a:endParaRPr dirty="0">
-              <a:solidFill>
-                <a:srgbClr val="000000"/>
-              </a:solidFill>
-              <a:latin typeface="Roboto"/>
-              <a:ea typeface="Roboto"/>
-              <a:cs typeface="Roboto"/>
-              <a:sym typeface="Roboto"/>
-            </a:endParaRPr>
-          </a:p>
-          <a:p>
-            <a:pPr marL="457200" lvl="0" indent="-317500" algn="l" rtl="0">
-              <a:spcBef>
-                <a:spcPts val="0"/>
-              </a:spcBef>
-              <a:spcAft>
-                <a:spcPts val="0"/>
-              </a:spcAft>
-              <a:buClr>
-                <a:srgbClr val="000000"/>
-              </a:buClr>
-              <a:buSzPts val="1400"/>
-              <a:buFont typeface="Roboto"/>
-              <a:buAutoNum type="arabicPeriod"/>
-            </a:pPr>
-            <a:r>
-              <a:rPr lang="ru" dirty="0">
-                <a:solidFill>
-                  <a:srgbClr val="000000"/>
-                </a:solidFill>
-                <a:latin typeface="Roboto"/>
-                <a:ea typeface="Roboto"/>
-                <a:cs typeface="Roboto"/>
-                <a:sym typeface="Roboto"/>
-              </a:rPr>
-              <a:t>Ссылка на репозиторий с исходными кодами или просто удачные кусочки</a:t>
-            </a:r>
             <a:endParaRPr dirty="0">
               <a:solidFill>
                 <a:srgbClr val="000000"/>
@@ -19365,7 +19575,7 @@
       </p:sp>
       <p:pic>
         <p:nvPicPr>
-          <p:cNvPr id="2" name="Рисунок 1"/>
+          <p:cNvPr id="3" name="Рисунок 2"/>
           <p:cNvPicPr>
             <a:picLocks noChangeAspect="1"/>
           </p:cNvPicPr>
@@ -19379,14 +19589,50 @@
         </p:blipFill>
         <p:spPr>
           <a:xfrm>
-            <a:off x="4758603" y="1211750"/>
-            <a:ext cx="4318706" cy="2194566"/>
+            <a:off x="4337141" y="1211750"/>
+            <a:ext cx="4148235" cy="1683850"/>
           </a:xfrm>
           <a:prstGeom prst="rect">
             <a:avLst/>
           </a:prstGeom>
         </p:spPr>
       </p:pic>
+      <p:sp>
+        <p:nvSpPr>
+          <p:cNvPr id="4" name="TextBox 3"/>
+          <p:cNvSpPr txBox="1"/>
+          <p:nvPr/>
+        </p:nvSpPr>
+        <p:spPr>
+          <a:xfrm>
+            <a:off x="4883727" y="2954900"/>
+            <a:ext cx="4467947" cy="400110"/>
+          </a:xfrm>
+          <a:prstGeom prst="rect">
+            <a:avLst/>
+          </a:prstGeom>
+          <a:noFill/>
+        </p:spPr>
+        <p:txBody>
+          <a:bodyPr wrap="square" rtlCol="0">
+            <a:spAutoFit/>
+          </a:bodyPr>
+          <a:lstStyle/>
+          <a:p>
+            <a:r>
+              <a:rPr lang="ru-RU" sz="1000" dirty="0" smtClean="0"/>
+              <a:t>Данный график основан на случайных значениях,</a:t>
+            </a:r>
+          </a:p>
+          <a:p>
+            <a:r>
+              <a:rPr lang="ru-RU" sz="1000" dirty="0" smtClean="0"/>
+              <a:t>поэтому усредненные показания мало отличаются.</a:t>
+            </a:r>
+            <a:endParaRPr lang="ru-RU" sz="1000" dirty="0"/>
+          </a:p>
+        </p:txBody>
+      </p:sp>
     </p:spTree>
   </p:cSld>
   <p:clrMapOvr>
@@ -19517,7 +19763,7 @@
       </p:pic>
       <p:pic>
         <p:nvPicPr>
-          <p:cNvPr id="5" name="Рисунок 4"/>
+          <p:cNvPr id="4" name="Рисунок 3"/>
           <p:cNvPicPr>
             <a:picLocks noChangeAspect="1"/>
           </p:cNvPicPr>
@@ -19531,8 +19777,8 @@
         </p:blipFill>
         <p:spPr>
           <a:xfrm>
-            <a:off x="5998709" y="993577"/>
-            <a:ext cx="1762125" cy="2009775"/>
+            <a:off x="4607935" y="993577"/>
+            <a:ext cx="3876675" cy="2552700"/>
           </a:xfrm>
           <a:prstGeom prst="rect">
             <a:avLst/>

--- a/project/Презентация.pptx
+++ b/project/Презентация.pptx
@@ -5,7 +5,7 @@
     <p:sldMasterId id="2147483662" r:id="rId1"/>
   </p:sldMasterIdLst>
   <p:notesMasterIdLst>
-    <p:notesMasterId r:id="rId20"/>
+    <p:notesMasterId r:id="rId13"/>
   </p:notesMasterIdLst>
   <p:sldIdLst>
     <p:sldId id="256" r:id="rId2"/>
@@ -19,13 +19,6 @@
     <p:sldId id="264" r:id="rId10"/>
     <p:sldId id="265" r:id="rId11"/>
     <p:sldId id="266" r:id="rId12"/>
-    <p:sldId id="267" r:id="rId13"/>
-    <p:sldId id="268" r:id="rId14"/>
-    <p:sldId id="269" r:id="rId15"/>
-    <p:sldId id="270" r:id="rId16"/>
-    <p:sldId id="271" r:id="rId17"/>
-    <p:sldId id="272" r:id="rId18"/>
-    <p:sldId id="273" r:id="rId19"/>
   </p:sldIdLst>
   <p:sldSz cx="9144000" cy="5143500" type="screen16x9"/>
   <p:notesSz cx="6858000" cy="9144000"/>
@@ -1035,734 +1028,6 @@
 </p:notes>
 </file>
 
-<file path=ppt/notesSlides/notesSlide12.xml><?xml version="1.0" encoding="utf-8"?>
-<p:notes xmlns:a="http://schemas.openxmlformats.org/drawingml/2006/main" xmlns:r="http://schemas.openxmlformats.org/officeDocument/2006/relationships" xmlns:p="http://schemas.openxmlformats.org/presentationml/2006/main" showMasterSp="0" showMasterPhAnim="0">
-  <p:cSld>
-    <p:spTree>
-      <p:nvGrpSpPr>
-        <p:cNvPr id="1" name="Shape 149"/>
-        <p:cNvGrpSpPr/>
-        <p:nvPr/>
-      </p:nvGrpSpPr>
-      <p:grpSpPr>
-        <a:xfrm>
-          <a:off x="0" y="0"/>
-          <a:ext cx="0" cy="0"/>
-          <a:chOff x="0" y="0"/>
-          <a:chExt cx="0" cy="0"/>
-        </a:xfrm>
-      </p:grpSpPr>
-      <p:sp>
-        <p:nvSpPr>
-          <p:cNvPr id="150" name="Google Shape;150;ge04b8b6756_0_145:notes"/>
-          <p:cNvSpPr>
-            <a:spLocks noGrp="1" noRot="1" noChangeAspect="1"/>
-          </p:cNvSpPr>
-          <p:nvPr>
-            <p:ph type="sldImg" idx="2"/>
-          </p:nvPr>
-        </p:nvSpPr>
-        <p:spPr>
-          <a:xfrm>
-            <a:off x="381000" y="685800"/>
-            <a:ext cx="6096000" cy="3429000"/>
-          </a:xfrm>
-          <a:custGeom>
-            <a:avLst/>
-            <a:gdLst/>
-            <a:ahLst/>
-            <a:cxnLst/>
-            <a:rect l="l" t="t" r="r" b="b"/>
-            <a:pathLst>
-              <a:path w="120000" h="120000" extrusionOk="0">
-                <a:moveTo>
-                  <a:pt x="0" y="0"/>
-                </a:moveTo>
-                <a:lnTo>
-                  <a:pt x="120000" y="0"/>
-                </a:lnTo>
-                <a:lnTo>
-                  <a:pt x="120000" y="120000"/>
-                </a:lnTo>
-                <a:lnTo>
-                  <a:pt x="0" y="120000"/>
-                </a:lnTo>
-                <a:close/>
-              </a:path>
-            </a:pathLst>
-          </a:custGeom>
-        </p:spPr>
-      </p:sp>
-      <p:sp>
-        <p:nvSpPr>
-          <p:cNvPr id="151" name="Google Shape;151;ge04b8b6756_0_145:notes"/>
-          <p:cNvSpPr txBox="1">
-            <a:spLocks noGrp="1"/>
-          </p:cNvSpPr>
-          <p:nvPr>
-            <p:ph type="body" idx="1"/>
-          </p:nvPr>
-        </p:nvSpPr>
-        <p:spPr>
-          <a:xfrm>
-            <a:off x="685800" y="4343400"/>
-            <a:ext cx="5486400" cy="4114800"/>
-          </a:xfrm>
-          <a:prstGeom prst="rect">
-            <a:avLst/>
-          </a:prstGeom>
-        </p:spPr>
-        <p:txBody>
-          <a:bodyPr spcFirstLastPara="1" wrap="square" lIns="91425" tIns="91425" rIns="91425" bIns="91425" anchor="t" anchorCtr="0">
-            <a:noAutofit/>
-          </a:bodyPr>
-          <a:lstStyle/>
-          <a:p>
-            <a:pPr marL="0" lvl="0" indent="0" algn="l" rtl="0">
-              <a:spcBef>
-                <a:spcPts val="0"/>
-              </a:spcBef>
-              <a:spcAft>
-                <a:spcPts val="0"/>
-              </a:spcAft>
-              <a:buNone/>
-            </a:pPr>
-            <a:endParaRPr/>
-          </a:p>
-        </p:txBody>
-      </p:sp>
-    </p:spTree>
-  </p:cSld>
-  <p:clrMapOvr>
-    <a:masterClrMapping/>
-  </p:clrMapOvr>
-</p:notes>
-</file>
-
-<file path=ppt/notesSlides/notesSlide13.xml><?xml version="1.0" encoding="utf-8"?>
-<p:notes xmlns:a="http://schemas.openxmlformats.org/drawingml/2006/main" xmlns:r="http://schemas.openxmlformats.org/officeDocument/2006/relationships" xmlns:p="http://schemas.openxmlformats.org/presentationml/2006/main" showMasterSp="0" showMasterPhAnim="0">
-  <p:cSld>
-    <p:spTree>
-      <p:nvGrpSpPr>
-        <p:cNvPr id="1" name="Shape 154"/>
-        <p:cNvGrpSpPr/>
-        <p:nvPr/>
-      </p:nvGrpSpPr>
-      <p:grpSpPr>
-        <a:xfrm>
-          <a:off x="0" y="0"/>
-          <a:ext cx="0" cy="0"/>
-          <a:chOff x="0" y="0"/>
-          <a:chExt cx="0" cy="0"/>
-        </a:xfrm>
-      </p:grpSpPr>
-      <p:sp>
-        <p:nvSpPr>
-          <p:cNvPr id="155" name="Google Shape;155;gf07fba8f92_0_0:notes"/>
-          <p:cNvSpPr>
-            <a:spLocks noGrp="1" noRot="1" noChangeAspect="1"/>
-          </p:cNvSpPr>
-          <p:nvPr>
-            <p:ph type="sldImg" idx="2"/>
-          </p:nvPr>
-        </p:nvSpPr>
-        <p:spPr>
-          <a:xfrm>
-            <a:off x="381000" y="685800"/>
-            <a:ext cx="6096000" cy="3429000"/>
-          </a:xfrm>
-          <a:custGeom>
-            <a:avLst/>
-            <a:gdLst/>
-            <a:ahLst/>
-            <a:cxnLst/>
-            <a:rect l="l" t="t" r="r" b="b"/>
-            <a:pathLst>
-              <a:path w="120000" h="120000" extrusionOk="0">
-                <a:moveTo>
-                  <a:pt x="0" y="0"/>
-                </a:moveTo>
-                <a:lnTo>
-                  <a:pt x="120000" y="0"/>
-                </a:lnTo>
-                <a:lnTo>
-                  <a:pt x="120000" y="120000"/>
-                </a:lnTo>
-                <a:lnTo>
-                  <a:pt x="0" y="120000"/>
-                </a:lnTo>
-                <a:close/>
-              </a:path>
-            </a:pathLst>
-          </a:custGeom>
-        </p:spPr>
-      </p:sp>
-      <p:sp>
-        <p:nvSpPr>
-          <p:cNvPr id="156" name="Google Shape;156;gf07fba8f92_0_0:notes"/>
-          <p:cNvSpPr txBox="1">
-            <a:spLocks noGrp="1"/>
-          </p:cNvSpPr>
-          <p:nvPr>
-            <p:ph type="body" idx="1"/>
-          </p:nvPr>
-        </p:nvSpPr>
-        <p:spPr>
-          <a:xfrm>
-            <a:off x="685800" y="4343400"/>
-            <a:ext cx="5486400" cy="4114800"/>
-          </a:xfrm>
-          <a:prstGeom prst="rect">
-            <a:avLst/>
-          </a:prstGeom>
-        </p:spPr>
-        <p:txBody>
-          <a:bodyPr spcFirstLastPara="1" wrap="square" lIns="91425" tIns="91425" rIns="91425" bIns="91425" anchor="t" anchorCtr="0">
-            <a:noAutofit/>
-          </a:bodyPr>
-          <a:lstStyle/>
-          <a:p>
-            <a:pPr marL="0" lvl="0" indent="0" algn="l" rtl="0">
-              <a:spcBef>
-                <a:spcPts val="0"/>
-              </a:spcBef>
-              <a:spcAft>
-                <a:spcPts val="0"/>
-              </a:spcAft>
-              <a:buNone/>
-            </a:pPr>
-            <a:endParaRPr/>
-          </a:p>
-        </p:txBody>
-      </p:sp>
-    </p:spTree>
-  </p:cSld>
-  <p:clrMapOvr>
-    <a:masterClrMapping/>
-  </p:clrMapOvr>
-</p:notes>
-</file>
-
-<file path=ppt/notesSlides/notesSlide14.xml><?xml version="1.0" encoding="utf-8"?>
-<p:notes xmlns:a="http://schemas.openxmlformats.org/drawingml/2006/main" xmlns:r="http://schemas.openxmlformats.org/officeDocument/2006/relationships" xmlns:p="http://schemas.openxmlformats.org/presentationml/2006/main" showMasterSp="0" showMasterPhAnim="0">
-  <p:cSld>
-    <p:spTree>
-      <p:nvGrpSpPr>
-        <p:cNvPr id="1" name="Shape 201"/>
-        <p:cNvGrpSpPr/>
-        <p:nvPr/>
-      </p:nvGrpSpPr>
-      <p:grpSpPr>
-        <a:xfrm>
-          <a:off x="0" y="0"/>
-          <a:ext cx="0" cy="0"/>
-          <a:chOff x="0" y="0"/>
-          <a:chExt cx="0" cy="0"/>
-        </a:xfrm>
-      </p:grpSpPr>
-      <p:sp>
-        <p:nvSpPr>
-          <p:cNvPr id="202" name="Google Shape;202;gf07fba8f92_0_35:notes"/>
-          <p:cNvSpPr>
-            <a:spLocks noGrp="1" noRot="1" noChangeAspect="1"/>
-          </p:cNvSpPr>
-          <p:nvPr>
-            <p:ph type="sldImg" idx="2"/>
-          </p:nvPr>
-        </p:nvSpPr>
-        <p:spPr>
-          <a:xfrm>
-            <a:off x="381000" y="685800"/>
-            <a:ext cx="6096000" cy="3429000"/>
-          </a:xfrm>
-          <a:custGeom>
-            <a:avLst/>
-            <a:gdLst/>
-            <a:ahLst/>
-            <a:cxnLst/>
-            <a:rect l="l" t="t" r="r" b="b"/>
-            <a:pathLst>
-              <a:path w="120000" h="120000" extrusionOk="0">
-                <a:moveTo>
-                  <a:pt x="0" y="0"/>
-                </a:moveTo>
-                <a:lnTo>
-                  <a:pt x="120000" y="0"/>
-                </a:lnTo>
-                <a:lnTo>
-                  <a:pt x="120000" y="120000"/>
-                </a:lnTo>
-                <a:lnTo>
-                  <a:pt x="0" y="120000"/>
-                </a:lnTo>
-                <a:close/>
-              </a:path>
-            </a:pathLst>
-          </a:custGeom>
-        </p:spPr>
-      </p:sp>
-      <p:sp>
-        <p:nvSpPr>
-          <p:cNvPr id="203" name="Google Shape;203;gf07fba8f92_0_35:notes"/>
-          <p:cNvSpPr txBox="1">
-            <a:spLocks noGrp="1"/>
-          </p:cNvSpPr>
-          <p:nvPr>
-            <p:ph type="body" idx="1"/>
-          </p:nvPr>
-        </p:nvSpPr>
-        <p:spPr>
-          <a:xfrm>
-            <a:off x="685800" y="4343400"/>
-            <a:ext cx="5486400" cy="4114800"/>
-          </a:xfrm>
-          <a:prstGeom prst="rect">
-            <a:avLst/>
-          </a:prstGeom>
-        </p:spPr>
-        <p:txBody>
-          <a:bodyPr spcFirstLastPara="1" wrap="square" lIns="91425" tIns="91425" rIns="91425" bIns="91425" anchor="t" anchorCtr="0">
-            <a:noAutofit/>
-          </a:bodyPr>
-          <a:lstStyle/>
-          <a:p>
-            <a:pPr marL="0" lvl="0" indent="0" algn="l" rtl="0">
-              <a:spcBef>
-                <a:spcPts val="0"/>
-              </a:spcBef>
-              <a:spcAft>
-                <a:spcPts val="0"/>
-              </a:spcAft>
-              <a:buNone/>
-            </a:pPr>
-            <a:endParaRPr/>
-          </a:p>
-        </p:txBody>
-      </p:sp>
-    </p:spTree>
-  </p:cSld>
-  <p:clrMapOvr>
-    <a:masterClrMapping/>
-  </p:clrMapOvr>
-</p:notes>
-</file>
-
-<file path=ppt/notesSlides/notesSlide15.xml><?xml version="1.0" encoding="utf-8"?>
-<p:notes xmlns:a="http://schemas.openxmlformats.org/drawingml/2006/main" xmlns:r="http://schemas.openxmlformats.org/officeDocument/2006/relationships" xmlns:p="http://schemas.openxmlformats.org/presentationml/2006/main" showMasterSp="0" showMasterPhAnim="0">
-  <p:cSld>
-    <p:spTree>
-      <p:nvGrpSpPr>
-        <p:cNvPr id="1" name="Shape 249"/>
-        <p:cNvGrpSpPr/>
-        <p:nvPr/>
-      </p:nvGrpSpPr>
-      <p:grpSpPr>
-        <a:xfrm>
-          <a:off x="0" y="0"/>
-          <a:ext cx="0" cy="0"/>
-          <a:chOff x="0" y="0"/>
-          <a:chExt cx="0" cy="0"/>
-        </a:xfrm>
-      </p:grpSpPr>
-      <p:sp>
-        <p:nvSpPr>
-          <p:cNvPr id="250" name="Google Shape;250;gf07fba8f92_0_63:notes"/>
-          <p:cNvSpPr>
-            <a:spLocks noGrp="1" noRot="1" noChangeAspect="1"/>
-          </p:cNvSpPr>
-          <p:nvPr>
-            <p:ph type="sldImg" idx="2"/>
-          </p:nvPr>
-        </p:nvSpPr>
-        <p:spPr>
-          <a:xfrm>
-            <a:off x="381000" y="685800"/>
-            <a:ext cx="6096000" cy="3429000"/>
-          </a:xfrm>
-          <a:custGeom>
-            <a:avLst/>
-            <a:gdLst/>
-            <a:ahLst/>
-            <a:cxnLst/>
-            <a:rect l="l" t="t" r="r" b="b"/>
-            <a:pathLst>
-              <a:path w="120000" h="120000" extrusionOk="0">
-                <a:moveTo>
-                  <a:pt x="0" y="0"/>
-                </a:moveTo>
-                <a:lnTo>
-                  <a:pt x="120000" y="0"/>
-                </a:lnTo>
-                <a:lnTo>
-                  <a:pt x="120000" y="120000"/>
-                </a:lnTo>
-                <a:lnTo>
-                  <a:pt x="0" y="120000"/>
-                </a:lnTo>
-                <a:close/>
-              </a:path>
-            </a:pathLst>
-          </a:custGeom>
-        </p:spPr>
-      </p:sp>
-      <p:sp>
-        <p:nvSpPr>
-          <p:cNvPr id="251" name="Google Shape;251;gf07fba8f92_0_63:notes"/>
-          <p:cNvSpPr txBox="1">
-            <a:spLocks noGrp="1"/>
-          </p:cNvSpPr>
-          <p:nvPr>
-            <p:ph type="body" idx="1"/>
-          </p:nvPr>
-        </p:nvSpPr>
-        <p:spPr>
-          <a:xfrm>
-            <a:off x="685800" y="4343400"/>
-            <a:ext cx="5486400" cy="4114800"/>
-          </a:xfrm>
-          <a:prstGeom prst="rect">
-            <a:avLst/>
-          </a:prstGeom>
-        </p:spPr>
-        <p:txBody>
-          <a:bodyPr spcFirstLastPara="1" wrap="square" lIns="91425" tIns="91425" rIns="91425" bIns="91425" anchor="t" anchorCtr="0">
-            <a:noAutofit/>
-          </a:bodyPr>
-          <a:lstStyle/>
-          <a:p>
-            <a:pPr marL="0" lvl="0" indent="0" algn="l" rtl="0">
-              <a:spcBef>
-                <a:spcPts val="0"/>
-              </a:spcBef>
-              <a:spcAft>
-                <a:spcPts val="0"/>
-              </a:spcAft>
-              <a:buNone/>
-            </a:pPr>
-            <a:endParaRPr/>
-          </a:p>
-        </p:txBody>
-      </p:sp>
-    </p:spTree>
-  </p:cSld>
-  <p:clrMapOvr>
-    <a:masterClrMapping/>
-  </p:clrMapOvr>
-</p:notes>
-</file>
-
-<file path=ppt/notesSlides/notesSlide16.xml><?xml version="1.0" encoding="utf-8"?>
-<p:notes xmlns:a="http://schemas.openxmlformats.org/drawingml/2006/main" xmlns:r="http://schemas.openxmlformats.org/officeDocument/2006/relationships" xmlns:p="http://schemas.openxmlformats.org/presentationml/2006/main" showMasterSp="0" showMasterPhAnim="0">
-  <p:cSld>
-    <p:spTree>
-      <p:nvGrpSpPr>
-        <p:cNvPr id="1" name="Shape 306"/>
-        <p:cNvGrpSpPr/>
-        <p:nvPr/>
-      </p:nvGrpSpPr>
-      <p:grpSpPr>
-        <a:xfrm>
-          <a:off x="0" y="0"/>
-          <a:ext cx="0" cy="0"/>
-          <a:chOff x="0" y="0"/>
-          <a:chExt cx="0" cy="0"/>
-        </a:xfrm>
-      </p:grpSpPr>
-      <p:sp>
-        <p:nvSpPr>
-          <p:cNvPr id="307" name="Google Shape;307;ge04b8b6756_0_74:notes"/>
-          <p:cNvSpPr>
-            <a:spLocks noGrp="1" noRot="1" noChangeAspect="1"/>
-          </p:cNvSpPr>
-          <p:nvPr>
-            <p:ph type="sldImg" idx="2"/>
-          </p:nvPr>
-        </p:nvSpPr>
-        <p:spPr>
-          <a:xfrm>
-            <a:off x="381000" y="685800"/>
-            <a:ext cx="6096000" cy="3429000"/>
-          </a:xfrm>
-          <a:custGeom>
-            <a:avLst/>
-            <a:gdLst/>
-            <a:ahLst/>
-            <a:cxnLst/>
-            <a:rect l="l" t="t" r="r" b="b"/>
-            <a:pathLst>
-              <a:path w="120000" h="120000" extrusionOk="0">
-                <a:moveTo>
-                  <a:pt x="0" y="0"/>
-                </a:moveTo>
-                <a:lnTo>
-                  <a:pt x="120000" y="0"/>
-                </a:lnTo>
-                <a:lnTo>
-                  <a:pt x="120000" y="120000"/>
-                </a:lnTo>
-                <a:lnTo>
-                  <a:pt x="0" y="120000"/>
-                </a:lnTo>
-                <a:close/>
-              </a:path>
-            </a:pathLst>
-          </a:custGeom>
-        </p:spPr>
-      </p:sp>
-      <p:sp>
-        <p:nvSpPr>
-          <p:cNvPr id="308" name="Google Shape;308;ge04b8b6756_0_74:notes"/>
-          <p:cNvSpPr txBox="1">
-            <a:spLocks noGrp="1"/>
-          </p:cNvSpPr>
-          <p:nvPr>
-            <p:ph type="body" idx="1"/>
-          </p:nvPr>
-        </p:nvSpPr>
-        <p:spPr>
-          <a:xfrm>
-            <a:off x="685800" y="4343400"/>
-            <a:ext cx="5486400" cy="4114800"/>
-          </a:xfrm>
-          <a:prstGeom prst="rect">
-            <a:avLst/>
-          </a:prstGeom>
-        </p:spPr>
-        <p:txBody>
-          <a:bodyPr spcFirstLastPara="1" wrap="square" lIns="91425" tIns="91425" rIns="91425" bIns="91425" anchor="t" anchorCtr="0">
-            <a:noAutofit/>
-          </a:bodyPr>
-          <a:lstStyle/>
-          <a:p>
-            <a:pPr marL="0" lvl="0" indent="0" algn="l" rtl="0">
-              <a:spcBef>
-                <a:spcPts val="0"/>
-              </a:spcBef>
-              <a:spcAft>
-                <a:spcPts val="0"/>
-              </a:spcAft>
-              <a:buNone/>
-            </a:pPr>
-            <a:endParaRPr/>
-          </a:p>
-        </p:txBody>
-      </p:sp>
-    </p:spTree>
-  </p:cSld>
-  <p:clrMapOvr>
-    <a:masterClrMapping/>
-  </p:clrMapOvr>
-</p:notes>
-</file>
-
-<file path=ppt/notesSlides/notesSlide17.xml><?xml version="1.0" encoding="utf-8"?>
-<p:notes xmlns:a="http://schemas.openxmlformats.org/drawingml/2006/main" xmlns:r="http://schemas.openxmlformats.org/officeDocument/2006/relationships" xmlns:p="http://schemas.openxmlformats.org/presentationml/2006/main" showMasterSp="0" showMasterPhAnim="0">
-  <p:cSld>
-    <p:spTree>
-      <p:nvGrpSpPr>
-        <p:cNvPr id="1" name="Shape 312"/>
-        <p:cNvGrpSpPr/>
-        <p:nvPr/>
-      </p:nvGrpSpPr>
-      <p:grpSpPr>
-        <a:xfrm>
-          <a:off x="0" y="0"/>
-          <a:ext cx="0" cy="0"/>
-          <a:chOff x="0" y="0"/>
-          <a:chExt cx="0" cy="0"/>
-        </a:xfrm>
-      </p:grpSpPr>
-      <p:sp>
-        <p:nvSpPr>
-          <p:cNvPr id="313" name="Google Shape;313;ge04b8b6756_0_127:notes"/>
-          <p:cNvSpPr>
-            <a:spLocks noGrp="1" noRot="1" noChangeAspect="1"/>
-          </p:cNvSpPr>
-          <p:nvPr>
-            <p:ph type="sldImg" idx="2"/>
-          </p:nvPr>
-        </p:nvSpPr>
-        <p:spPr>
-          <a:xfrm>
-            <a:off x="381000" y="685800"/>
-            <a:ext cx="6096000" cy="3429000"/>
-          </a:xfrm>
-          <a:custGeom>
-            <a:avLst/>
-            <a:gdLst/>
-            <a:ahLst/>
-            <a:cxnLst/>
-            <a:rect l="l" t="t" r="r" b="b"/>
-            <a:pathLst>
-              <a:path w="120000" h="120000" extrusionOk="0">
-                <a:moveTo>
-                  <a:pt x="0" y="0"/>
-                </a:moveTo>
-                <a:lnTo>
-                  <a:pt x="120000" y="0"/>
-                </a:lnTo>
-                <a:lnTo>
-                  <a:pt x="120000" y="120000"/>
-                </a:lnTo>
-                <a:lnTo>
-                  <a:pt x="0" y="120000"/>
-                </a:lnTo>
-                <a:close/>
-              </a:path>
-            </a:pathLst>
-          </a:custGeom>
-        </p:spPr>
-      </p:sp>
-      <p:sp>
-        <p:nvSpPr>
-          <p:cNvPr id="314" name="Google Shape;314;ge04b8b6756_0_127:notes"/>
-          <p:cNvSpPr txBox="1">
-            <a:spLocks noGrp="1"/>
-          </p:cNvSpPr>
-          <p:nvPr>
-            <p:ph type="body" idx="1"/>
-          </p:nvPr>
-        </p:nvSpPr>
-        <p:spPr>
-          <a:xfrm>
-            <a:off x="685800" y="4343400"/>
-            <a:ext cx="5486400" cy="4114800"/>
-          </a:xfrm>
-          <a:prstGeom prst="rect">
-            <a:avLst/>
-          </a:prstGeom>
-        </p:spPr>
-        <p:txBody>
-          <a:bodyPr spcFirstLastPara="1" wrap="square" lIns="91425" tIns="91425" rIns="91425" bIns="91425" anchor="t" anchorCtr="0">
-            <a:noAutofit/>
-          </a:bodyPr>
-          <a:lstStyle/>
-          <a:p>
-            <a:pPr marL="0" lvl="0" indent="0" algn="l" rtl="0">
-              <a:spcBef>
-                <a:spcPts val="0"/>
-              </a:spcBef>
-              <a:spcAft>
-                <a:spcPts val="0"/>
-              </a:spcAft>
-              <a:buNone/>
-            </a:pPr>
-            <a:endParaRPr/>
-          </a:p>
-        </p:txBody>
-      </p:sp>
-    </p:spTree>
-  </p:cSld>
-  <p:clrMapOvr>
-    <a:masterClrMapping/>
-  </p:clrMapOvr>
-</p:notes>
-</file>
-
-<file path=ppt/notesSlides/notesSlide18.xml><?xml version="1.0" encoding="utf-8"?>
-<p:notes xmlns:a="http://schemas.openxmlformats.org/drawingml/2006/main" xmlns:r="http://schemas.openxmlformats.org/officeDocument/2006/relationships" xmlns:p="http://schemas.openxmlformats.org/presentationml/2006/main" showMasterSp="0" showMasterPhAnim="0">
-  <p:cSld>
-    <p:spTree>
-      <p:nvGrpSpPr>
-        <p:cNvPr id="1" name="Shape 320"/>
-        <p:cNvGrpSpPr/>
-        <p:nvPr/>
-      </p:nvGrpSpPr>
-      <p:grpSpPr>
-        <a:xfrm>
-          <a:off x="0" y="0"/>
-          <a:ext cx="0" cy="0"/>
-          <a:chOff x="0" y="0"/>
-          <a:chExt cx="0" cy="0"/>
-        </a:xfrm>
-      </p:grpSpPr>
-      <p:sp>
-        <p:nvSpPr>
-          <p:cNvPr id="321" name="Google Shape;321;ge04b8b6756_0_137:notes"/>
-          <p:cNvSpPr>
-            <a:spLocks noGrp="1" noRot="1" noChangeAspect="1"/>
-          </p:cNvSpPr>
-          <p:nvPr>
-            <p:ph type="sldImg" idx="2"/>
-          </p:nvPr>
-        </p:nvSpPr>
-        <p:spPr>
-          <a:xfrm>
-            <a:off x="381000" y="685800"/>
-            <a:ext cx="6096000" cy="3429000"/>
-          </a:xfrm>
-          <a:custGeom>
-            <a:avLst/>
-            <a:gdLst/>
-            <a:ahLst/>
-            <a:cxnLst/>
-            <a:rect l="l" t="t" r="r" b="b"/>
-            <a:pathLst>
-              <a:path w="120000" h="120000" extrusionOk="0">
-                <a:moveTo>
-                  <a:pt x="0" y="0"/>
-                </a:moveTo>
-                <a:lnTo>
-                  <a:pt x="120000" y="0"/>
-                </a:lnTo>
-                <a:lnTo>
-                  <a:pt x="120000" y="120000"/>
-                </a:lnTo>
-                <a:lnTo>
-                  <a:pt x="0" y="120000"/>
-                </a:lnTo>
-                <a:close/>
-              </a:path>
-            </a:pathLst>
-          </a:custGeom>
-        </p:spPr>
-      </p:sp>
-      <p:sp>
-        <p:nvSpPr>
-          <p:cNvPr id="322" name="Google Shape;322;ge04b8b6756_0_137:notes"/>
-          <p:cNvSpPr txBox="1">
-            <a:spLocks noGrp="1"/>
-          </p:cNvSpPr>
-          <p:nvPr>
-            <p:ph type="body" idx="1"/>
-          </p:nvPr>
-        </p:nvSpPr>
-        <p:spPr>
-          <a:xfrm>
-            <a:off x="685800" y="4343400"/>
-            <a:ext cx="5486400" cy="4114800"/>
-          </a:xfrm>
-          <a:prstGeom prst="rect">
-            <a:avLst/>
-          </a:prstGeom>
-        </p:spPr>
-        <p:txBody>
-          <a:bodyPr spcFirstLastPara="1" wrap="square" lIns="91425" tIns="91425" rIns="91425" bIns="91425" anchor="t" anchorCtr="0">
-            <a:noAutofit/>
-          </a:bodyPr>
-          <a:lstStyle/>
-          <a:p>
-            <a:pPr marL="0" lvl="0" indent="0" algn="l" rtl="0">
-              <a:spcBef>
-                <a:spcPts val="0"/>
-              </a:spcBef>
-              <a:spcAft>
-                <a:spcPts val="0"/>
-              </a:spcAft>
-              <a:buNone/>
-            </a:pPr>
-            <a:endParaRPr/>
-          </a:p>
-        </p:txBody>
-      </p:sp>
-    </p:spTree>
-  </p:cSld>
-  <p:clrMapOvr>
-    <a:masterClrMapping/>
-  </p:clrMapOvr>
-</p:notes>
-</file>
-
 <file path=ppt/notesSlides/notesSlide2.xml><?xml version="1.0" encoding="utf-8"?>
 <p:notes xmlns:a="http://schemas.openxmlformats.org/drawingml/2006/main" xmlns:r="http://schemas.openxmlformats.org/officeDocument/2006/relationships" xmlns:p="http://schemas.openxmlformats.org/presentationml/2006/main" showMasterSp="0" showMasterPhAnim="0">
   <p:cSld>
@@ -2974,160 +2239,6 @@
 </file>
 
 <file path=ppt/slideLayouts/slideLayout10.xml><?xml version="1.0" encoding="utf-8"?>
-<p:sldLayout xmlns:a="http://schemas.openxmlformats.org/drawingml/2006/main" xmlns:r="http://schemas.openxmlformats.org/officeDocument/2006/relationships" xmlns:p="http://schemas.openxmlformats.org/presentationml/2006/main" matchingName="Заголовок">
-  <p:cSld name="CUSTOM_3">
-    <p:spTree>
-      <p:nvGrpSpPr>
-        <p:cNvPr id="1" name="Shape 45"/>
-        <p:cNvGrpSpPr/>
-        <p:nvPr/>
-      </p:nvGrpSpPr>
-      <p:grpSpPr>
-        <a:xfrm>
-          <a:off x="0" y="0"/>
-          <a:ext cx="0" cy="0"/>
-          <a:chOff x="0" y="0"/>
-          <a:chExt cx="0" cy="0"/>
-        </a:xfrm>
-      </p:grpSpPr>
-      <p:sp>
-        <p:nvSpPr>
-          <p:cNvPr id="46" name="Google Shape;46;p11"/>
-          <p:cNvSpPr txBox="1">
-            <a:spLocks noGrp="1"/>
-          </p:cNvSpPr>
-          <p:nvPr>
-            <p:ph type="title"/>
-          </p:nvPr>
-        </p:nvSpPr>
-        <p:spPr>
-          <a:xfrm>
-            <a:off x="500550" y="330724"/>
-            <a:ext cx="8520600" cy="1095900"/>
-          </a:xfrm>
-          <a:prstGeom prst="rect">
-            <a:avLst/>
-          </a:prstGeom>
-        </p:spPr>
-        <p:txBody>
-          <a:bodyPr spcFirstLastPara="1" wrap="square" lIns="91425" tIns="91425" rIns="91425" bIns="91425" anchor="t" anchorCtr="0">
-            <a:noAutofit/>
-          </a:bodyPr>
-          <a:lstStyle>
-            <a:lvl1pPr lvl="0">
-              <a:spcBef>
-                <a:spcPts val="0"/>
-              </a:spcBef>
-              <a:spcAft>
-                <a:spcPts val="0"/>
-              </a:spcAft>
-              <a:buSzPts val="3100"/>
-              <a:buNone/>
-              <a:defRPr/>
-            </a:lvl1pPr>
-            <a:lvl2pPr lvl="1">
-              <a:spcBef>
-                <a:spcPts val="0"/>
-              </a:spcBef>
-              <a:spcAft>
-                <a:spcPts val="0"/>
-              </a:spcAft>
-              <a:buSzPts val="2800"/>
-              <a:buNone/>
-              <a:defRPr/>
-            </a:lvl2pPr>
-            <a:lvl3pPr lvl="2">
-              <a:spcBef>
-                <a:spcPts val="0"/>
-              </a:spcBef>
-              <a:spcAft>
-                <a:spcPts val="0"/>
-              </a:spcAft>
-              <a:buSzPts val="2800"/>
-              <a:buNone/>
-              <a:defRPr/>
-            </a:lvl3pPr>
-            <a:lvl4pPr lvl="3">
-              <a:spcBef>
-                <a:spcPts val="0"/>
-              </a:spcBef>
-              <a:spcAft>
-                <a:spcPts val="0"/>
-              </a:spcAft>
-              <a:buSzPts val="2800"/>
-              <a:buNone/>
-              <a:defRPr/>
-            </a:lvl4pPr>
-            <a:lvl5pPr lvl="4">
-              <a:spcBef>
-                <a:spcPts val="0"/>
-              </a:spcBef>
-              <a:spcAft>
-                <a:spcPts val="0"/>
-              </a:spcAft>
-              <a:buSzPts val="2800"/>
-              <a:buNone/>
-              <a:defRPr/>
-            </a:lvl5pPr>
-            <a:lvl6pPr lvl="5">
-              <a:spcBef>
-                <a:spcPts val="0"/>
-              </a:spcBef>
-              <a:spcAft>
-                <a:spcPts val="0"/>
-              </a:spcAft>
-              <a:buSzPts val="2800"/>
-              <a:buNone/>
-              <a:defRPr/>
-            </a:lvl6pPr>
-            <a:lvl7pPr lvl="6">
-              <a:spcBef>
-                <a:spcPts val="0"/>
-              </a:spcBef>
-              <a:spcAft>
-                <a:spcPts val="0"/>
-              </a:spcAft>
-              <a:buSzPts val="2800"/>
-              <a:buNone/>
-              <a:defRPr/>
-            </a:lvl7pPr>
-            <a:lvl8pPr lvl="7">
-              <a:spcBef>
-                <a:spcPts val="0"/>
-              </a:spcBef>
-              <a:spcAft>
-                <a:spcPts val="0"/>
-              </a:spcAft>
-              <a:buSzPts val="2800"/>
-              <a:buNone/>
-              <a:defRPr/>
-            </a:lvl8pPr>
-            <a:lvl9pPr lvl="8">
-              <a:spcBef>
-                <a:spcPts val="0"/>
-              </a:spcBef>
-              <a:spcAft>
-                <a:spcPts val="0"/>
-              </a:spcAft>
-              <a:buSzPts val="2800"/>
-              <a:buNone/>
-              <a:defRPr/>
-            </a:lvl9pPr>
-          </a:lstStyle>
-          <a:p>
-            <a:endParaRPr/>
-          </a:p>
-        </p:txBody>
-      </p:sp>
-    </p:spTree>
-  </p:cSld>
-  <p:clrMapOvr>
-    <a:masterClrMapping/>
-  </p:clrMapOvr>
-</p:sldLayout>
-</file>
-
-<file path=ppt/slideLayouts/slideLayout11.xml><?xml version="1.0" encoding="utf-8"?>
 <p:sldLayout xmlns:a="http://schemas.openxmlformats.org/drawingml/2006/main" xmlns:r="http://schemas.openxmlformats.org/officeDocument/2006/relationships" xmlns:p="http://schemas.openxmlformats.org/presentationml/2006/main" matchingName="Слайд с кодом 1">
   <p:cSld name="CUSTOM_2">
     <p:spTree>
@@ -3483,7 +2594,7 @@
 </p:sldLayout>
 </file>
 
-<file path=ppt/slideLayouts/slideLayout12.xml><?xml version="1.0" encoding="utf-8"?>
+<file path=ppt/slideLayouts/slideLayout11.xml><?xml version="1.0" encoding="utf-8"?>
 <p:sldLayout xmlns:a="http://schemas.openxmlformats.org/drawingml/2006/main" xmlns:r="http://schemas.openxmlformats.org/officeDocument/2006/relationships" xmlns:p="http://schemas.openxmlformats.org/presentationml/2006/main" matchingName="Слайд с кодом 2">
   <p:cSld name="CUSTOM_2_1">
     <p:spTree>
@@ -3901,7 +3012,7 @@
 </p:sldLayout>
 </file>
 
-<file path=ppt/slideLayouts/slideLayout13.xml><?xml version="1.0" encoding="utf-8"?>
+<file path=ppt/slideLayouts/slideLayout12.xml><?xml version="1.0" encoding="utf-8"?>
 <p:sldLayout xmlns:a="http://schemas.openxmlformats.org/drawingml/2006/main" xmlns:r="http://schemas.openxmlformats.org/officeDocument/2006/relationships" xmlns:p="http://schemas.openxmlformats.org/presentationml/2006/main" matchingName="Слайд КОД+ТЕКСТ 1">
   <p:cSld name="CUSTOM_4">
     <p:spTree>
@@ -4476,7 +3587,7 @@
 </p:sldLayout>
 </file>
 
-<file path=ppt/slideLayouts/slideLayout14.xml><?xml version="1.0" encoding="utf-8"?>
+<file path=ppt/slideLayouts/slideLayout13.xml><?xml version="1.0" encoding="utf-8"?>
 <p:sldLayout xmlns:a="http://schemas.openxmlformats.org/drawingml/2006/main" xmlns:r="http://schemas.openxmlformats.org/officeDocument/2006/relationships" xmlns:p="http://schemas.openxmlformats.org/presentationml/2006/main" matchingName="Слайд КОД+ТЕКСТ 2">
   <p:cSld name="CUSTOM_4_1">
     <p:spTree>
@@ -8365,11 +7476,11 @@
 </file>
 
 <file path=ppt/slideLayouts/slideLayout9.xml><?xml version="1.0" encoding="utf-8"?>
-<p:sldLayout xmlns:a="http://schemas.openxmlformats.org/drawingml/2006/main" xmlns:r="http://schemas.openxmlformats.org/officeDocument/2006/relationships" xmlns:p="http://schemas.openxmlformats.org/presentationml/2006/main" matchingName="Blank" type="blank">
-  <p:cSld name="BLANK">
+<p:sldLayout xmlns:a="http://schemas.openxmlformats.org/drawingml/2006/main" xmlns:r="http://schemas.openxmlformats.org/officeDocument/2006/relationships" xmlns:p="http://schemas.openxmlformats.org/presentationml/2006/main" matchingName="Заголовок">
+  <p:cSld name="CUSTOM_3">
     <p:spTree>
       <p:nvGrpSpPr>
-        <p:cNvPr id="1" name="Shape 43"/>
+        <p:cNvPr id="1" name="Shape 45"/>
         <p:cNvGrpSpPr/>
         <p:nvPr/>
       </p:nvGrpSpPr>
@@ -8383,79 +7494,129 @@
       </p:grpSpPr>
       <p:sp>
         <p:nvSpPr>
-          <p:cNvPr id="44" name="Google Shape;44;p10"/>
+          <p:cNvPr id="46" name="Google Shape;46;p11"/>
           <p:cNvSpPr txBox="1">
             <a:spLocks noGrp="1"/>
           </p:cNvSpPr>
           <p:nvPr>
-            <p:ph type="sldNum" idx="12"/>
+            <p:ph type="title"/>
           </p:nvPr>
         </p:nvSpPr>
         <p:spPr>
           <a:xfrm>
-            <a:off x="8472458" y="4663217"/>
-            <a:ext cx="548700" cy="393600"/>
+            <a:off x="500550" y="330724"/>
+            <a:ext cx="8520600" cy="1095900"/>
           </a:xfrm>
           <a:prstGeom prst="rect">
             <a:avLst/>
           </a:prstGeom>
         </p:spPr>
         <p:txBody>
-          <a:bodyPr spcFirstLastPara="1" wrap="square" lIns="91425" tIns="91425" rIns="91425" bIns="91425" anchor="ctr" anchorCtr="0">
-            <a:normAutofit/>
+          <a:bodyPr spcFirstLastPara="1" wrap="square" lIns="91425" tIns="91425" rIns="91425" bIns="91425" anchor="t" anchorCtr="0">
+            <a:noAutofit/>
           </a:bodyPr>
           <a:lstStyle>
             <a:lvl1pPr lvl="0">
+              <a:spcBef>
+                <a:spcPts val="0"/>
+              </a:spcBef>
+              <a:spcAft>
+                <a:spcPts val="0"/>
+              </a:spcAft>
+              <a:buSzPts val="3100"/>
               <a:buNone/>
               <a:defRPr/>
             </a:lvl1pPr>
             <a:lvl2pPr lvl="1">
+              <a:spcBef>
+                <a:spcPts val="0"/>
+              </a:spcBef>
+              <a:spcAft>
+                <a:spcPts val="0"/>
+              </a:spcAft>
+              <a:buSzPts val="2800"/>
               <a:buNone/>
               <a:defRPr/>
             </a:lvl2pPr>
             <a:lvl3pPr lvl="2">
+              <a:spcBef>
+                <a:spcPts val="0"/>
+              </a:spcBef>
+              <a:spcAft>
+                <a:spcPts val="0"/>
+              </a:spcAft>
+              <a:buSzPts val="2800"/>
               <a:buNone/>
               <a:defRPr/>
             </a:lvl3pPr>
             <a:lvl4pPr lvl="3">
+              <a:spcBef>
+                <a:spcPts val="0"/>
+              </a:spcBef>
+              <a:spcAft>
+                <a:spcPts val="0"/>
+              </a:spcAft>
+              <a:buSzPts val="2800"/>
               <a:buNone/>
               <a:defRPr/>
             </a:lvl4pPr>
             <a:lvl5pPr lvl="4">
+              <a:spcBef>
+                <a:spcPts val="0"/>
+              </a:spcBef>
+              <a:spcAft>
+                <a:spcPts val="0"/>
+              </a:spcAft>
+              <a:buSzPts val="2800"/>
               <a:buNone/>
               <a:defRPr/>
             </a:lvl5pPr>
             <a:lvl6pPr lvl="5">
+              <a:spcBef>
+                <a:spcPts val="0"/>
+              </a:spcBef>
+              <a:spcAft>
+                <a:spcPts val="0"/>
+              </a:spcAft>
+              <a:buSzPts val="2800"/>
               <a:buNone/>
               <a:defRPr/>
             </a:lvl6pPr>
             <a:lvl7pPr lvl="6">
+              <a:spcBef>
+                <a:spcPts val="0"/>
+              </a:spcBef>
+              <a:spcAft>
+                <a:spcPts val="0"/>
+              </a:spcAft>
+              <a:buSzPts val="2800"/>
               <a:buNone/>
               <a:defRPr/>
             </a:lvl7pPr>
             <a:lvl8pPr lvl="7">
+              <a:spcBef>
+                <a:spcPts val="0"/>
+              </a:spcBef>
+              <a:spcAft>
+                <a:spcPts val="0"/>
+              </a:spcAft>
+              <a:buSzPts val="2800"/>
               <a:buNone/>
               <a:defRPr/>
             </a:lvl8pPr>
             <a:lvl9pPr lvl="8">
+              <a:spcBef>
+                <a:spcPts val="0"/>
+              </a:spcBef>
+              <a:spcAft>
+                <a:spcPts val="0"/>
+              </a:spcAft>
+              <a:buSzPts val="2800"/>
               <a:buNone/>
               <a:defRPr/>
             </a:lvl9pPr>
           </a:lstStyle>
           <a:p>
-            <a:pPr marL="0" lvl="0" indent="0" algn="r" rtl="0">
-              <a:spcBef>
-                <a:spcPts val="0"/>
-              </a:spcBef>
-              <a:spcAft>
-                <a:spcPts val="0"/>
-              </a:spcAft>
-              <a:buNone/>
-            </a:pPr>
-            <a:fld id="{00000000-1234-1234-1234-123412341234}" type="slidenum">
-              <a:rPr lang="ru"/>
-              <a:t>‹#›</a:t>
-            </a:fld>
             <a:endParaRPr/>
           </a:p>
         </p:txBody>
@@ -8474,7 +7635,7 @@
     <p:bg>
       <p:bgPr>
         <a:blipFill>
-          <a:blip r:embed="rId16">
+          <a:blip r:embed="rId15">
             <a:alphaModFix/>
           </a:blip>
           <a:stretch>
@@ -9138,12 +8299,11 @@
     <p:sldLayoutId id="2147483653" r:id="rId6"/>
     <p:sldLayoutId id="2147483654" r:id="rId7"/>
     <p:sldLayoutId id="2147483655" r:id="rId8"/>
-    <p:sldLayoutId id="2147483656" r:id="rId9"/>
-    <p:sldLayoutId id="2147483657" r:id="rId10"/>
-    <p:sldLayoutId id="2147483658" r:id="rId11"/>
-    <p:sldLayoutId id="2147483659" r:id="rId12"/>
-    <p:sldLayoutId id="2147483660" r:id="rId13"/>
-    <p:sldLayoutId id="2147483661" r:id="rId14"/>
+    <p:sldLayoutId id="2147483657" r:id="rId9"/>
+    <p:sldLayoutId id="2147483658" r:id="rId10"/>
+    <p:sldLayoutId id="2147483659" r:id="rId11"/>
+    <p:sldLayoutId id="2147483660" r:id="rId12"/>
+    <p:sldLayoutId id="2147483661" r:id="rId13"/>
   </p:sldLayoutIdLst>
   <p:hf sldNum="0" hdr="0" ftr="0" dt="0"/>
   <p:txStyles>
@@ -10026,14 +9186,14 @@
           <p:nvPr>
             <p:extLst>
               <p:ext uri="{D42A27DB-BD31-4B8C-83A1-F6EECF244321}">
-                <p14:modId xmlns:p14="http://schemas.microsoft.com/office/powerpoint/2010/main" val="3631007947"/>
+                <p14:modId xmlns:p14="http://schemas.microsoft.com/office/powerpoint/2010/main" val="996326842"/>
               </p:ext>
             </p:extLst>
           </p:nvPr>
         </p:nvGraphicFramePr>
         <p:xfrm>
           <a:off x="952500" y="1544194"/>
-          <a:ext cx="7239000" cy="1075597"/>
+          <a:ext cx="7239000" cy="1720377"/>
         </p:xfrm>
         <a:graphic>
           <a:graphicData uri="http://schemas.openxmlformats.org/drawingml/2006/table">
@@ -10174,25 +9334,52 @@
                           <a:cs typeface="Roboto"/>
                           <a:sym typeface="Roboto"/>
                         </a:rPr>
-                        <a:t> масштабирования </a:t>
+                        <a:t> масштабирования возможно добавление кластера </a:t>
                       </a:r>
                       <a:r>
-                        <a:rPr lang="ru-RU" sz="1300" baseline="0" smtClean="0">
-                          <a:latin typeface="Roboto"/>
-                          <a:ea typeface="Roboto"/>
-                          <a:cs typeface="Roboto"/>
-                          <a:sym typeface="Roboto"/>
-                        </a:rPr>
-                        <a:t>возможно добавление</a:t>
-                      </a:r>
-                      <a:r>
-                        <a:rPr lang="en-US" sz="1300" baseline="0" smtClean="0">
+                        <a:rPr lang="en-US" sz="1300" baseline="0" dirty="0" err="1" smtClean="0">
                           <a:latin typeface="Roboto"/>
                           <a:ea typeface="Roboto"/>
                           <a:cs typeface="Roboto"/>
                           <a:sym typeface="Roboto"/>
                         </a:rPr>
                         <a:t>TimescaleDB</a:t>
+                      </a:r>
+                      <a:r>
+                        <a:rPr lang="ru-RU" sz="1300" baseline="0" dirty="0" smtClean="0">
+                          <a:latin typeface="Roboto"/>
+                          <a:ea typeface="Roboto"/>
+                          <a:cs typeface="Roboto"/>
+                          <a:sym typeface="Roboto"/>
+                        </a:rPr>
+                        <a:t> (режим </a:t>
+                      </a:r>
+                      <a:r>
+                        <a:rPr lang="en-US" sz="1300" baseline="0" dirty="0" smtClean="0">
+                          <a:latin typeface="Roboto"/>
+                          <a:ea typeface="Roboto"/>
+                          <a:cs typeface="Roboto"/>
+                          <a:sym typeface="Roboto"/>
+                        </a:rPr>
+                        <a:t>multi-node</a:t>
+                      </a:r>
+                      <a:r>
+                        <a:rPr lang="ru-RU" sz="1300" baseline="0" dirty="0" smtClean="0">
+                          <a:latin typeface="Roboto"/>
+                          <a:ea typeface="Roboto"/>
+                          <a:cs typeface="Roboto"/>
+                          <a:sym typeface="Roboto"/>
+                        </a:rPr>
+                        <a:t>)</a:t>
+                      </a:r>
+                      <a:r>
+                        <a:rPr lang="en-US" sz="1300" baseline="0" dirty="0" smtClean="0">
+                          <a:latin typeface="Roboto"/>
+                          <a:ea typeface="Roboto"/>
+                          <a:cs typeface="Roboto"/>
+                          <a:sym typeface="Roboto"/>
+                        </a:rPr>
+                        <a:t>.</a:t>
                       </a:r>
                       <a:endParaRPr sz="1300" dirty="0">
                         <a:latin typeface="Roboto"/>
@@ -10351,7 +9538,79 @@
                         </a:spcAft>
                         <a:buNone/>
                       </a:pPr>
-                      <a:endParaRPr sz="1300">
+                      <a:r>
+                        <a:rPr lang="ru-RU" sz="1300" dirty="0" smtClean="0">
+                          <a:latin typeface="Roboto"/>
+                          <a:ea typeface="Roboto"/>
+                          <a:cs typeface="Roboto"/>
+                          <a:sym typeface="Roboto"/>
+                        </a:rPr>
+                        <a:t>Исследовать</a:t>
+                      </a:r>
+                      <a:r>
+                        <a:rPr lang="ru-RU" sz="1300" baseline="0" dirty="0" smtClean="0">
+                          <a:latin typeface="Roboto"/>
+                          <a:ea typeface="Roboto"/>
+                          <a:cs typeface="Roboto"/>
+                          <a:sym typeface="Roboto"/>
+                        </a:rPr>
+                        <a:t> возможность сборки </a:t>
+                      </a:r>
+                      <a:r>
+                        <a:rPr lang="en-US" sz="1300" baseline="0" dirty="0" err="1" smtClean="0">
+                          <a:latin typeface="Roboto"/>
+                          <a:ea typeface="Roboto"/>
+                          <a:cs typeface="Roboto"/>
+                          <a:sym typeface="Roboto"/>
+                        </a:rPr>
+                        <a:t>TimescaleDB</a:t>
+                      </a:r>
+                      <a:r>
+                        <a:rPr lang="ru-RU" sz="1300" baseline="0" dirty="0" smtClean="0">
+                          <a:latin typeface="Roboto"/>
+                          <a:ea typeface="Roboto"/>
+                          <a:cs typeface="Roboto"/>
+                          <a:sym typeface="Roboto"/>
+                        </a:rPr>
+                        <a:t> под архитектуру </a:t>
+                      </a:r>
+                      <a:r>
+                        <a:rPr lang="en-US" sz="1300" baseline="0" dirty="0" smtClean="0">
+                          <a:latin typeface="Roboto"/>
+                          <a:ea typeface="Roboto"/>
+                          <a:cs typeface="Roboto"/>
+                          <a:sym typeface="Roboto"/>
+                        </a:rPr>
+                        <a:t>ARM32 v8. </a:t>
+                      </a:r>
+                      <a:r>
+                        <a:rPr lang="ru-RU" sz="1300" baseline="0" dirty="0" smtClean="0">
+                          <a:latin typeface="Roboto"/>
+                          <a:ea typeface="Roboto"/>
+                          <a:cs typeface="Roboto"/>
+                          <a:sym typeface="Roboto"/>
+                        </a:rPr>
+                        <a:t>На данный момент имеется готовый образ только для </a:t>
+                      </a:r>
+                      <a:r>
+                        <a:rPr lang="en-US" sz="1300" baseline="0" dirty="0" smtClean="0">
+                          <a:latin typeface="Roboto"/>
+                          <a:ea typeface="Roboto"/>
+                          <a:cs typeface="Roboto"/>
+                          <a:sym typeface="Roboto"/>
+                        </a:rPr>
+                        <a:t>ARM64 v8</a:t>
+                      </a:r>
+                      <a:r>
+                        <a:rPr lang="ru-RU" sz="1300" baseline="0" dirty="0" smtClean="0">
+                          <a:latin typeface="Roboto"/>
+                          <a:ea typeface="Roboto"/>
+                          <a:cs typeface="Roboto"/>
+                          <a:sym typeface="Roboto"/>
+                        </a:rPr>
+                        <a:t>.</a:t>
+                      </a:r>
+                      <a:endParaRPr sz="1300" dirty="0">
                         <a:latin typeface="Roboto"/>
                         <a:ea typeface="Roboto"/>
                         <a:cs typeface="Roboto"/>
@@ -10506,6 +9765,33 @@
                         </a:spcAft>
                         <a:buNone/>
                       </a:pPr>
+                      <a:r>
+                        <a:rPr lang="ru-RU" sz="1300" dirty="0" smtClean="0">
+                          <a:latin typeface="Roboto"/>
+                          <a:ea typeface="Roboto"/>
+                          <a:cs typeface="Roboto"/>
+                          <a:sym typeface="Roboto"/>
+                        </a:rPr>
+                        <a:t>Для рефлексии</a:t>
+                      </a:r>
+                      <a:r>
+                        <a:rPr lang="ru-RU" sz="1300" baseline="0" dirty="0" smtClean="0">
+                          <a:latin typeface="Roboto"/>
+                          <a:ea typeface="Roboto"/>
+                          <a:cs typeface="Roboto"/>
+                          <a:sym typeface="Roboto"/>
+                        </a:rPr>
+                        <a:t> на значения датчиков возможно добавление сервера сценариев </a:t>
+                      </a:r>
+                      <a:r>
+                        <a:rPr lang="en-US" sz="1300" baseline="0" dirty="0" smtClean="0">
+                          <a:latin typeface="Roboto"/>
+                          <a:ea typeface="Roboto"/>
+                          <a:cs typeface="Roboto"/>
+                          <a:sym typeface="Roboto"/>
+                        </a:rPr>
+                        <a:t>Node-RED.</a:t>
+                      </a:r>
                       <a:endParaRPr sz="1300" dirty="0">
                         <a:latin typeface="Roboto"/>
                         <a:ea typeface="Roboto"/>
@@ -10567,95 +9853,6 @@
           </a:graphicData>
         </a:graphic>
       </p:graphicFrame>
-      <p:sp>
-        <p:nvSpPr>
-          <p:cNvPr id="143" name="Google Shape;143;p25"/>
-          <p:cNvSpPr/>
-          <p:nvPr/>
-        </p:nvSpPr>
-        <p:spPr>
-          <a:xfrm>
-            <a:off x="4994650" y="3348050"/>
-            <a:ext cx="3229200" cy="706500"/>
-          </a:xfrm>
-          <a:prstGeom prst="wedgeRectCallout">
-            <a:avLst>
-              <a:gd name="adj1" fmla="val -31236"/>
-              <a:gd name="adj2" fmla="val -97297"/>
-            </a:avLst>
-          </a:prstGeom>
-          <a:solidFill>
-            <a:srgbClr val="F3F3F3"/>
-          </a:solidFill>
-          <a:ln w="9525" cap="flat" cmpd="sng">
-            <a:solidFill>
-              <a:srgbClr val="013D85"/>
-            </a:solidFill>
-            <a:prstDash val="solid"/>
-            <a:round/>
-            <a:headEnd type="none" w="sm" len="sm"/>
-            <a:tailEnd type="none" w="sm" len="sm"/>
-          </a:ln>
-        </p:spPr>
-        <p:txBody>
-          <a:bodyPr spcFirstLastPara="1" wrap="square" lIns="198000" tIns="126000" rIns="198000" bIns="126000" anchor="ctr" anchorCtr="0">
-            <a:noAutofit/>
-          </a:bodyPr>
-          <a:lstStyle/>
-          <a:p>
-            <a:pPr marL="0" lvl="0" indent="0" algn="l" rtl="0">
-              <a:spcBef>
-                <a:spcPts val="600"/>
-              </a:spcBef>
-              <a:spcAft>
-                <a:spcPts val="0"/>
-              </a:spcAft>
-              <a:buNone/>
-            </a:pPr>
-            <a:r>
-              <a:rPr lang="ru" sz="1100">
-                <a:solidFill>
-                  <a:srgbClr val="02418B"/>
-                </a:solidFill>
-                <a:latin typeface="Roboto"/>
-                <a:ea typeface="Roboto"/>
-                <a:cs typeface="Roboto"/>
-                <a:sym typeface="Roboto"/>
-              </a:rPr>
-              <a:t>Запланируйте пару минут на рефлексию в конце защиты проекта и расскажите о планах по развитию</a:t>
-            </a:r>
-            <a:endParaRPr sz="1100">
-              <a:solidFill>
-                <a:srgbClr val="02418B"/>
-              </a:solidFill>
-              <a:latin typeface="Roboto"/>
-              <a:ea typeface="Roboto"/>
-              <a:cs typeface="Roboto"/>
-              <a:sym typeface="Roboto"/>
-            </a:endParaRPr>
-          </a:p>
-          <a:p>
-            <a:pPr marL="0" lvl="0" indent="0" algn="l" rtl="0">
-              <a:spcBef>
-                <a:spcPts val="0"/>
-              </a:spcBef>
-              <a:spcAft>
-                <a:spcPts val="0"/>
-              </a:spcAft>
-              <a:buNone/>
-            </a:pPr>
-            <a:endParaRPr sz="1100">
-              <a:solidFill>
-                <a:srgbClr val="02418B"/>
-              </a:solidFill>
-              <a:latin typeface="Roboto"/>
-              <a:ea typeface="Roboto"/>
-              <a:cs typeface="Roboto"/>
-              <a:sym typeface="Roboto"/>
-            </a:endParaRPr>
-          </a:p>
-        </p:txBody>
-      </p:sp>
     </p:spTree>
   </p:cSld>
   <p:clrMapOvr>
@@ -10737,4906 +9934,6 @@
           </a:p>
         </p:txBody>
       </p:sp>
-    </p:spTree>
-  </p:cSld>
-  <p:clrMapOvr>
-    <a:masterClrMapping/>
-  </p:clrMapOvr>
-</p:sld>
-</file>
-
-<file path=ppt/slides/slide12.xml><?xml version="1.0" encoding="utf-8"?>
-<p:sld xmlns:a="http://schemas.openxmlformats.org/drawingml/2006/main" xmlns:r="http://schemas.openxmlformats.org/officeDocument/2006/relationships" xmlns:p="http://schemas.openxmlformats.org/presentationml/2006/main">
-  <p:cSld>
-    <p:spTree>
-      <p:nvGrpSpPr>
-        <p:cNvPr id="1" name="Shape 152"/>
-        <p:cNvGrpSpPr/>
-        <p:nvPr/>
-      </p:nvGrpSpPr>
-      <p:grpSpPr>
-        <a:xfrm>
-          <a:off x="0" y="0"/>
-          <a:ext cx="0" cy="0"/>
-          <a:chOff x="0" y="0"/>
-          <a:chExt cx="0" cy="0"/>
-        </a:xfrm>
-      </p:grpSpPr>
-      <p:sp>
-        <p:nvSpPr>
-          <p:cNvPr id="153" name="Google Shape;153;p27"/>
-          <p:cNvSpPr txBox="1">
-            <a:spLocks noGrp="1"/>
-          </p:cNvSpPr>
-          <p:nvPr>
-            <p:ph type="title"/>
-          </p:nvPr>
-        </p:nvSpPr>
-        <p:spPr>
-          <a:xfrm>
-            <a:off x="651425" y="396394"/>
-            <a:ext cx="7706100" cy="4090800"/>
-          </a:xfrm>
-          <a:prstGeom prst="rect">
-            <a:avLst/>
-          </a:prstGeom>
-        </p:spPr>
-        <p:txBody>
-          <a:bodyPr spcFirstLastPara="1" wrap="square" lIns="91425" tIns="91425" rIns="91425" bIns="91425" anchor="ctr" anchorCtr="0">
-            <a:noAutofit/>
-          </a:bodyPr>
-          <a:lstStyle/>
-          <a:p>
-            <a:pPr marL="0" lvl="0" indent="0" algn="l" rtl="0">
-              <a:spcBef>
-                <a:spcPts val="0"/>
-              </a:spcBef>
-              <a:spcAft>
-                <a:spcPts val="0"/>
-              </a:spcAft>
-              <a:buClr>
-                <a:schemeClr val="dk1"/>
-              </a:buClr>
-              <a:buSzPts val="1100"/>
-              <a:buFont typeface="Arial"/>
-              <a:buNone/>
-            </a:pPr>
-            <a:r>
-              <a:rPr lang="ru"/>
-              <a:t>Инструкции для работы</a:t>
-            </a:r>
-            <a:endParaRPr/>
-          </a:p>
-          <a:p>
-            <a:pPr marL="0" lvl="0" indent="0" algn="l" rtl="0">
-              <a:spcBef>
-                <a:spcPts val="0"/>
-              </a:spcBef>
-              <a:spcAft>
-                <a:spcPts val="0"/>
-              </a:spcAft>
-              <a:buClr>
-                <a:schemeClr val="dk1"/>
-              </a:buClr>
-              <a:buSzPts val="1100"/>
-              <a:buFont typeface="Arial"/>
-              <a:buNone/>
-            </a:pPr>
-            <a:r>
-              <a:rPr lang="ru"/>
-              <a:t>с презентацией</a:t>
-            </a:r>
-            <a:endParaRPr/>
-          </a:p>
-        </p:txBody>
-      </p:sp>
-    </p:spTree>
-  </p:cSld>
-  <p:clrMapOvr>
-    <a:masterClrMapping/>
-  </p:clrMapOvr>
-</p:sld>
-</file>
-
-<file path=ppt/slides/slide13.xml><?xml version="1.0" encoding="utf-8"?>
-<p:sld xmlns:a="http://schemas.openxmlformats.org/drawingml/2006/main" xmlns:r="http://schemas.openxmlformats.org/officeDocument/2006/relationships" xmlns:p="http://schemas.openxmlformats.org/presentationml/2006/main">
-  <p:cSld>
-    <p:spTree>
-      <p:nvGrpSpPr>
-        <p:cNvPr id="1" name="Shape 157"/>
-        <p:cNvGrpSpPr/>
-        <p:nvPr/>
-      </p:nvGrpSpPr>
-      <p:grpSpPr>
-        <a:xfrm>
-          <a:off x="0" y="0"/>
-          <a:ext cx="0" cy="0"/>
-          <a:chOff x="0" y="0"/>
-          <a:chExt cx="0" cy="0"/>
-        </a:xfrm>
-      </p:grpSpPr>
-      <p:sp>
-        <p:nvSpPr>
-          <p:cNvPr id="158" name="Google Shape;158;p28"/>
-          <p:cNvSpPr txBox="1">
-            <a:spLocks noGrp="1"/>
-          </p:cNvSpPr>
-          <p:nvPr>
-            <p:ph type="title"/>
-          </p:nvPr>
-        </p:nvSpPr>
-        <p:spPr>
-          <a:xfrm>
-            <a:off x="500550" y="330732"/>
-            <a:ext cx="8520600" cy="843600"/>
-          </a:xfrm>
-          <a:prstGeom prst="rect">
-            <a:avLst/>
-          </a:prstGeom>
-        </p:spPr>
-        <p:txBody>
-          <a:bodyPr spcFirstLastPara="1" wrap="square" lIns="91425" tIns="91425" rIns="91425" bIns="91425" anchor="t" anchorCtr="0">
-            <a:noAutofit/>
-          </a:bodyPr>
-          <a:lstStyle/>
-          <a:p>
-            <a:pPr marL="0" lvl="0" indent="0" algn="l" rtl="0">
-              <a:spcBef>
-                <a:spcPts val="0"/>
-              </a:spcBef>
-              <a:spcAft>
-                <a:spcPts val="0"/>
-              </a:spcAft>
-              <a:buNone/>
-            </a:pPr>
-            <a:r>
-              <a:rPr lang="ru"/>
-              <a:t>Слайд с иллюстрациями</a:t>
-            </a:r>
-            <a:endParaRPr/>
-          </a:p>
-        </p:txBody>
-      </p:sp>
-      <p:pic>
-        <p:nvPicPr>
-          <p:cNvPr id="159" name="Google Shape;159;p28"/>
-          <p:cNvPicPr preferRelativeResize="0"/>
-          <p:nvPr/>
-        </p:nvPicPr>
-        <p:blipFill rotWithShape="1">
-          <a:blip r:embed="rId3">
-            <a:alphaModFix/>
-          </a:blip>
-          <a:srcRect/>
-          <a:stretch/>
-        </p:blipFill>
-        <p:spPr>
-          <a:xfrm>
-            <a:off x="617877" y="3851925"/>
-            <a:ext cx="620721" cy="620719"/>
-          </a:xfrm>
-          <a:prstGeom prst="rect">
-            <a:avLst/>
-          </a:prstGeom>
-          <a:noFill/>
-          <a:ln>
-            <a:noFill/>
-          </a:ln>
-        </p:spPr>
-      </p:pic>
-      <p:pic>
-        <p:nvPicPr>
-          <p:cNvPr id="160" name="Google Shape;160;p28"/>
-          <p:cNvPicPr preferRelativeResize="0"/>
-          <p:nvPr/>
-        </p:nvPicPr>
-        <p:blipFill rotWithShape="1">
-          <a:blip r:embed="rId4">
-            <a:alphaModFix/>
-          </a:blip>
-          <a:srcRect/>
-          <a:stretch/>
-        </p:blipFill>
-        <p:spPr>
-          <a:xfrm>
-            <a:off x="617877" y="3113362"/>
-            <a:ext cx="620721" cy="620719"/>
-          </a:xfrm>
-          <a:prstGeom prst="rect">
-            <a:avLst/>
-          </a:prstGeom>
-          <a:noFill/>
-          <a:ln>
-            <a:noFill/>
-          </a:ln>
-        </p:spPr>
-      </p:pic>
-      <p:pic>
-        <p:nvPicPr>
-          <p:cNvPr id="161" name="Google Shape;161;p28"/>
-          <p:cNvPicPr preferRelativeResize="0"/>
-          <p:nvPr/>
-        </p:nvPicPr>
-        <p:blipFill rotWithShape="1">
-          <a:blip r:embed="rId5">
-            <a:alphaModFix/>
-          </a:blip>
-          <a:srcRect/>
-          <a:stretch/>
-        </p:blipFill>
-        <p:spPr>
-          <a:xfrm>
-            <a:off x="617752" y="1597000"/>
-            <a:ext cx="620721" cy="620719"/>
-          </a:xfrm>
-          <a:prstGeom prst="rect">
-            <a:avLst/>
-          </a:prstGeom>
-          <a:noFill/>
-          <a:ln>
-            <a:noFill/>
-          </a:ln>
-        </p:spPr>
-      </p:pic>
-      <p:pic>
-        <p:nvPicPr>
-          <p:cNvPr id="162" name="Google Shape;162;p28"/>
-          <p:cNvPicPr preferRelativeResize="0"/>
-          <p:nvPr/>
-        </p:nvPicPr>
-        <p:blipFill rotWithShape="1">
-          <a:blip r:embed="rId6">
-            <a:alphaModFix/>
-          </a:blip>
-          <a:srcRect/>
-          <a:stretch/>
-        </p:blipFill>
-        <p:spPr>
-          <a:xfrm>
-            <a:off x="617877" y="2355181"/>
-            <a:ext cx="620721" cy="620719"/>
-          </a:xfrm>
-          <a:prstGeom prst="rect">
-            <a:avLst/>
-          </a:prstGeom>
-          <a:noFill/>
-          <a:ln>
-            <a:noFill/>
-          </a:ln>
-        </p:spPr>
-      </p:pic>
-      <p:sp>
-        <p:nvSpPr>
-          <p:cNvPr id="163" name="Google Shape;163;p28"/>
-          <p:cNvSpPr txBox="1"/>
-          <p:nvPr/>
-        </p:nvSpPr>
-        <p:spPr>
-          <a:xfrm>
-            <a:off x="544450" y="1126669"/>
-            <a:ext cx="2588100" cy="411000"/>
-          </a:xfrm>
-          <a:prstGeom prst="rect">
-            <a:avLst/>
-          </a:prstGeom>
-          <a:noFill/>
-          <a:ln>
-            <a:noFill/>
-          </a:ln>
-        </p:spPr>
-        <p:txBody>
-          <a:bodyPr spcFirstLastPara="1" wrap="square" lIns="91425" tIns="91425" rIns="91425" bIns="91425" anchor="t" anchorCtr="0">
-            <a:normAutofit fontScale="92500" lnSpcReduction="20000"/>
-          </a:bodyPr>
-          <a:lstStyle/>
-          <a:p>
-            <a:pPr marL="0" lvl="0" indent="0" algn="l" rtl="0">
-              <a:lnSpc>
-                <a:spcPct val="120000"/>
-              </a:lnSpc>
-              <a:spcBef>
-                <a:spcPts val="0"/>
-              </a:spcBef>
-              <a:spcAft>
-                <a:spcPts val="0"/>
-              </a:spcAft>
-              <a:buNone/>
-            </a:pPr>
-            <a:r>
-              <a:rPr lang="ru" sz="1500" b="1">
-                <a:solidFill>
-                  <a:srgbClr val="013D85"/>
-                </a:solidFill>
-                <a:latin typeface="Roboto"/>
-                <a:ea typeface="Roboto"/>
-                <a:cs typeface="Roboto"/>
-                <a:sym typeface="Roboto"/>
-              </a:rPr>
-              <a:t>Работа с данными</a:t>
-            </a:r>
-            <a:endParaRPr sz="1500" b="1">
-              <a:solidFill>
-                <a:srgbClr val="013D85"/>
-              </a:solidFill>
-              <a:latin typeface="Roboto"/>
-              <a:ea typeface="Roboto"/>
-              <a:cs typeface="Roboto"/>
-              <a:sym typeface="Roboto"/>
-            </a:endParaRPr>
-          </a:p>
-        </p:txBody>
-      </p:sp>
-      <p:pic>
-        <p:nvPicPr>
-          <p:cNvPr id="164" name="Google Shape;164;p28"/>
-          <p:cNvPicPr preferRelativeResize="0"/>
-          <p:nvPr/>
-        </p:nvPicPr>
-        <p:blipFill rotWithShape="1">
-          <a:blip r:embed="rId7">
-            <a:alphaModFix/>
-          </a:blip>
-          <a:srcRect/>
-          <a:stretch/>
-        </p:blipFill>
-        <p:spPr>
-          <a:xfrm>
-            <a:off x="1313117" y="3851925"/>
-            <a:ext cx="620721" cy="620719"/>
-          </a:xfrm>
-          <a:prstGeom prst="rect">
-            <a:avLst/>
-          </a:prstGeom>
-          <a:noFill/>
-          <a:ln>
-            <a:noFill/>
-          </a:ln>
-        </p:spPr>
-      </p:pic>
-      <p:pic>
-        <p:nvPicPr>
-          <p:cNvPr id="165" name="Google Shape;165;p28"/>
-          <p:cNvPicPr preferRelativeResize="0"/>
-          <p:nvPr/>
-        </p:nvPicPr>
-        <p:blipFill rotWithShape="1">
-          <a:blip r:embed="rId8">
-            <a:alphaModFix/>
-          </a:blip>
-          <a:srcRect/>
-          <a:stretch/>
-        </p:blipFill>
-        <p:spPr>
-          <a:xfrm>
-            <a:off x="1313117" y="3113362"/>
-            <a:ext cx="620721" cy="620719"/>
-          </a:xfrm>
-          <a:prstGeom prst="rect">
-            <a:avLst/>
-          </a:prstGeom>
-          <a:noFill/>
-          <a:ln>
-            <a:noFill/>
-          </a:ln>
-        </p:spPr>
-      </p:pic>
-      <p:pic>
-        <p:nvPicPr>
-          <p:cNvPr id="166" name="Google Shape;166;p28"/>
-          <p:cNvPicPr preferRelativeResize="0"/>
-          <p:nvPr/>
-        </p:nvPicPr>
-        <p:blipFill rotWithShape="1">
-          <a:blip r:embed="rId9">
-            <a:alphaModFix/>
-          </a:blip>
-          <a:srcRect/>
-          <a:stretch/>
-        </p:blipFill>
-        <p:spPr>
-          <a:xfrm>
-            <a:off x="1313117" y="1597225"/>
-            <a:ext cx="620721" cy="620719"/>
-          </a:xfrm>
-          <a:prstGeom prst="rect">
-            <a:avLst/>
-          </a:prstGeom>
-          <a:noFill/>
-          <a:ln>
-            <a:noFill/>
-          </a:ln>
-        </p:spPr>
-      </p:pic>
-      <p:pic>
-        <p:nvPicPr>
-          <p:cNvPr id="167" name="Google Shape;167;p28"/>
-          <p:cNvPicPr preferRelativeResize="0"/>
-          <p:nvPr/>
-        </p:nvPicPr>
-        <p:blipFill rotWithShape="1">
-          <a:blip r:embed="rId10">
-            <a:alphaModFix/>
-          </a:blip>
-          <a:srcRect/>
-          <a:stretch/>
-        </p:blipFill>
-        <p:spPr>
-          <a:xfrm>
-            <a:off x="1313117" y="2355181"/>
-            <a:ext cx="620721" cy="620719"/>
-          </a:xfrm>
-          <a:prstGeom prst="rect">
-            <a:avLst/>
-          </a:prstGeom>
-          <a:noFill/>
-          <a:ln>
-            <a:noFill/>
-          </a:ln>
-        </p:spPr>
-      </p:pic>
-      <p:pic>
-        <p:nvPicPr>
-          <p:cNvPr id="168" name="Google Shape;168;p28"/>
-          <p:cNvPicPr preferRelativeResize="0"/>
-          <p:nvPr/>
-        </p:nvPicPr>
-        <p:blipFill rotWithShape="1">
-          <a:blip r:embed="rId11">
-            <a:alphaModFix/>
-          </a:blip>
-          <a:srcRect/>
-          <a:stretch/>
-        </p:blipFill>
-        <p:spPr>
-          <a:xfrm>
-            <a:off x="2008507" y="1597225"/>
-            <a:ext cx="620721" cy="620719"/>
-          </a:xfrm>
-          <a:prstGeom prst="rect">
-            <a:avLst/>
-          </a:prstGeom>
-          <a:noFill/>
-          <a:ln>
-            <a:noFill/>
-          </a:ln>
-        </p:spPr>
-      </p:pic>
-      <p:pic>
-        <p:nvPicPr>
-          <p:cNvPr id="169" name="Google Shape;169;p28"/>
-          <p:cNvPicPr preferRelativeResize="0"/>
-          <p:nvPr/>
-        </p:nvPicPr>
-        <p:blipFill rotWithShape="1">
-          <a:blip r:embed="rId12">
-            <a:alphaModFix/>
-          </a:blip>
-          <a:srcRect/>
-          <a:stretch/>
-        </p:blipFill>
-        <p:spPr>
-          <a:xfrm>
-            <a:off x="2008507" y="2355181"/>
-            <a:ext cx="620721" cy="620719"/>
-          </a:xfrm>
-          <a:prstGeom prst="rect">
-            <a:avLst/>
-          </a:prstGeom>
-          <a:noFill/>
-          <a:ln>
-            <a:noFill/>
-          </a:ln>
-        </p:spPr>
-      </p:pic>
-      <p:sp>
-        <p:nvSpPr>
-          <p:cNvPr id="170" name="Google Shape;170;p28"/>
-          <p:cNvSpPr txBox="1"/>
-          <p:nvPr/>
-        </p:nvSpPr>
-        <p:spPr>
-          <a:xfrm>
-            <a:off x="3111675" y="1126669"/>
-            <a:ext cx="1579800" cy="411000"/>
-          </a:xfrm>
-          <a:prstGeom prst="rect">
-            <a:avLst/>
-          </a:prstGeom>
-          <a:noFill/>
-          <a:ln>
-            <a:noFill/>
-          </a:ln>
-        </p:spPr>
-        <p:txBody>
-          <a:bodyPr spcFirstLastPara="1" wrap="square" lIns="91425" tIns="91425" rIns="91425" bIns="91425" anchor="t" anchorCtr="0">
-            <a:normAutofit fontScale="92500" lnSpcReduction="20000"/>
-          </a:bodyPr>
-          <a:lstStyle/>
-          <a:p>
-            <a:pPr marL="0" lvl="0" indent="0" algn="l" rtl="0">
-              <a:lnSpc>
-                <a:spcPct val="120000"/>
-              </a:lnSpc>
-              <a:spcBef>
-                <a:spcPts val="0"/>
-              </a:spcBef>
-              <a:spcAft>
-                <a:spcPts val="0"/>
-              </a:spcAft>
-              <a:buNone/>
-            </a:pPr>
-            <a:r>
-              <a:rPr lang="ru" sz="1500" b="1">
-                <a:solidFill>
-                  <a:srgbClr val="013D85"/>
-                </a:solidFill>
-                <a:latin typeface="Roboto"/>
-                <a:ea typeface="Roboto"/>
-                <a:cs typeface="Roboto"/>
-                <a:sym typeface="Roboto"/>
-              </a:rPr>
-              <a:t>Интернет/Сети</a:t>
-            </a:r>
-            <a:endParaRPr sz="1500" b="1">
-              <a:solidFill>
-                <a:srgbClr val="013D85"/>
-              </a:solidFill>
-              <a:latin typeface="Roboto"/>
-              <a:ea typeface="Roboto"/>
-              <a:cs typeface="Roboto"/>
-              <a:sym typeface="Roboto"/>
-            </a:endParaRPr>
-          </a:p>
-        </p:txBody>
-      </p:sp>
-      <p:pic>
-        <p:nvPicPr>
-          <p:cNvPr id="171" name="Google Shape;171;p28"/>
-          <p:cNvPicPr preferRelativeResize="0"/>
-          <p:nvPr/>
-        </p:nvPicPr>
-        <p:blipFill rotWithShape="1">
-          <a:blip r:embed="rId13">
-            <a:alphaModFix/>
-          </a:blip>
-          <a:srcRect/>
-          <a:stretch/>
-        </p:blipFill>
-        <p:spPr>
-          <a:xfrm>
-            <a:off x="3197202" y="3851925"/>
-            <a:ext cx="620721" cy="620719"/>
-          </a:xfrm>
-          <a:prstGeom prst="rect">
-            <a:avLst/>
-          </a:prstGeom>
-          <a:noFill/>
-          <a:ln>
-            <a:noFill/>
-          </a:ln>
-        </p:spPr>
-      </p:pic>
-      <p:pic>
-        <p:nvPicPr>
-          <p:cNvPr id="172" name="Google Shape;172;p28"/>
-          <p:cNvPicPr preferRelativeResize="0"/>
-          <p:nvPr/>
-        </p:nvPicPr>
-        <p:blipFill rotWithShape="1">
-          <a:blip r:embed="rId14">
-            <a:alphaModFix/>
-          </a:blip>
-          <a:srcRect/>
-          <a:stretch/>
-        </p:blipFill>
-        <p:spPr>
-          <a:xfrm>
-            <a:off x="3197202" y="3113362"/>
-            <a:ext cx="620721" cy="620719"/>
-          </a:xfrm>
-          <a:prstGeom prst="rect">
-            <a:avLst/>
-          </a:prstGeom>
-          <a:noFill/>
-          <a:ln>
-            <a:noFill/>
-          </a:ln>
-        </p:spPr>
-      </p:pic>
-      <p:pic>
-        <p:nvPicPr>
-          <p:cNvPr id="173" name="Google Shape;173;p28"/>
-          <p:cNvPicPr preferRelativeResize="0"/>
-          <p:nvPr/>
-        </p:nvPicPr>
-        <p:blipFill rotWithShape="1">
-          <a:blip r:embed="rId15">
-            <a:alphaModFix/>
-          </a:blip>
-          <a:srcRect/>
-          <a:stretch/>
-        </p:blipFill>
-        <p:spPr>
-          <a:xfrm>
-            <a:off x="3197202" y="1597223"/>
-            <a:ext cx="620721" cy="620721"/>
-          </a:xfrm>
-          <a:prstGeom prst="rect">
-            <a:avLst/>
-          </a:prstGeom>
-          <a:noFill/>
-          <a:ln>
-            <a:noFill/>
-          </a:ln>
-        </p:spPr>
-      </p:pic>
-      <p:pic>
-        <p:nvPicPr>
-          <p:cNvPr id="174" name="Google Shape;174;p28"/>
-          <p:cNvPicPr preferRelativeResize="0"/>
-          <p:nvPr/>
-        </p:nvPicPr>
-        <p:blipFill rotWithShape="1">
-          <a:blip r:embed="rId16">
-            <a:alphaModFix/>
-          </a:blip>
-          <a:srcRect/>
-          <a:stretch/>
-        </p:blipFill>
-        <p:spPr>
-          <a:xfrm>
-            <a:off x="3197202" y="2355181"/>
-            <a:ext cx="620721" cy="620719"/>
-          </a:xfrm>
-          <a:prstGeom prst="rect">
-            <a:avLst/>
-          </a:prstGeom>
-          <a:noFill/>
-          <a:ln>
-            <a:noFill/>
-          </a:ln>
-        </p:spPr>
-      </p:pic>
-      <p:pic>
-        <p:nvPicPr>
-          <p:cNvPr id="175" name="Google Shape;175;p28"/>
-          <p:cNvPicPr preferRelativeResize="0"/>
-          <p:nvPr/>
-        </p:nvPicPr>
-        <p:blipFill rotWithShape="1">
-          <a:blip r:embed="rId17">
-            <a:alphaModFix/>
-          </a:blip>
-          <a:srcRect/>
-          <a:stretch/>
-        </p:blipFill>
-        <p:spPr>
-          <a:xfrm>
-            <a:off x="3903810" y="3113362"/>
-            <a:ext cx="620721" cy="620719"/>
-          </a:xfrm>
-          <a:prstGeom prst="rect">
-            <a:avLst/>
-          </a:prstGeom>
-          <a:noFill/>
-          <a:ln>
-            <a:noFill/>
-          </a:ln>
-        </p:spPr>
-      </p:pic>
-      <p:pic>
-        <p:nvPicPr>
-          <p:cNvPr id="176" name="Google Shape;176;p28"/>
-          <p:cNvPicPr preferRelativeResize="0"/>
-          <p:nvPr/>
-        </p:nvPicPr>
-        <p:blipFill rotWithShape="1">
-          <a:blip r:embed="rId18">
-            <a:alphaModFix/>
-          </a:blip>
-          <a:srcRect/>
-          <a:stretch/>
-        </p:blipFill>
-        <p:spPr>
-          <a:xfrm>
-            <a:off x="3903810" y="1597225"/>
-            <a:ext cx="620721" cy="620719"/>
-          </a:xfrm>
-          <a:prstGeom prst="rect">
-            <a:avLst/>
-          </a:prstGeom>
-          <a:noFill/>
-          <a:ln>
-            <a:noFill/>
-          </a:ln>
-        </p:spPr>
-      </p:pic>
-      <p:pic>
-        <p:nvPicPr>
-          <p:cNvPr id="177" name="Google Shape;177;p28"/>
-          <p:cNvPicPr preferRelativeResize="0"/>
-          <p:nvPr/>
-        </p:nvPicPr>
-        <p:blipFill rotWithShape="1">
-          <a:blip r:embed="rId19">
-            <a:alphaModFix/>
-          </a:blip>
-          <a:srcRect/>
-          <a:stretch/>
-        </p:blipFill>
-        <p:spPr>
-          <a:xfrm>
-            <a:off x="3903810" y="2355181"/>
-            <a:ext cx="620721" cy="620719"/>
-          </a:xfrm>
-          <a:prstGeom prst="rect">
-            <a:avLst/>
-          </a:prstGeom>
-          <a:noFill/>
-          <a:ln>
-            <a:noFill/>
-          </a:ln>
-        </p:spPr>
-      </p:pic>
-      <p:pic>
-        <p:nvPicPr>
-          <p:cNvPr id="178" name="Google Shape;178;p28"/>
-          <p:cNvPicPr preferRelativeResize="0"/>
-          <p:nvPr/>
-        </p:nvPicPr>
-        <p:blipFill rotWithShape="1">
-          <a:blip r:embed="rId20">
-            <a:alphaModFix/>
-          </a:blip>
-          <a:srcRect/>
-          <a:stretch/>
-        </p:blipFill>
-        <p:spPr>
-          <a:xfrm>
-            <a:off x="4610570" y="3113362"/>
-            <a:ext cx="620721" cy="620719"/>
-          </a:xfrm>
-          <a:prstGeom prst="rect">
-            <a:avLst/>
-          </a:prstGeom>
-          <a:noFill/>
-          <a:ln>
-            <a:noFill/>
-          </a:ln>
-        </p:spPr>
-      </p:pic>
-      <p:pic>
-        <p:nvPicPr>
-          <p:cNvPr id="179" name="Google Shape;179;p28"/>
-          <p:cNvPicPr preferRelativeResize="0"/>
-          <p:nvPr/>
-        </p:nvPicPr>
-        <p:blipFill rotWithShape="1">
-          <a:blip r:embed="rId21">
-            <a:alphaModFix/>
-          </a:blip>
-          <a:srcRect/>
-          <a:stretch/>
-        </p:blipFill>
-        <p:spPr>
-          <a:xfrm>
-            <a:off x="4610570" y="1597225"/>
-            <a:ext cx="620721" cy="620719"/>
-          </a:xfrm>
-          <a:prstGeom prst="rect">
-            <a:avLst/>
-          </a:prstGeom>
-          <a:noFill/>
-          <a:ln>
-            <a:noFill/>
-          </a:ln>
-        </p:spPr>
-      </p:pic>
-      <p:pic>
-        <p:nvPicPr>
-          <p:cNvPr id="180" name="Google Shape;180;p28"/>
-          <p:cNvPicPr preferRelativeResize="0"/>
-          <p:nvPr/>
-        </p:nvPicPr>
-        <p:blipFill rotWithShape="1">
-          <a:blip r:embed="rId22">
-            <a:alphaModFix/>
-          </a:blip>
-          <a:srcRect/>
-          <a:stretch/>
-        </p:blipFill>
-        <p:spPr>
-          <a:xfrm>
-            <a:off x="4610570" y="2355181"/>
-            <a:ext cx="620721" cy="620719"/>
-          </a:xfrm>
-          <a:prstGeom prst="rect">
-            <a:avLst/>
-          </a:prstGeom>
-          <a:noFill/>
-          <a:ln>
-            <a:noFill/>
-          </a:ln>
-        </p:spPr>
-      </p:pic>
-      <p:pic>
-        <p:nvPicPr>
-          <p:cNvPr id="181" name="Google Shape;181;p28"/>
-          <p:cNvPicPr preferRelativeResize="0"/>
-          <p:nvPr/>
-        </p:nvPicPr>
-        <p:blipFill rotWithShape="1">
-          <a:blip r:embed="rId23">
-            <a:alphaModFix/>
-          </a:blip>
-          <a:srcRect/>
-          <a:stretch/>
-        </p:blipFill>
-        <p:spPr>
-          <a:xfrm>
-            <a:off x="5317315" y="3113362"/>
-            <a:ext cx="620721" cy="620719"/>
-          </a:xfrm>
-          <a:prstGeom prst="rect">
-            <a:avLst/>
-          </a:prstGeom>
-          <a:noFill/>
-          <a:ln>
-            <a:noFill/>
-          </a:ln>
-        </p:spPr>
-      </p:pic>
-      <p:pic>
-        <p:nvPicPr>
-          <p:cNvPr id="182" name="Google Shape;182;p28"/>
-          <p:cNvPicPr preferRelativeResize="0"/>
-          <p:nvPr/>
-        </p:nvPicPr>
-        <p:blipFill rotWithShape="1">
-          <a:blip r:embed="rId24">
-            <a:alphaModFix/>
-          </a:blip>
-          <a:srcRect/>
-          <a:stretch/>
-        </p:blipFill>
-        <p:spPr>
-          <a:xfrm>
-            <a:off x="5317315" y="1597225"/>
-            <a:ext cx="620721" cy="620719"/>
-          </a:xfrm>
-          <a:prstGeom prst="rect">
-            <a:avLst/>
-          </a:prstGeom>
-          <a:noFill/>
-          <a:ln>
-            <a:noFill/>
-          </a:ln>
-        </p:spPr>
-      </p:pic>
-      <p:pic>
-        <p:nvPicPr>
-          <p:cNvPr id="183" name="Google Shape;183;p28"/>
-          <p:cNvPicPr preferRelativeResize="0"/>
-          <p:nvPr/>
-        </p:nvPicPr>
-        <p:blipFill rotWithShape="1">
-          <a:blip r:embed="rId25">
-            <a:alphaModFix/>
-          </a:blip>
-          <a:srcRect/>
-          <a:stretch/>
-        </p:blipFill>
-        <p:spPr>
-          <a:xfrm>
-            <a:off x="5317315" y="2355181"/>
-            <a:ext cx="620721" cy="620719"/>
-          </a:xfrm>
-          <a:prstGeom prst="rect">
-            <a:avLst/>
-          </a:prstGeom>
-          <a:noFill/>
-          <a:ln>
-            <a:noFill/>
-          </a:ln>
-        </p:spPr>
-      </p:pic>
-      <p:pic>
-        <p:nvPicPr>
-          <p:cNvPr id="184" name="Google Shape;184;p28"/>
-          <p:cNvPicPr preferRelativeResize="0"/>
-          <p:nvPr/>
-        </p:nvPicPr>
-        <p:blipFill rotWithShape="1">
-          <a:blip r:embed="rId26">
-            <a:alphaModFix/>
-          </a:blip>
-          <a:srcRect/>
-          <a:stretch/>
-        </p:blipFill>
-        <p:spPr>
-          <a:xfrm>
-            <a:off x="2008368" y="3113081"/>
-            <a:ext cx="621000" cy="621000"/>
-          </a:xfrm>
-          <a:prstGeom prst="rect">
-            <a:avLst/>
-          </a:prstGeom>
-          <a:noFill/>
-          <a:ln>
-            <a:noFill/>
-          </a:ln>
-        </p:spPr>
-      </p:pic>
-      <p:pic>
-        <p:nvPicPr>
-          <p:cNvPr id="185" name="Google Shape;185;p28"/>
-          <p:cNvPicPr preferRelativeResize="0"/>
-          <p:nvPr/>
-        </p:nvPicPr>
-        <p:blipFill>
-          <a:blip r:embed="rId27">
-            <a:alphaModFix/>
-          </a:blip>
-          <a:stretch>
-            <a:fillRect/>
-          </a:stretch>
-        </p:blipFill>
-        <p:spPr>
-          <a:xfrm>
-            <a:off x="2008368" y="3851925"/>
-            <a:ext cx="621000" cy="621000"/>
-          </a:xfrm>
-          <a:prstGeom prst="rect">
-            <a:avLst/>
-          </a:prstGeom>
-          <a:noFill/>
-          <a:ln>
-            <a:noFill/>
-          </a:ln>
-        </p:spPr>
-      </p:pic>
-      <p:pic>
-        <p:nvPicPr>
-          <p:cNvPr id="186" name="Google Shape;186;p28"/>
-          <p:cNvPicPr preferRelativeResize="0"/>
-          <p:nvPr/>
-        </p:nvPicPr>
-        <p:blipFill>
-          <a:blip r:embed="rId28">
-            <a:alphaModFix/>
-          </a:blip>
-          <a:stretch>
-            <a:fillRect/>
-          </a:stretch>
-        </p:blipFill>
-        <p:spPr>
-          <a:xfrm>
-            <a:off x="3903671" y="3851925"/>
-            <a:ext cx="621000" cy="621000"/>
-          </a:xfrm>
-          <a:prstGeom prst="rect">
-            <a:avLst/>
-          </a:prstGeom>
-          <a:noFill/>
-          <a:ln>
-            <a:noFill/>
-          </a:ln>
-        </p:spPr>
-      </p:pic>
-      <p:pic>
-        <p:nvPicPr>
-          <p:cNvPr id="187" name="Google Shape;187;p28"/>
-          <p:cNvPicPr preferRelativeResize="0"/>
-          <p:nvPr/>
-        </p:nvPicPr>
-        <p:blipFill>
-          <a:blip r:embed="rId29">
-            <a:alphaModFix/>
-          </a:blip>
-          <a:stretch>
-            <a:fillRect/>
-          </a:stretch>
-        </p:blipFill>
-        <p:spPr>
-          <a:xfrm>
-            <a:off x="5317176" y="3851950"/>
-            <a:ext cx="621000" cy="621000"/>
-          </a:xfrm>
-          <a:prstGeom prst="rect">
-            <a:avLst/>
-          </a:prstGeom>
-          <a:noFill/>
-          <a:ln>
-            <a:noFill/>
-          </a:ln>
-        </p:spPr>
-      </p:pic>
-      <p:pic>
-        <p:nvPicPr>
-          <p:cNvPr id="188" name="Google Shape;188;p28"/>
-          <p:cNvPicPr preferRelativeResize="0"/>
-          <p:nvPr/>
-        </p:nvPicPr>
-        <p:blipFill>
-          <a:blip r:embed="rId30">
-            <a:alphaModFix/>
-          </a:blip>
-          <a:stretch>
-            <a:fillRect/>
-          </a:stretch>
-        </p:blipFill>
-        <p:spPr>
-          <a:xfrm>
-            <a:off x="4610430" y="3851950"/>
-            <a:ext cx="621000" cy="621000"/>
-          </a:xfrm>
-          <a:prstGeom prst="rect">
-            <a:avLst/>
-          </a:prstGeom>
-          <a:noFill/>
-          <a:ln>
-            <a:noFill/>
-          </a:ln>
-        </p:spPr>
-      </p:pic>
-      <p:sp>
-        <p:nvSpPr>
-          <p:cNvPr id="189" name="Google Shape;189;p28"/>
-          <p:cNvSpPr/>
-          <p:nvPr/>
-        </p:nvSpPr>
-        <p:spPr>
-          <a:xfrm>
-            <a:off x="6135375" y="330725"/>
-            <a:ext cx="2655300" cy="620700"/>
-          </a:xfrm>
-          <a:prstGeom prst="wedgeRectCallout">
-            <a:avLst>
-              <a:gd name="adj1" fmla="val -20904"/>
-              <a:gd name="adj2" fmla="val 84002"/>
-            </a:avLst>
-          </a:prstGeom>
-          <a:solidFill>
-            <a:srgbClr val="F3F3F3"/>
-          </a:solidFill>
-          <a:ln w="9525" cap="flat" cmpd="sng">
-            <a:solidFill>
-              <a:srgbClr val="013D85"/>
-            </a:solidFill>
-            <a:prstDash val="solid"/>
-            <a:round/>
-            <a:headEnd type="none" w="sm" len="sm"/>
-            <a:tailEnd type="none" w="sm" len="sm"/>
-          </a:ln>
-        </p:spPr>
-        <p:txBody>
-          <a:bodyPr spcFirstLastPara="1" wrap="square" lIns="198000" tIns="126000" rIns="198000" bIns="126000" anchor="ctr" anchorCtr="0">
-            <a:noAutofit/>
-          </a:bodyPr>
-          <a:lstStyle/>
-          <a:p>
-            <a:pPr marL="0" lvl="0" indent="0" algn="l" rtl="0">
-              <a:spcBef>
-                <a:spcPts val="0"/>
-              </a:spcBef>
-              <a:spcAft>
-                <a:spcPts val="0"/>
-              </a:spcAft>
-              <a:buNone/>
-            </a:pPr>
-            <a:r>
-              <a:rPr lang="ru" sz="1100">
-                <a:solidFill>
-                  <a:srgbClr val="02418B"/>
-                </a:solidFill>
-                <a:latin typeface="Roboto"/>
-                <a:ea typeface="Roboto"/>
-                <a:cs typeface="Roboto"/>
-                <a:sym typeface="Roboto"/>
-              </a:rPr>
-              <a:t>Используйте иллюстрации. Они облегчают восприятие материала</a:t>
-            </a:r>
-            <a:endParaRPr sz="1100">
-              <a:solidFill>
-                <a:srgbClr val="02418B"/>
-              </a:solidFill>
-              <a:latin typeface="Roboto"/>
-              <a:ea typeface="Roboto"/>
-              <a:cs typeface="Roboto"/>
-              <a:sym typeface="Roboto"/>
-            </a:endParaRPr>
-          </a:p>
-        </p:txBody>
-      </p:sp>
-      <p:pic>
-        <p:nvPicPr>
-          <p:cNvPr id="190" name="Google Shape;190;p28"/>
-          <p:cNvPicPr preferRelativeResize="0"/>
-          <p:nvPr/>
-        </p:nvPicPr>
-        <p:blipFill rotWithShape="1">
-          <a:blip r:embed="rId31">
-            <a:alphaModFix/>
-          </a:blip>
-          <a:srcRect/>
-          <a:stretch/>
-        </p:blipFill>
-        <p:spPr>
-          <a:xfrm>
-            <a:off x="6545327" y="3851931"/>
-            <a:ext cx="620721" cy="620719"/>
-          </a:xfrm>
-          <a:prstGeom prst="rect">
-            <a:avLst/>
-          </a:prstGeom>
-          <a:noFill/>
-          <a:ln>
-            <a:noFill/>
-          </a:ln>
-        </p:spPr>
-      </p:pic>
-      <p:pic>
-        <p:nvPicPr>
-          <p:cNvPr id="191" name="Google Shape;191;p28"/>
-          <p:cNvPicPr preferRelativeResize="0"/>
-          <p:nvPr/>
-        </p:nvPicPr>
-        <p:blipFill rotWithShape="1">
-          <a:blip r:embed="rId32">
-            <a:alphaModFix/>
-          </a:blip>
-          <a:srcRect/>
-          <a:stretch/>
-        </p:blipFill>
-        <p:spPr>
-          <a:xfrm>
-            <a:off x="6538852" y="3113362"/>
-            <a:ext cx="620721" cy="620719"/>
-          </a:xfrm>
-          <a:prstGeom prst="rect">
-            <a:avLst/>
-          </a:prstGeom>
-          <a:noFill/>
-          <a:ln>
-            <a:noFill/>
-          </a:ln>
-        </p:spPr>
-      </p:pic>
-      <p:pic>
-        <p:nvPicPr>
-          <p:cNvPr id="192" name="Google Shape;192;p28"/>
-          <p:cNvPicPr preferRelativeResize="0"/>
-          <p:nvPr/>
-        </p:nvPicPr>
-        <p:blipFill rotWithShape="1">
-          <a:blip r:embed="rId33">
-            <a:alphaModFix/>
-          </a:blip>
-          <a:srcRect/>
-          <a:stretch/>
-        </p:blipFill>
-        <p:spPr>
-          <a:xfrm>
-            <a:off x="6528527" y="1597225"/>
-            <a:ext cx="620721" cy="620719"/>
-          </a:xfrm>
-          <a:prstGeom prst="rect">
-            <a:avLst/>
-          </a:prstGeom>
-          <a:noFill/>
-          <a:ln>
-            <a:noFill/>
-          </a:ln>
-        </p:spPr>
-      </p:pic>
-      <p:pic>
-        <p:nvPicPr>
-          <p:cNvPr id="193" name="Google Shape;193;p28"/>
-          <p:cNvPicPr preferRelativeResize="0"/>
-          <p:nvPr/>
-        </p:nvPicPr>
-        <p:blipFill rotWithShape="1">
-          <a:blip r:embed="rId34">
-            <a:alphaModFix/>
-          </a:blip>
-          <a:srcRect/>
-          <a:stretch/>
-        </p:blipFill>
-        <p:spPr>
-          <a:xfrm>
-            <a:off x="6528527" y="2355181"/>
-            <a:ext cx="620721" cy="620719"/>
-          </a:xfrm>
-          <a:prstGeom prst="rect">
-            <a:avLst/>
-          </a:prstGeom>
-          <a:noFill/>
-          <a:ln>
-            <a:noFill/>
-          </a:ln>
-        </p:spPr>
-      </p:pic>
-      <p:sp>
-        <p:nvSpPr>
-          <p:cNvPr id="194" name="Google Shape;194;p28"/>
-          <p:cNvSpPr txBox="1">
-            <a:spLocks noGrp="1"/>
-          </p:cNvSpPr>
-          <p:nvPr>
-            <p:ph type="subTitle" idx="4294967295"/>
-          </p:nvPr>
-        </p:nvSpPr>
-        <p:spPr>
-          <a:xfrm>
-            <a:off x="6455100" y="1126669"/>
-            <a:ext cx="1579800" cy="411000"/>
-          </a:xfrm>
-          <a:prstGeom prst="rect">
-            <a:avLst/>
-          </a:prstGeom>
-        </p:spPr>
-        <p:txBody>
-          <a:bodyPr spcFirstLastPara="1" wrap="square" lIns="91425" tIns="91425" rIns="91425" bIns="91425" anchor="t" anchorCtr="0">
-            <a:normAutofit fontScale="92500" lnSpcReduction="20000"/>
-          </a:bodyPr>
-          <a:lstStyle/>
-          <a:p>
-            <a:pPr marL="0" lvl="0" indent="0" algn="l" rtl="0">
-              <a:spcBef>
-                <a:spcPts val="0"/>
-              </a:spcBef>
-              <a:spcAft>
-                <a:spcPts val="0"/>
-              </a:spcAft>
-              <a:buNone/>
-            </a:pPr>
-            <a:r>
-              <a:rPr lang="ru" sz="1500" b="1">
-                <a:solidFill>
-                  <a:srgbClr val="013D85"/>
-                </a:solidFill>
-              </a:rPr>
-              <a:t>Люди</a:t>
-            </a:r>
-            <a:endParaRPr sz="1500" b="1">
-              <a:solidFill>
-                <a:srgbClr val="013D85"/>
-              </a:solidFill>
-            </a:endParaRPr>
-          </a:p>
-        </p:txBody>
-      </p:sp>
-      <p:pic>
-        <p:nvPicPr>
-          <p:cNvPr id="195" name="Google Shape;195;p28"/>
-          <p:cNvPicPr preferRelativeResize="0"/>
-          <p:nvPr/>
-        </p:nvPicPr>
-        <p:blipFill rotWithShape="1">
-          <a:blip r:embed="rId35">
-            <a:alphaModFix/>
-          </a:blip>
-          <a:srcRect/>
-          <a:stretch/>
-        </p:blipFill>
-        <p:spPr>
-          <a:xfrm>
-            <a:off x="7260470" y="3851931"/>
-            <a:ext cx="620721" cy="620719"/>
-          </a:xfrm>
-          <a:prstGeom prst="rect">
-            <a:avLst/>
-          </a:prstGeom>
-          <a:noFill/>
-          <a:ln>
-            <a:noFill/>
-          </a:ln>
-        </p:spPr>
-      </p:pic>
-      <p:pic>
-        <p:nvPicPr>
-          <p:cNvPr id="196" name="Google Shape;196;p28"/>
-          <p:cNvPicPr preferRelativeResize="0"/>
-          <p:nvPr/>
-        </p:nvPicPr>
-        <p:blipFill rotWithShape="1">
-          <a:blip r:embed="rId36">
-            <a:alphaModFix/>
-          </a:blip>
-          <a:srcRect/>
-          <a:stretch/>
-        </p:blipFill>
-        <p:spPr>
-          <a:xfrm>
-            <a:off x="7253995" y="3113362"/>
-            <a:ext cx="620721" cy="620719"/>
-          </a:xfrm>
-          <a:prstGeom prst="rect">
-            <a:avLst/>
-          </a:prstGeom>
-          <a:noFill/>
-          <a:ln>
-            <a:noFill/>
-          </a:ln>
-        </p:spPr>
-      </p:pic>
-      <p:pic>
-        <p:nvPicPr>
-          <p:cNvPr id="197" name="Google Shape;197;p28"/>
-          <p:cNvPicPr preferRelativeResize="0"/>
-          <p:nvPr/>
-        </p:nvPicPr>
-        <p:blipFill rotWithShape="1">
-          <a:blip r:embed="rId37">
-            <a:alphaModFix/>
-          </a:blip>
-          <a:srcRect/>
-          <a:stretch/>
-        </p:blipFill>
-        <p:spPr>
-          <a:xfrm>
-            <a:off x="7243670" y="1597225"/>
-            <a:ext cx="620721" cy="620719"/>
-          </a:xfrm>
-          <a:prstGeom prst="rect">
-            <a:avLst/>
-          </a:prstGeom>
-          <a:noFill/>
-          <a:ln>
-            <a:noFill/>
-          </a:ln>
-        </p:spPr>
-      </p:pic>
-      <p:pic>
-        <p:nvPicPr>
-          <p:cNvPr id="198" name="Google Shape;198;p28"/>
-          <p:cNvPicPr preferRelativeResize="0"/>
-          <p:nvPr/>
-        </p:nvPicPr>
-        <p:blipFill rotWithShape="1">
-          <a:blip r:embed="rId38">
-            <a:alphaModFix/>
-          </a:blip>
-          <a:srcRect/>
-          <a:stretch/>
-        </p:blipFill>
-        <p:spPr>
-          <a:xfrm>
-            <a:off x="7243670" y="2355181"/>
-            <a:ext cx="620721" cy="620719"/>
-          </a:xfrm>
-          <a:prstGeom prst="rect">
-            <a:avLst/>
-          </a:prstGeom>
-          <a:noFill/>
-          <a:ln>
-            <a:noFill/>
-          </a:ln>
-        </p:spPr>
-      </p:pic>
-      <p:pic>
-        <p:nvPicPr>
-          <p:cNvPr id="199" name="Google Shape;199;p28"/>
-          <p:cNvPicPr preferRelativeResize="0"/>
-          <p:nvPr/>
-        </p:nvPicPr>
-        <p:blipFill rotWithShape="1">
-          <a:blip r:embed="rId39">
-            <a:alphaModFix/>
-          </a:blip>
-          <a:srcRect/>
-          <a:stretch/>
-        </p:blipFill>
-        <p:spPr>
-          <a:xfrm>
-            <a:off x="7958827" y="1597225"/>
-            <a:ext cx="620721" cy="620719"/>
-          </a:xfrm>
-          <a:prstGeom prst="rect">
-            <a:avLst/>
-          </a:prstGeom>
-          <a:noFill/>
-          <a:ln>
-            <a:noFill/>
-          </a:ln>
-        </p:spPr>
-      </p:pic>
-      <p:pic>
-        <p:nvPicPr>
-          <p:cNvPr id="200" name="Google Shape;200;p28"/>
-          <p:cNvPicPr preferRelativeResize="0"/>
-          <p:nvPr/>
-        </p:nvPicPr>
-        <p:blipFill rotWithShape="1">
-          <a:blip r:embed="rId40">
-            <a:alphaModFix/>
-          </a:blip>
-          <a:srcRect/>
-          <a:stretch/>
-        </p:blipFill>
-        <p:spPr>
-          <a:xfrm>
-            <a:off x="7958827" y="2355181"/>
-            <a:ext cx="620721" cy="620719"/>
-          </a:xfrm>
-          <a:prstGeom prst="rect">
-            <a:avLst/>
-          </a:prstGeom>
-          <a:noFill/>
-          <a:ln>
-            <a:noFill/>
-          </a:ln>
-        </p:spPr>
-      </p:pic>
-    </p:spTree>
-  </p:cSld>
-  <p:clrMapOvr>
-    <a:masterClrMapping/>
-  </p:clrMapOvr>
-</p:sld>
-</file>
-
-<file path=ppt/slides/slide14.xml><?xml version="1.0" encoding="utf-8"?>
-<p:sld xmlns:a="http://schemas.openxmlformats.org/drawingml/2006/main" xmlns:r="http://schemas.openxmlformats.org/officeDocument/2006/relationships" xmlns:p="http://schemas.openxmlformats.org/presentationml/2006/main">
-  <p:cSld>
-    <p:spTree>
-      <p:nvGrpSpPr>
-        <p:cNvPr id="1" name="Shape 204"/>
-        <p:cNvGrpSpPr/>
-        <p:nvPr/>
-      </p:nvGrpSpPr>
-      <p:grpSpPr>
-        <a:xfrm>
-          <a:off x="0" y="0"/>
-          <a:ext cx="0" cy="0"/>
-          <a:chOff x="0" y="0"/>
-          <a:chExt cx="0" cy="0"/>
-        </a:xfrm>
-      </p:grpSpPr>
-      <p:sp>
-        <p:nvSpPr>
-          <p:cNvPr id="205" name="Google Shape;205;p29"/>
-          <p:cNvSpPr txBox="1">
-            <a:spLocks noGrp="1"/>
-          </p:cNvSpPr>
-          <p:nvPr>
-            <p:ph type="title"/>
-          </p:nvPr>
-        </p:nvSpPr>
-        <p:spPr>
-          <a:xfrm>
-            <a:off x="500550" y="330732"/>
-            <a:ext cx="8520600" cy="843600"/>
-          </a:xfrm>
-          <a:prstGeom prst="rect">
-            <a:avLst/>
-          </a:prstGeom>
-        </p:spPr>
-        <p:txBody>
-          <a:bodyPr spcFirstLastPara="1" wrap="square" lIns="91425" tIns="91425" rIns="91425" bIns="91425" anchor="t" anchorCtr="0">
-            <a:noAutofit/>
-          </a:bodyPr>
-          <a:lstStyle/>
-          <a:p>
-            <a:pPr marL="0" lvl="0" indent="0" algn="l" rtl="0">
-              <a:spcBef>
-                <a:spcPts val="0"/>
-              </a:spcBef>
-              <a:spcAft>
-                <a:spcPts val="0"/>
-              </a:spcAft>
-              <a:buNone/>
-            </a:pPr>
-            <a:r>
-              <a:rPr lang="ru"/>
-              <a:t>Слайд с иллюстрациями</a:t>
-            </a:r>
-            <a:endParaRPr/>
-          </a:p>
-        </p:txBody>
-      </p:sp>
-      <p:pic>
-        <p:nvPicPr>
-          <p:cNvPr id="206" name="Google Shape;206;p29"/>
-          <p:cNvPicPr preferRelativeResize="0"/>
-          <p:nvPr/>
-        </p:nvPicPr>
-        <p:blipFill rotWithShape="1">
-          <a:blip r:embed="rId3">
-            <a:alphaModFix/>
-          </a:blip>
-          <a:srcRect/>
-          <a:stretch/>
-        </p:blipFill>
-        <p:spPr>
-          <a:xfrm>
-            <a:off x="620027" y="3876872"/>
-            <a:ext cx="620721" cy="620719"/>
-          </a:xfrm>
-          <a:prstGeom prst="rect">
-            <a:avLst/>
-          </a:prstGeom>
-          <a:noFill/>
-          <a:ln>
-            <a:noFill/>
-          </a:ln>
-        </p:spPr>
-      </p:pic>
-      <p:pic>
-        <p:nvPicPr>
-          <p:cNvPr id="207" name="Google Shape;207;p29"/>
-          <p:cNvPicPr preferRelativeResize="0"/>
-          <p:nvPr/>
-        </p:nvPicPr>
-        <p:blipFill rotWithShape="1">
-          <a:blip r:embed="rId4">
-            <a:alphaModFix/>
-          </a:blip>
-          <a:srcRect/>
-          <a:stretch/>
-        </p:blipFill>
-        <p:spPr>
-          <a:xfrm>
-            <a:off x="607202" y="3137653"/>
-            <a:ext cx="620721" cy="620719"/>
-          </a:xfrm>
-          <a:prstGeom prst="rect">
-            <a:avLst/>
-          </a:prstGeom>
-          <a:noFill/>
-          <a:ln>
-            <a:noFill/>
-          </a:ln>
-        </p:spPr>
-      </p:pic>
-      <p:pic>
-        <p:nvPicPr>
-          <p:cNvPr id="208" name="Google Shape;208;p29"/>
-          <p:cNvPicPr preferRelativeResize="0"/>
-          <p:nvPr/>
-        </p:nvPicPr>
-        <p:blipFill rotWithShape="1">
-          <a:blip r:embed="rId5">
-            <a:alphaModFix/>
-          </a:blip>
-          <a:srcRect/>
-          <a:stretch/>
-        </p:blipFill>
-        <p:spPr>
-          <a:xfrm>
-            <a:off x="607389" y="1621919"/>
-            <a:ext cx="620721" cy="620719"/>
-          </a:xfrm>
-          <a:prstGeom prst="rect">
-            <a:avLst/>
-          </a:prstGeom>
-          <a:noFill/>
-          <a:ln>
-            <a:noFill/>
-          </a:ln>
-        </p:spPr>
-      </p:pic>
-      <p:pic>
-        <p:nvPicPr>
-          <p:cNvPr id="209" name="Google Shape;209;p29"/>
-          <p:cNvPicPr preferRelativeResize="0"/>
-          <p:nvPr/>
-        </p:nvPicPr>
-        <p:blipFill rotWithShape="1">
-          <a:blip r:embed="rId6">
-            <a:alphaModFix/>
-          </a:blip>
-          <a:srcRect/>
-          <a:stretch/>
-        </p:blipFill>
-        <p:spPr>
-          <a:xfrm>
-            <a:off x="607389" y="2369222"/>
-            <a:ext cx="620721" cy="620719"/>
-          </a:xfrm>
-          <a:prstGeom prst="rect">
-            <a:avLst/>
-          </a:prstGeom>
-          <a:noFill/>
-          <a:ln>
-            <a:noFill/>
-          </a:ln>
-        </p:spPr>
-      </p:pic>
-      <p:sp>
-        <p:nvSpPr>
-          <p:cNvPr id="210" name="Google Shape;210;p29"/>
-          <p:cNvSpPr txBox="1">
-            <a:spLocks noGrp="1"/>
-          </p:cNvSpPr>
-          <p:nvPr>
-            <p:ph type="subTitle" idx="4294967295"/>
-          </p:nvPr>
-        </p:nvSpPr>
-        <p:spPr>
-          <a:xfrm>
-            <a:off x="543825" y="1132719"/>
-            <a:ext cx="2588100" cy="411000"/>
-          </a:xfrm>
-          <a:prstGeom prst="rect">
-            <a:avLst/>
-          </a:prstGeom>
-        </p:spPr>
-        <p:txBody>
-          <a:bodyPr spcFirstLastPara="1" wrap="square" lIns="91425" tIns="91425" rIns="91425" bIns="91425" anchor="t" anchorCtr="0">
-            <a:normAutofit fontScale="92500" lnSpcReduction="20000"/>
-          </a:bodyPr>
-          <a:lstStyle/>
-          <a:p>
-            <a:pPr marL="0" lvl="0" indent="0" algn="l" rtl="0">
-              <a:spcBef>
-                <a:spcPts val="0"/>
-              </a:spcBef>
-              <a:spcAft>
-                <a:spcPts val="0"/>
-              </a:spcAft>
-              <a:buNone/>
-            </a:pPr>
-            <a:r>
-              <a:rPr lang="ru" sz="1500" b="1">
-                <a:solidFill>
-                  <a:srgbClr val="013D85"/>
-                </a:solidFill>
-              </a:rPr>
-              <a:t>Обучение, исследование</a:t>
-            </a:r>
-            <a:endParaRPr sz="1500" b="1">
-              <a:solidFill>
-                <a:srgbClr val="013D85"/>
-              </a:solidFill>
-            </a:endParaRPr>
-          </a:p>
-        </p:txBody>
-      </p:sp>
-      <p:pic>
-        <p:nvPicPr>
-          <p:cNvPr id="211" name="Google Shape;211;p29"/>
-          <p:cNvPicPr preferRelativeResize="0"/>
-          <p:nvPr/>
-        </p:nvPicPr>
-        <p:blipFill rotWithShape="1">
-          <a:blip r:embed="rId7">
-            <a:alphaModFix/>
-          </a:blip>
-          <a:srcRect/>
-          <a:stretch/>
-        </p:blipFill>
-        <p:spPr>
-          <a:xfrm>
-            <a:off x="1331895" y="3876872"/>
-            <a:ext cx="620721" cy="620719"/>
-          </a:xfrm>
-          <a:prstGeom prst="rect">
-            <a:avLst/>
-          </a:prstGeom>
-          <a:noFill/>
-          <a:ln>
-            <a:noFill/>
-          </a:ln>
-        </p:spPr>
-      </p:pic>
-      <p:pic>
-        <p:nvPicPr>
-          <p:cNvPr id="212" name="Google Shape;212;p29"/>
-          <p:cNvPicPr preferRelativeResize="0"/>
-          <p:nvPr/>
-        </p:nvPicPr>
-        <p:blipFill rotWithShape="1">
-          <a:blip r:embed="rId8">
-            <a:alphaModFix/>
-          </a:blip>
-          <a:srcRect/>
-          <a:stretch/>
-        </p:blipFill>
-        <p:spPr>
-          <a:xfrm>
-            <a:off x="1319070" y="3137653"/>
-            <a:ext cx="620721" cy="620719"/>
-          </a:xfrm>
-          <a:prstGeom prst="rect">
-            <a:avLst/>
-          </a:prstGeom>
-          <a:noFill/>
-          <a:ln>
-            <a:noFill/>
-          </a:ln>
-        </p:spPr>
-      </p:pic>
-      <p:pic>
-        <p:nvPicPr>
-          <p:cNvPr id="213" name="Google Shape;213;p29"/>
-          <p:cNvPicPr preferRelativeResize="0"/>
-          <p:nvPr/>
-        </p:nvPicPr>
-        <p:blipFill rotWithShape="1">
-          <a:blip r:embed="rId9">
-            <a:alphaModFix/>
-          </a:blip>
-          <a:srcRect/>
-          <a:stretch/>
-        </p:blipFill>
-        <p:spPr>
-          <a:xfrm>
-            <a:off x="1319258" y="1621919"/>
-            <a:ext cx="620721" cy="620719"/>
-          </a:xfrm>
-          <a:prstGeom prst="rect">
-            <a:avLst/>
-          </a:prstGeom>
-          <a:noFill/>
-          <a:ln>
-            <a:noFill/>
-          </a:ln>
-        </p:spPr>
-      </p:pic>
-      <p:pic>
-        <p:nvPicPr>
-          <p:cNvPr id="214" name="Google Shape;214;p29"/>
-          <p:cNvPicPr preferRelativeResize="0"/>
-          <p:nvPr/>
-        </p:nvPicPr>
-        <p:blipFill rotWithShape="1">
-          <a:blip r:embed="rId10">
-            <a:alphaModFix/>
-          </a:blip>
-          <a:srcRect/>
-          <a:stretch/>
-        </p:blipFill>
-        <p:spPr>
-          <a:xfrm>
-            <a:off x="1319258" y="2369222"/>
-            <a:ext cx="620721" cy="620719"/>
-          </a:xfrm>
-          <a:prstGeom prst="rect">
-            <a:avLst/>
-          </a:prstGeom>
-          <a:noFill/>
-          <a:ln>
-            <a:noFill/>
-          </a:ln>
-        </p:spPr>
-      </p:pic>
-      <p:pic>
-        <p:nvPicPr>
-          <p:cNvPr id="215" name="Google Shape;215;p29"/>
-          <p:cNvPicPr preferRelativeResize="0"/>
-          <p:nvPr/>
-        </p:nvPicPr>
-        <p:blipFill rotWithShape="1">
-          <a:blip r:embed="rId11">
-            <a:alphaModFix/>
-          </a:blip>
-          <a:srcRect/>
-          <a:stretch/>
-        </p:blipFill>
-        <p:spPr>
-          <a:xfrm>
-            <a:off x="2043789" y="1621919"/>
-            <a:ext cx="620721" cy="620719"/>
-          </a:xfrm>
-          <a:prstGeom prst="rect">
-            <a:avLst/>
-          </a:prstGeom>
-          <a:noFill/>
-          <a:ln>
-            <a:noFill/>
-          </a:ln>
-        </p:spPr>
-      </p:pic>
-      <p:pic>
-        <p:nvPicPr>
-          <p:cNvPr id="216" name="Google Shape;216;p29"/>
-          <p:cNvPicPr preferRelativeResize="0"/>
-          <p:nvPr/>
-        </p:nvPicPr>
-        <p:blipFill rotWithShape="1">
-          <a:blip r:embed="rId12">
-            <a:alphaModFix/>
-          </a:blip>
-          <a:srcRect/>
-          <a:stretch/>
-        </p:blipFill>
-        <p:spPr>
-          <a:xfrm>
-            <a:off x="2043789" y="2369222"/>
-            <a:ext cx="620721" cy="620719"/>
-          </a:xfrm>
-          <a:prstGeom prst="rect">
-            <a:avLst/>
-          </a:prstGeom>
-          <a:noFill/>
-          <a:ln>
-            <a:noFill/>
-          </a:ln>
-        </p:spPr>
-      </p:pic>
-      <p:pic>
-        <p:nvPicPr>
-          <p:cNvPr id="217" name="Google Shape;217;p29"/>
-          <p:cNvPicPr preferRelativeResize="0"/>
-          <p:nvPr/>
-        </p:nvPicPr>
-        <p:blipFill>
-          <a:blip r:embed="rId13">
-            <a:alphaModFix/>
-          </a:blip>
-          <a:stretch>
-            <a:fillRect/>
-          </a:stretch>
-        </p:blipFill>
-        <p:spPr>
-          <a:xfrm>
-            <a:off x="2043592" y="3137513"/>
-            <a:ext cx="621000" cy="621000"/>
-          </a:xfrm>
-          <a:prstGeom prst="rect">
-            <a:avLst/>
-          </a:prstGeom>
-          <a:noFill/>
-          <a:ln>
-            <a:noFill/>
-          </a:ln>
-        </p:spPr>
-      </p:pic>
-      <p:pic>
-        <p:nvPicPr>
-          <p:cNvPr id="218" name="Google Shape;218;p29"/>
-          <p:cNvPicPr preferRelativeResize="0"/>
-          <p:nvPr/>
-        </p:nvPicPr>
-        <p:blipFill>
-          <a:blip r:embed="rId14">
-            <a:alphaModFix/>
-          </a:blip>
-          <a:stretch>
-            <a:fillRect/>
-          </a:stretch>
-        </p:blipFill>
-        <p:spPr>
-          <a:xfrm>
-            <a:off x="2056421" y="3876731"/>
-            <a:ext cx="621000" cy="621000"/>
-          </a:xfrm>
-          <a:prstGeom prst="rect">
-            <a:avLst/>
-          </a:prstGeom>
-          <a:noFill/>
-          <a:ln>
-            <a:noFill/>
-          </a:ln>
-        </p:spPr>
-      </p:pic>
-      <p:sp>
-        <p:nvSpPr>
-          <p:cNvPr id="219" name="Google Shape;219;p29"/>
-          <p:cNvSpPr txBox="1">
-            <a:spLocks noGrp="1"/>
-          </p:cNvSpPr>
-          <p:nvPr>
-            <p:ph type="subTitle" idx="4294967295"/>
-          </p:nvPr>
-        </p:nvSpPr>
-        <p:spPr>
-          <a:xfrm>
-            <a:off x="3243325" y="1132719"/>
-            <a:ext cx="2588100" cy="411000"/>
-          </a:xfrm>
-          <a:prstGeom prst="rect">
-            <a:avLst/>
-          </a:prstGeom>
-        </p:spPr>
-        <p:txBody>
-          <a:bodyPr spcFirstLastPara="1" wrap="square" lIns="91425" tIns="91425" rIns="91425" bIns="91425" anchor="t" anchorCtr="0">
-            <a:normAutofit fontScale="92500" lnSpcReduction="20000"/>
-          </a:bodyPr>
-          <a:lstStyle/>
-          <a:p>
-            <a:pPr marL="0" lvl="0" indent="0" algn="l" rtl="0">
-              <a:spcBef>
-                <a:spcPts val="0"/>
-              </a:spcBef>
-              <a:spcAft>
-                <a:spcPts val="0"/>
-              </a:spcAft>
-              <a:buNone/>
-            </a:pPr>
-            <a:r>
-              <a:rPr lang="ru" sz="1500" b="1">
-                <a:solidFill>
-                  <a:srgbClr val="013D85"/>
-                </a:solidFill>
-              </a:rPr>
-              <a:t>Компьютерные игры</a:t>
-            </a:r>
-            <a:endParaRPr sz="1500" b="1">
-              <a:solidFill>
-                <a:srgbClr val="013D85"/>
-              </a:solidFill>
-            </a:endParaRPr>
-          </a:p>
-        </p:txBody>
-      </p:sp>
-      <p:pic>
-        <p:nvPicPr>
-          <p:cNvPr id="220" name="Google Shape;220;p29"/>
-          <p:cNvPicPr preferRelativeResize="0"/>
-          <p:nvPr/>
-        </p:nvPicPr>
-        <p:blipFill rotWithShape="1">
-          <a:blip r:embed="rId15">
-            <a:alphaModFix/>
-          </a:blip>
-          <a:srcRect/>
-          <a:stretch/>
-        </p:blipFill>
-        <p:spPr>
-          <a:xfrm>
-            <a:off x="3310877" y="3137653"/>
-            <a:ext cx="620721" cy="620719"/>
-          </a:xfrm>
-          <a:prstGeom prst="rect">
-            <a:avLst/>
-          </a:prstGeom>
-          <a:noFill/>
-          <a:ln>
-            <a:noFill/>
-          </a:ln>
-        </p:spPr>
-      </p:pic>
-      <p:pic>
-        <p:nvPicPr>
-          <p:cNvPr id="221" name="Google Shape;221;p29"/>
-          <p:cNvPicPr preferRelativeResize="0"/>
-          <p:nvPr/>
-        </p:nvPicPr>
-        <p:blipFill rotWithShape="1">
-          <a:blip r:embed="rId16">
-            <a:alphaModFix/>
-          </a:blip>
-          <a:srcRect/>
-          <a:stretch/>
-        </p:blipFill>
-        <p:spPr>
-          <a:xfrm>
-            <a:off x="3310877" y="1621918"/>
-            <a:ext cx="620721" cy="620721"/>
-          </a:xfrm>
-          <a:prstGeom prst="rect">
-            <a:avLst/>
-          </a:prstGeom>
-          <a:noFill/>
-          <a:ln>
-            <a:noFill/>
-          </a:ln>
-        </p:spPr>
-      </p:pic>
-      <p:pic>
-        <p:nvPicPr>
-          <p:cNvPr id="222" name="Google Shape;222;p29"/>
-          <p:cNvPicPr preferRelativeResize="0"/>
-          <p:nvPr/>
-        </p:nvPicPr>
-        <p:blipFill rotWithShape="1">
-          <a:blip r:embed="rId17">
-            <a:alphaModFix/>
-          </a:blip>
-          <a:srcRect/>
-          <a:stretch/>
-        </p:blipFill>
-        <p:spPr>
-          <a:xfrm>
-            <a:off x="3310877" y="2369222"/>
-            <a:ext cx="620721" cy="620719"/>
-          </a:xfrm>
-          <a:prstGeom prst="rect">
-            <a:avLst/>
-          </a:prstGeom>
-          <a:noFill/>
-          <a:ln>
-            <a:noFill/>
-          </a:ln>
-        </p:spPr>
-      </p:pic>
-      <p:pic>
-        <p:nvPicPr>
-          <p:cNvPr id="223" name="Google Shape;223;p29"/>
-          <p:cNvPicPr preferRelativeResize="0"/>
-          <p:nvPr/>
-        </p:nvPicPr>
-        <p:blipFill rotWithShape="1">
-          <a:blip r:embed="rId18">
-            <a:alphaModFix/>
-          </a:blip>
-          <a:srcRect/>
-          <a:stretch/>
-        </p:blipFill>
-        <p:spPr>
-          <a:xfrm>
-            <a:off x="4046945" y="3137653"/>
-            <a:ext cx="620721" cy="620719"/>
-          </a:xfrm>
-          <a:prstGeom prst="rect">
-            <a:avLst/>
-          </a:prstGeom>
-          <a:noFill/>
-          <a:ln>
-            <a:noFill/>
-          </a:ln>
-        </p:spPr>
-      </p:pic>
-      <p:pic>
-        <p:nvPicPr>
-          <p:cNvPr id="224" name="Google Shape;224;p29"/>
-          <p:cNvPicPr preferRelativeResize="0"/>
-          <p:nvPr/>
-        </p:nvPicPr>
-        <p:blipFill rotWithShape="1">
-          <a:blip r:embed="rId19">
-            <a:alphaModFix/>
-          </a:blip>
-          <a:srcRect/>
-          <a:stretch/>
-        </p:blipFill>
-        <p:spPr>
-          <a:xfrm>
-            <a:off x="4046945" y="1621919"/>
-            <a:ext cx="620721" cy="620719"/>
-          </a:xfrm>
-          <a:prstGeom prst="rect">
-            <a:avLst/>
-          </a:prstGeom>
-          <a:noFill/>
-          <a:ln>
-            <a:noFill/>
-          </a:ln>
-        </p:spPr>
-      </p:pic>
-      <p:pic>
-        <p:nvPicPr>
-          <p:cNvPr id="225" name="Google Shape;225;p29"/>
-          <p:cNvPicPr preferRelativeResize="0"/>
-          <p:nvPr/>
-        </p:nvPicPr>
-        <p:blipFill rotWithShape="1">
-          <a:blip r:embed="rId20">
-            <a:alphaModFix/>
-          </a:blip>
-          <a:srcRect/>
-          <a:stretch/>
-        </p:blipFill>
-        <p:spPr>
-          <a:xfrm>
-            <a:off x="4046945" y="2369222"/>
-            <a:ext cx="620721" cy="620719"/>
-          </a:xfrm>
-          <a:prstGeom prst="rect">
-            <a:avLst/>
-          </a:prstGeom>
-          <a:noFill/>
-          <a:ln>
-            <a:noFill/>
-          </a:ln>
-        </p:spPr>
-      </p:pic>
-      <p:pic>
-        <p:nvPicPr>
-          <p:cNvPr id="226" name="Google Shape;226;p29"/>
-          <p:cNvPicPr preferRelativeResize="0"/>
-          <p:nvPr/>
-        </p:nvPicPr>
-        <p:blipFill rotWithShape="1">
-          <a:blip r:embed="rId21">
-            <a:alphaModFix/>
-          </a:blip>
-          <a:srcRect/>
-          <a:stretch/>
-        </p:blipFill>
-        <p:spPr>
-          <a:xfrm>
-            <a:off x="3310864" y="3876872"/>
-            <a:ext cx="620721" cy="620719"/>
-          </a:xfrm>
-          <a:prstGeom prst="rect">
-            <a:avLst/>
-          </a:prstGeom>
-          <a:noFill/>
-          <a:ln>
-            <a:noFill/>
-          </a:ln>
-        </p:spPr>
-      </p:pic>
-      <p:pic>
-        <p:nvPicPr>
-          <p:cNvPr id="227" name="Google Shape;227;p29"/>
-          <p:cNvPicPr preferRelativeResize="0"/>
-          <p:nvPr/>
-        </p:nvPicPr>
-        <p:blipFill rotWithShape="1">
-          <a:blip r:embed="rId22">
-            <a:alphaModFix/>
-          </a:blip>
-          <a:srcRect/>
-          <a:stretch/>
-        </p:blipFill>
-        <p:spPr>
-          <a:xfrm>
-            <a:off x="4783158" y="1621919"/>
-            <a:ext cx="620721" cy="620719"/>
-          </a:xfrm>
-          <a:prstGeom prst="rect">
-            <a:avLst/>
-          </a:prstGeom>
-          <a:noFill/>
-          <a:ln>
-            <a:noFill/>
-          </a:ln>
-        </p:spPr>
-      </p:pic>
-      <p:pic>
-        <p:nvPicPr>
-          <p:cNvPr id="228" name="Google Shape;228;p29"/>
-          <p:cNvPicPr preferRelativeResize="0"/>
-          <p:nvPr/>
-        </p:nvPicPr>
-        <p:blipFill rotWithShape="1">
-          <a:blip r:embed="rId23">
-            <a:alphaModFix/>
-          </a:blip>
-          <a:srcRect/>
-          <a:stretch/>
-        </p:blipFill>
-        <p:spPr>
-          <a:xfrm>
-            <a:off x="4046945" y="3876872"/>
-            <a:ext cx="620721" cy="620719"/>
-          </a:xfrm>
-          <a:prstGeom prst="rect">
-            <a:avLst/>
-          </a:prstGeom>
-          <a:noFill/>
-          <a:ln>
-            <a:noFill/>
-          </a:ln>
-        </p:spPr>
-      </p:pic>
-      <p:pic>
-        <p:nvPicPr>
-          <p:cNvPr id="229" name="Google Shape;229;p29"/>
-          <p:cNvPicPr preferRelativeResize="0"/>
-          <p:nvPr/>
-        </p:nvPicPr>
-        <p:blipFill>
-          <a:blip r:embed="rId24">
-            <a:alphaModFix/>
-          </a:blip>
-          <a:stretch>
-            <a:fillRect/>
-          </a:stretch>
-        </p:blipFill>
-        <p:spPr>
-          <a:xfrm>
-            <a:off x="4783018" y="2369081"/>
-            <a:ext cx="621000" cy="621000"/>
-          </a:xfrm>
-          <a:prstGeom prst="rect">
-            <a:avLst/>
-          </a:prstGeom>
-          <a:noFill/>
-          <a:ln>
-            <a:noFill/>
-          </a:ln>
-        </p:spPr>
-      </p:pic>
-      <p:pic>
-        <p:nvPicPr>
-          <p:cNvPr id="230" name="Google Shape;230;p29"/>
-          <p:cNvPicPr preferRelativeResize="0"/>
-          <p:nvPr/>
-        </p:nvPicPr>
-        <p:blipFill>
-          <a:blip r:embed="rId25">
-            <a:alphaModFix/>
-          </a:blip>
-          <a:stretch>
-            <a:fillRect/>
-          </a:stretch>
-        </p:blipFill>
-        <p:spPr>
-          <a:xfrm>
-            <a:off x="4783018" y="3137513"/>
-            <a:ext cx="621000" cy="621000"/>
-          </a:xfrm>
-          <a:prstGeom prst="rect">
-            <a:avLst/>
-          </a:prstGeom>
-          <a:noFill/>
-          <a:ln>
-            <a:noFill/>
-          </a:ln>
-        </p:spPr>
-      </p:pic>
-      <p:pic>
-        <p:nvPicPr>
-          <p:cNvPr id="231" name="Google Shape;231;p29"/>
-          <p:cNvPicPr preferRelativeResize="0"/>
-          <p:nvPr/>
-        </p:nvPicPr>
-        <p:blipFill>
-          <a:blip r:embed="rId26">
-            <a:alphaModFix/>
-          </a:blip>
-          <a:stretch>
-            <a:fillRect/>
-          </a:stretch>
-        </p:blipFill>
-        <p:spPr>
-          <a:xfrm>
-            <a:off x="4783018" y="3876731"/>
-            <a:ext cx="621000" cy="621000"/>
-          </a:xfrm>
-          <a:prstGeom prst="rect">
-            <a:avLst/>
-          </a:prstGeom>
-          <a:noFill/>
-          <a:ln>
-            <a:noFill/>
-          </a:ln>
-        </p:spPr>
-      </p:pic>
-      <p:sp>
-        <p:nvSpPr>
-          <p:cNvPr id="232" name="Google Shape;232;p29"/>
-          <p:cNvSpPr txBox="1">
-            <a:spLocks noGrp="1"/>
-          </p:cNvSpPr>
-          <p:nvPr>
-            <p:ph type="subTitle" idx="4294967295"/>
-          </p:nvPr>
-        </p:nvSpPr>
-        <p:spPr>
-          <a:xfrm>
-            <a:off x="5851075" y="1132719"/>
-            <a:ext cx="1579800" cy="411000"/>
-          </a:xfrm>
-          <a:prstGeom prst="rect">
-            <a:avLst/>
-          </a:prstGeom>
-        </p:spPr>
-        <p:txBody>
-          <a:bodyPr spcFirstLastPara="1" wrap="square" lIns="91425" tIns="91425" rIns="91425" bIns="91425" anchor="t" anchorCtr="0">
-            <a:normAutofit fontScale="92500" lnSpcReduction="20000"/>
-          </a:bodyPr>
-          <a:lstStyle/>
-          <a:p>
-            <a:pPr marL="0" lvl="0" indent="0" algn="l" rtl="0">
-              <a:spcBef>
-                <a:spcPts val="0"/>
-              </a:spcBef>
-              <a:spcAft>
-                <a:spcPts val="0"/>
-              </a:spcAft>
-              <a:buNone/>
-            </a:pPr>
-            <a:r>
-              <a:rPr lang="ru" sz="1500" b="1">
-                <a:solidFill>
-                  <a:srgbClr val="013D85"/>
-                </a:solidFill>
-              </a:rPr>
-              <a:t>Технологии</a:t>
-            </a:r>
-            <a:endParaRPr sz="1500" b="1">
-              <a:solidFill>
-                <a:srgbClr val="013D85"/>
-              </a:solidFill>
-            </a:endParaRPr>
-          </a:p>
-        </p:txBody>
-      </p:sp>
-      <p:pic>
-        <p:nvPicPr>
-          <p:cNvPr id="233" name="Google Shape;233;p29"/>
-          <p:cNvPicPr preferRelativeResize="0"/>
-          <p:nvPr/>
-        </p:nvPicPr>
-        <p:blipFill rotWithShape="1">
-          <a:blip r:embed="rId27">
-            <a:alphaModFix/>
-          </a:blip>
-          <a:srcRect/>
-          <a:stretch/>
-        </p:blipFill>
-        <p:spPr>
-          <a:xfrm>
-            <a:off x="5929664" y="3876872"/>
-            <a:ext cx="620721" cy="620719"/>
-          </a:xfrm>
-          <a:prstGeom prst="rect">
-            <a:avLst/>
-          </a:prstGeom>
-          <a:noFill/>
-          <a:ln>
-            <a:noFill/>
-          </a:ln>
-        </p:spPr>
-      </p:pic>
-      <p:pic>
-        <p:nvPicPr>
-          <p:cNvPr id="234" name="Google Shape;234;p29"/>
-          <p:cNvPicPr preferRelativeResize="0"/>
-          <p:nvPr/>
-        </p:nvPicPr>
-        <p:blipFill rotWithShape="1">
-          <a:blip r:embed="rId28">
-            <a:alphaModFix/>
-          </a:blip>
-          <a:srcRect/>
-          <a:stretch/>
-        </p:blipFill>
-        <p:spPr>
-          <a:xfrm>
-            <a:off x="5929664" y="3137653"/>
-            <a:ext cx="620721" cy="620719"/>
-          </a:xfrm>
-          <a:prstGeom prst="rect">
-            <a:avLst/>
-          </a:prstGeom>
-          <a:noFill/>
-          <a:ln>
-            <a:noFill/>
-          </a:ln>
-        </p:spPr>
-      </p:pic>
-      <p:pic>
-        <p:nvPicPr>
-          <p:cNvPr id="235" name="Google Shape;235;p29"/>
-          <p:cNvPicPr preferRelativeResize="0"/>
-          <p:nvPr/>
-        </p:nvPicPr>
-        <p:blipFill>
-          <a:blip r:embed="rId29">
-            <a:alphaModFix/>
-          </a:blip>
-          <a:stretch>
-            <a:fillRect/>
-          </a:stretch>
-        </p:blipFill>
-        <p:spPr>
-          <a:xfrm>
-            <a:off x="5929664" y="1621918"/>
-            <a:ext cx="620721" cy="620721"/>
-          </a:xfrm>
-          <a:prstGeom prst="rect">
-            <a:avLst/>
-          </a:prstGeom>
-          <a:noFill/>
-          <a:ln>
-            <a:noFill/>
-          </a:ln>
-        </p:spPr>
-      </p:pic>
-      <p:pic>
-        <p:nvPicPr>
-          <p:cNvPr id="236" name="Google Shape;236;p29"/>
-          <p:cNvPicPr preferRelativeResize="0"/>
-          <p:nvPr/>
-        </p:nvPicPr>
-        <p:blipFill rotWithShape="1">
-          <a:blip r:embed="rId30">
-            <a:alphaModFix/>
-          </a:blip>
-          <a:srcRect/>
-          <a:stretch/>
-        </p:blipFill>
-        <p:spPr>
-          <a:xfrm>
-            <a:off x="5929664" y="2369222"/>
-            <a:ext cx="620721" cy="620719"/>
-          </a:xfrm>
-          <a:prstGeom prst="rect">
-            <a:avLst/>
-          </a:prstGeom>
-          <a:noFill/>
-          <a:ln>
-            <a:noFill/>
-          </a:ln>
-        </p:spPr>
-      </p:pic>
-      <p:pic>
-        <p:nvPicPr>
-          <p:cNvPr id="237" name="Google Shape;237;p29"/>
-          <p:cNvPicPr preferRelativeResize="0"/>
-          <p:nvPr/>
-        </p:nvPicPr>
-        <p:blipFill rotWithShape="1">
-          <a:blip r:embed="rId31">
-            <a:alphaModFix/>
-          </a:blip>
-          <a:srcRect/>
-          <a:stretch/>
-        </p:blipFill>
-        <p:spPr>
-          <a:xfrm>
-            <a:off x="6654295" y="3876872"/>
-            <a:ext cx="620721" cy="620719"/>
-          </a:xfrm>
-          <a:prstGeom prst="rect">
-            <a:avLst/>
-          </a:prstGeom>
-          <a:noFill/>
-          <a:ln>
-            <a:noFill/>
-          </a:ln>
-        </p:spPr>
-      </p:pic>
-      <p:pic>
-        <p:nvPicPr>
-          <p:cNvPr id="238" name="Google Shape;238;p29"/>
-          <p:cNvPicPr preferRelativeResize="0"/>
-          <p:nvPr/>
-        </p:nvPicPr>
-        <p:blipFill rotWithShape="1">
-          <a:blip r:embed="rId32">
-            <a:alphaModFix/>
-          </a:blip>
-          <a:srcRect/>
-          <a:stretch/>
-        </p:blipFill>
-        <p:spPr>
-          <a:xfrm>
-            <a:off x="6654295" y="3137653"/>
-            <a:ext cx="620721" cy="620719"/>
-          </a:xfrm>
-          <a:prstGeom prst="rect">
-            <a:avLst/>
-          </a:prstGeom>
-          <a:noFill/>
-          <a:ln>
-            <a:noFill/>
-          </a:ln>
-        </p:spPr>
-      </p:pic>
-      <p:pic>
-        <p:nvPicPr>
-          <p:cNvPr id="239" name="Google Shape;239;p29"/>
-          <p:cNvPicPr preferRelativeResize="0"/>
-          <p:nvPr/>
-        </p:nvPicPr>
-        <p:blipFill rotWithShape="1">
-          <a:blip r:embed="rId33">
-            <a:alphaModFix/>
-          </a:blip>
-          <a:srcRect/>
-          <a:stretch/>
-        </p:blipFill>
-        <p:spPr>
-          <a:xfrm>
-            <a:off x="6654295" y="1621919"/>
-            <a:ext cx="620721" cy="620719"/>
-          </a:xfrm>
-          <a:prstGeom prst="rect">
-            <a:avLst/>
-          </a:prstGeom>
-          <a:noFill/>
-          <a:ln>
-            <a:noFill/>
-          </a:ln>
-        </p:spPr>
-      </p:pic>
-      <p:pic>
-        <p:nvPicPr>
-          <p:cNvPr id="240" name="Google Shape;240;p29"/>
-          <p:cNvPicPr preferRelativeResize="0"/>
-          <p:nvPr/>
-        </p:nvPicPr>
-        <p:blipFill rotWithShape="1">
-          <a:blip r:embed="rId34">
-            <a:alphaModFix/>
-          </a:blip>
-          <a:srcRect/>
-          <a:stretch/>
-        </p:blipFill>
-        <p:spPr>
-          <a:xfrm>
-            <a:off x="6654295" y="2369222"/>
-            <a:ext cx="620721" cy="620719"/>
-          </a:xfrm>
-          <a:prstGeom prst="rect">
-            <a:avLst/>
-          </a:prstGeom>
-          <a:noFill/>
-          <a:ln>
-            <a:noFill/>
-          </a:ln>
-        </p:spPr>
-      </p:pic>
-      <p:pic>
-        <p:nvPicPr>
-          <p:cNvPr id="241" name="Google Shape;241;p29"/>
-          <p:cNvPicPr preferRelativeResize="0"/>
-          <p:nvPr/>
-        </p:nvPicPr>
-        <p:blipFill rotWithShape="1">
-          <a:blip r:embed="rId35">
-            <a:alphaModFix/>
-          </a:blip>
-          <a:srcRect/>
-          <a:stretch/>
-        </p:blipFill>
-        <p:spPr>
-          <a:xfrm>
-            <a:off x="7378933" y="3876872"/>
-            <a:ext cx="620721" cy="620719"/>
-          </a:xfrm>
-          <a:prstGeom prst="rect">
-            <a:avLst/>
-          </a:prstGeom>
-          <a:noFill/>
-          <a:ln>
-            <a:noFill/>
-          </a:ln>
-        </p:spPr>
-      </p:pic>
-      <p:pic>
-        <p:nvPicPr>
-          <p:cNvPr id="242" name="Google Shape;242;p29"/>
-          <p:cNvPicPr preferRelativeResize="0"/>
-          <p:nvPr/>
-        </p:nvPicPr>
-        <p:blipFill rotWithShape="1">
-          <a:blip r:embed="rId36">
-            <a:alphaModFix/>
-          </a:blip>
-          <a:srcRect/>
-          <a:stretch/>
-        </p:blipFill>
-        <p:spPr>
-          <a:xfrm>
-            <a:off x="7378933" y="3137653"/>
-            <a:ext cx="620721" cy="620719"/>
-          </a:xfrm>
-          <a:prstGeom prst="rect">
-            <a:avLst/>
-          </a:prstGeom>
-          <a:noFill/>
-          <a:ln>
-            <a:noFill/>
-          </a:ln>
-        </p:spPr>
-      </p:pic>
-      <p:pic>
-        <p:nvPicPr>
-          <p:cNvPr id="243" name="Google Shape;243;p29"/>
-          <p:cNvPicPr preferRelativeResize="0"/>
-          <p:nvPr/>
-        </p:nvPicPr>
-        <p:blipFill rotWithShape="1">
-          <a:blip r:embed="rId37">
-            <a:alphaModFix/>
-          </a:blip>
-          <a:srcRect/>
-          <a:stretch/>
-        </p:blipFill>
-        <p:spPr>
-          <a:xfrm>
-            <a:off x="7378933" y="1621919"/>
-            <a:ext cx="620721" cy="620719"/>
-          </a:xfrm>
-          <a:prstGeom prst="rect">
-            <a:avLst/>
-          </a:prstGeom>
-          <a:noFill/>
-          <a:ln>
-            <a:noFill/>
-          </a:ln>
-        </p:spPr>
-      </p:pic>
-      <p:pic>
-        <p:nvPicPr>
-          <p:cNvPr id="244" name="Google Shape;244;p29"/>
-          <p:cNvPicPr preferRelativeResize="0"/>
-          <p:nvPr/>
-        </p:nvPicPr>
-        <p:blipFill rotWithShape="1">
-          <a:blip r:embed="rId38">
-            <a:alphaModFix/>
-          </a:blip>
-          <a:srcRect/>
-          <a:stretch/>
-        </p:blipFill>
-        <p:spPr>
-          <a:xfrm>
-            <a:off x="7378933" y="2369222"/>
-            <a:ext cx="620721" cy="620719"/>
-          </a:xfrm>
-          <a:prstGeom prst="rect">
-            <a:avLst/>
-          </a:prstGeom>
-          <a:noFill/>
-          <a:ln>
-            <a:noFill/>
-          </a:ln>
-        </p:spPr>
-      </p:pic>
-      <p:pic>
-        <p:nvPicPr>
-          <p:cNvPr id="245" name="Google Shape;245;p29"/>
-          <p:cNvPicPr preferRelativeResize="0"/>
-          <p:nvPr/>
-        </p:nvPicPr>
-        <p:blipFill rotWithShape="1">
-          <a:blip r:embed="rId39">
-            <a:alphaModFix/>
-          </a:blip>
-          <a:srcRect/>
-          <a:stretch/>
-        </p:blipFill>
-        <p:spPr>
-          <a:xfrm>
-            <a:off x="8087089" y="3137653"/>
-            <a:ext cx="620721" cy="620719"/>
-          </a:xfrm>
-          <a:prstGeom prst="rect">
-            <a:avLst/>
-          </a:prstGeom>
-          <a:noFill/>
-          <a:ln>
-            <a:noFill/>
-          </a:ln>
-        </p:spPr>
-      </p:pic>
-      <p:pic>
-        <p:nvPicPr>
-          <p:cNvPr id="246" name="Google Shape;246;p29"/>
-          <p:cNvPicPr preferRelativeResize="0"/>
-          <p:nvPr/>
-        </p:nvPicPr>
-        <p:blipFill rotWithShape="1">
-          <a:blip r:embed="rId40">
-            <a:alphaModFix/>
-          </a:blip>
-          <a:srcRect/>
-          <a:stretch/>
-        </p:blipFill>
-        <p:spPr>
-          <a:xfrm>
-            <a:off x="8087089" y="1621919"/>
-            <a:ext cx="620721" cy="620719"/>
-          </a:xfrm>
-          <a:prstGeom prst="rect">
-            <a:avLst/>
-          </a:prstGeom>
-          <a:noFill/>
-          <a:ln>
-            <a:noFill/>
-          </a:ln>
-        </p:spPr>
-      </p:pic>
-      <p:pic>
-        <p:nvPicPr>
-          <p:cNvPr id="247" name="Google Shape;247;p29"/>
-          <p:cNvPicPr preferRelativeResize="0"/>
-          <p:nvPr/>
-        </p:nvPicPr>
-        <p:blipFill rotWithShape="1">
-          <a:blip r:embed="rId41">
-            <a:alphaModFix/>
-          </a:blip>
-          <a:srcRect/>
-          <a:stretch/>
-        </p:blipFill>
-        <p:spPr>
-          <a:xfrm>
-            <a:off x="8087089" y="2369222"/>
-            <a:ext cx="620721" cy="620719"/>
-          </a:xfrm>
-          <a:prstGeom prst="rect">
-            <a:avLst/>
-          </a:prstGeom>
-          <a:noFill/>
-          <a:ln>
-            <a:noFill/>
-          </a:ln>
-        </p:spPr>
-      </p:pic>
-      <p:pic>
-        <p:nvPicPr>
-          <p:cNvPr id="248" name="Google Shape;248;p29"/>
-          <p:cNvPicPr preferRelativeResize="0"/>
-          <p:nvPr/>
-        </p:nvPicPr>
-        <p:blipFill rotWithShape="1">
-          <a:blip r:embed="rId42">
-            <a:alphaModFix/>
-          </a:blip>
-          <a:srcRect/>
-          <a:stretch/>
-        </p:blipFill>
-        <p:spPr>
-          <a:xfrm>
-            <a:off x="8087089" y="3876872"/>
-            <a:ext cx="620721" cy="620719"/>
-          </a:xfrm>
-          <a:prstGeom prst="rect">
-            <a:avLst/>
-          </a:prstGeom>
-          <a:noFill/>
-          <a:ln>
-            <a:noFill/>
-          </a:ln>
-        </p:spPr>
-      </p:pic>
-    </p:spTree>
-  </p:cSld>
-  <p:clrMapOvr>
-    <a:masterClrMapping/>
-  </p:clrMapOvr>
-</p:sld>
-</file>
-
-<file path=ppt/slides/slide15.xml><?xml version="1.0" encoding="utf-8"?>
-<p:sld xmlns:a="http://schemas.openxmlformats.org/drawingml/2006/main" xmlns:r="http://schemas.openxmlformats.org/officeDocument/2006/relationships" xmlns:p="http://schemas.openxmlformats.org/presentationml/2006/main">
-  <p:cSld>
-    <p:spTree>
-      <p:nvGrpSpPr>
-        <p:cNvPr id="1" name="Shape 252"/>
-        <p:cNvGrpSpPr/>
-        <p:nvPr/>
-      </p:nvGrpSpPr>
-      <p:grpSpPr>
-        <a:xfrm>
-          <a:off x="0" y="0"/>
-          <a:ext cx="0" cy="0"/>
-          <a:chOff x="0" y="0"/>
-          <a:chExt cx="0" cy="0"/>
-        </a:xfrm>
-      </p:grpSpPr>
-      <p:sp>
-        <p:nvSpPr>
-          <p:cNvPr id="253" name="Google Shape;253;p30"/>
-          <p:cNvSpPr txBox="1">
-            <a:spLocks noGrp="1"/>
-          </p:cNvSpPr>
-          <p:nvPr>
-            <p:ph type="title"/>
-          </p:nvPr>
-        </p:nvSpPr>
-        <p:spPr>
-          <a:xfrm>
-            <a:off x="500550" y="330732"/>
-            <a:ext cx="8520600" cy="843600"/>
-          </a:xfrm>
-          <a:prstGeom prst="rect">
-            <a:avLst/>
-          </a:prstGeom>
-        </p:spPr>
-        <p:txBody>
-          <a:bodyPr spcFirstLastPara="1" wrap="square" lIns="91425" tIns="91425" rIns="91425" bIns="91425" anchor="t" anchorCtr="0">
-            <a:noAutofit/>
-          </a:bodyPr>
-          <a:lstStyle/>
-          <a:p>
-            <a:pPr marL="0" lvl="0" indent="0" algn="l" rtl="0">
-              <a:spcBef>
-                <a:spcPts val="0"/>
-              </a:spcBef>
-              <a:spcAft>
-                <a:spcPts val="0"/>
-              </a:spcAft>
-              <a:buNone/>
-            </a:pPr>
-            <a:r>
-              <a:rPr lang="ru"/>
-              <a:t>Слайд с иллюстрациями</a:t>
-            </a:r>
-            <a:endParaRPr/>
-          </a:p>
-        </p:txBody>
-      </p:sp>
-      <p:sp>
-        <p:nvSpPr>
-          <p:cNvPr id="254" name="Google Shape;254;p30"/>
-          <p:cNvSpPr txBox="1">
-            <a:spLocks noGrp="1"/>
-          </p:cNvSpPr>
-          <p:nvPr>
-            <p:ph type="subTitle" idx="4294967295"/>
-          </p:nvPr>
-        </p:nvSpPr>
-        <p:spPr>
-          <a:xfrm>
-            <a:off x="6906750" y="1130969"/>
-            <a:ext cx="2724000" cy="411000"/>
-          </a:xfrm>
-          <a:prstGeom prst="rect">
-            <a:avLst/>
-          </a:prstGeom>
-        </p:spPr>
-        <p:txBody>
-          <a:bodyPr spcFirstLastPara="1" wrap="square" lIns="91425" tIns="91425" rIns="91425" bIns="91425" anchor="t" anchorCtr="0">
-            <a:normAutofit fontScale="92500" lnSpcReduction="20000"/>
-          </a:bodyPr>
-          <a:lstStyle/>
-          <a:p>
-            <a:pPr marL="0" lvl="0" indent="0" algn="l" rtl="0">
-              <a:spcBef>
-                <a:spcPts val="0"/>
-              </a:spcBef>
-              <a:spcAft>
-                <a:spcPts val="0"/>
-              </a:spcAft>
-              <a:buNone/>
-            </a:pPr>
-            <a:r>
-              <a:rPr lang="ru" sz="1500" b="1">
-                <a:solidFill>
-                  <a:srgbClr val="013D85"/>
-                </a:solidFill>
-              </a:rPr>
-              <a:t>Коммуникации</a:t>
-            </a:r>
-            <a:endParaRPr sz="1500" b="1">
-              <a:solidFill>
-                <a:srgbClr val="013D85"/>
-              </a:solidFill>
-            </a:endParaRPr>
-          </a:p>
-        </p:txBody>
-      </p:sp>
-      <p:pic>
-        <p:nvPicPr>
-          <p:cNvPr id="255" name="Google Shape;255;p30"/>
-          <p:cNvPicPr preferRelativeResize="0"/>
-          <p:nvPr/>
-        </p:nvPicPr>
-        <p:blipFill rotWithShape="1">
-          <a:blip r:embed="rId3">
-            <a:alphaModFix/>
-          </a:blip>
-          <a:srcRect/>
-          <a:stretch/>
-        </p:blipFill>
-        <p:spPr>
-          <a:xfrm>
-            <a:off x="6988389" y="3113094"/>
-            <a:ext cx="620721" cy="620719"/>
-          </a:xfrm>
-          <a:prstGeom prst="rect">
-            <a:avLst/>
-          </a:prstGeom>
-          <a:noFill/>
-          <a:ln>
-            <a:noFill/>
-          </a:ln>
-        </p:spPr>
-      </p:pic>
-      <p:pic>
-        <p:nvPicPr>
-          <p:cNvPr id="256" name="Google Shape;256;p30"/>
-          <p:cNvPicPr preferRelativeResize="0"/>
-          <p:nvPr/>
-        </p:nvPicPr>
-        <p:blipFill rotWithShape="1">
-          <a:blip r:embed="rId4">
-            <a:alphaModFix/>
-          </a:blip>
-          <a:srcRect/>
-          <a:stretch/>
-        </p:blipFill>
-        <p:spPr>
-          <a:xfrm>
-            <a:off x="6988402" y="1596906"/>
-            <a:ext cx="621001" cy="621001"/>
-          </a:xfrm>
-          <a:prstGeom prst="rect">
-            <a:avLst/>
-          </a:prstGeom>
-          <a:noFill/>
-          <a:ln>
-            <a:noFill/>
-          </a:ln>
-        </p:spPr>
-      </p:pic>
-      <p:pic>
-        <p:nvPicPr>
-          <p:cNvPr id="257" name="Google Shape;257;p30"/>
-          <p:cNvPicPr preferRelativeResize="0"/>
-          <p:nvPr/>
-        </p:nvPicPr>
-        <p:blipFill rotWithShape="1">
-          <a:blip r:embed="rId5">
-            <a:alphaModFix/>
-          </a:blip>
-          <a:srcRect/>
-          <a:stretch/>
-        </p:blipFill>
-        <p:spPr>
-          <a:xfrm>
-            <a:off x="6988389" y="2355156"/>
-            <a:ext cx="620721" cy="620719"/>
-          </a:xfrm>
-          <a:prstGeom prst="rect">
-            <a:avLst/>
-          </a:prstGeom>
-          <a:noFill/>
-          <a:ln>
-            <a:noFill/>
-          </a:ln>
-        </p:spPr>
-      </p:pic>
-      <p:pic>
-        <p:nvPicPr>
-          <p:cNvPr id="258" name="Google Shape;258;p30"/>
-          <p:cNvPicPr preferRelativeResize="0"/>
-          <p:nvPr/>
-        </p:nvPicPr>
-        <p:blipFill>
-          <a:blip r:embed="rId6">
-            <a:alphaModFix/>
-          </a:blip>
-          <a:stretch>
-            <a:fillRect/>
-          </a:stretch>
-        </p:blipFill>
-        <p:spPr>
-          <a:xfrm>
-            <a:off x="6988396" y="3833013"/>
-            <a:ext cx="621000" cy="621000"/>
-          </a:xfrm>
-          <a:prstGeom prst="rect">
-            <a:avLst/>
-          </a:prstGeom>
-          <a:noFill/>
-          <a:ln>
-            <a:noFill/>
-          </a:ln>
-        </p:spPr>
-      </p:pic>
-      <p:pic>
-        <p:nvPicPr>
-          <p:cNvPr id="259" name="Google Shape;259;p30"/>
-          <p:cNvPicPr preferRelativeResize="0"/>
-          <p:nvPr/>
-        </p:nvPicPr>
-        <p:blipFill>
-          <a:blip r:embed="rId7">
-            <a:alphaModFix/>
-          </a:blip>
-          <a:stretch>
-            <a:fillRect/>
-          </a:stretch>
-        </p:blipFill>
-        <p:spPr>
-          <a:xfrm>
-            <a:off x="7728351" y="2358356"/>
-            <a:ext cx="620719" cy="620701"/>
-          </a:xfrm>
-          <a:prstGeom prst="rect">
-            <a:avLst/>
-          </a:prstGeom>
-          <a:noFill/>
-          <a:ln>
-            <a:noFill/>
-          </a:ln>
-        </p:spPr>
-      </p:pic>
-      <p:pic>
-        <p:nvPicPr>
-          <p:cNvPr id="260" name="Google Shape;260;p30"/>
-          <p:cNvPicPr preferRelativeResize="0"/>
-          <p:nvPr/>
-        </p:nvPicPr>
-        <p:blipFill>
-          <a:blip r:embed="rId8">
-            <a:alphaModFix/>
-          </a:blip>
-          <a:stretch>
-            <a:fillRect/>
-          </a:stretch>
-        </p:blipFill>
-        <p:spPr>
-          <a:xfrm>
-            <a:off x="7728363" y="1596909"/>
-            <a:ext cx="621000" cy="621000"/>
-          </a:xfrm>
-          <a:prstGeom prst="rect">
-            <a:avLst/>
-          </a:prstGeom>
-          <a:noFill/>
-          <a:ln>
-            <a:noFill/>
-          </a:ln>
-        </p:spPr>
-      </p:pic>
-      <p:pic>
-        <p:nvPicPr>
-          <p:cNvPr id="261" name="Google Shape;261;p30"/>
-          <p:cNvPicPr preferRelativeResize="0"/>
-          <p:nvPr/>
-        </p:nvPicPr>
-        <p:blipFill>
-          <a:blip r:embed="rId9">
-            <a:alphaModFix/>
-          </a:blip>
-          <a:stretch>
-            <a:fillRect/>
-          </a:stretch>
-        </p:blipFill>
-        <p:spPr>
-          <a:xfrm>
-            <a:off x="7727987" y="3116294"/>
-            <a:ext cx="621000" cy="621000"/>
-          </a:xfrm>
-          <a:prstGeom prst="rect">
-            <a:avLst/>
-          </a:prstGeom>
-          <a:noFill/>
-          <a:ln>
-            <a:noFill/>
-          </a:ln>
-        </p:spPr>
-      </p:pic>
-      <p:pic>
-        <p:nvPicPr>
-          <p:cNvPr id="262" name="Google Shape;262;p30"/>
-          <p:cNvPicPr preferRelativeResize="0"/>
-          <p:nvPr/>
-        </p:nvPicPr>
-        <p:blipFill>
-          <a:blip r:embed="rId10">
-            <a:alphaModFix/>
-          </a:blip>
-          <a:stretch>
-            <a:fillRect/>
-          </a:stretch>
-        </p:blipFill>
-        <p:spPr>
-          <a:xfrm>
-            <a:off x="7728154" y="3836213"/>
-            <a:ext cx="621000" cy="621000"/>
-          </a:xfrm>
-          <a:prstGeom prst="rect">
-            <a:avLst/>
-          </a:prstGeom>
-          <a:noFill/>
-          <a:ln>
-            <a:noFill/>
-          </a:ln>
-        </p:spPr>
-      </p:pic>
-      <p:sp>
-        <p:nvSpPr>
-          <p:cNvPr id="263" name="Google Shape;263;p30"/>
-          <p:cNvSpPr txBox="1">
-            <a:spLocks noGrp="1"/>
-          </p:cNvSpPr>
-          <p:nvPr>
-            <p:ph type="subTitle" idx="4294967295"/>
-          </p:nvPr>
-        </p:nvSpPr>
-        <p:spPr>
-          <a:xfrm>
-            <a:off x="6906750" y="1130969"/>
-            <a:ext cx="1579800" cy="411000"/>
-          </a:xfrm>
-          <a:prstGeom prst="rect">
-            <a:avLst/>
-          </a:prstGeom>
-        </p:spPr>
-        <p:txBody>
-          <a:bodyPr spcFirstLastPara="1" wrap="square" lIns="91425" tIns="91425" rIns="91425" bIns="91425" anchor="t" anchorCtr="0">
-            <a:normAutofit fontScale="92500" lnSpcReduction="20000"/>
-          </a:bodyPr>
-          <a:lstStyle/>
-          <a:p>
-            <a:pPr marL="0" lvl="0" indent="0" algn="l" rtl="0">
-              <a:spcBef>
-                <a:spcPts val="0"/>
-              </a:spcBef>
-              <a:spcAft>
-                <a:spcPts val="0"/>
-              </a:spcAft>
-              <a:buNone/>
-            </a:pPr>
-            <a:r>
-              <a:rPr lang="ru" sz="1500" b="1">
-                <a:solidFill>
-                  <a:srgbClr val="013D85"/>
-                </a:solidFill>
-              </a:rPr>
-              <a:t>Коммуникации</a:t>
-            </a:r>
-            <a:endParaRPr sz="1500" b="1">
-              <a:solidFill>
-                <a:srgbClr val="013D85"/>
-              </a:solidFill>
-            </a:endParaRPr>
-          </a:p>
-        </p:txBody>
-      </p:sp>
-      <p:pic>
-        <p:nvPicPr>
-          <p:cNvPr id="264" name="Google Shape;264;p30"/>
-          <p:cNvPicPr preferRelativeResize="0"/>
-          <p:nvPr/>
-        </p:nvPicPr>
-        <p:blipFill rotWithShape="1">
-          <a:blip r:embed="rId11">
-            <a:alphaModFix/>
-          </a:blip>
-          <a:srcRect/>
-          <a:stretch/>
-        </p:blipFill>
-        <p:spPr>
-          <a:xfrm>
-            <a:off x="620873" y="3124836"/>
-            <a:ext cx="620721" cy="620720"/>
-          </a:xfrm>
-          <a:prstGeom prst="rect">
-            <a:avLst/>
-          </a:prstGeom>
-          <a:noFill/>
-          <a:ln>
-            <a:noFill/>
-          </a:ln>
-        </p:spPr>
-      </p:pic>
-      <p:pic>
-        <p:nvPicPr>
-          <p:cNvPr id="265" name="Google Shape;265;p30"/>
-          <p:cNvPicPr preferRelativeResize="0"/>
-          <p:nvPr/>
-        </p:nvPicPr>
-        <p:blipFill rotWithShape="1">
-          <a:blip r:embed="rId12">
-            <a:alphaModFix/>
-          </a:blip>
-          <a:srcRect/>
-          <a:stretch/>
-        </p:blipFill>
-        <p:spPr>
-          <a:xfrm>
-            <a:off x="1348999" y="3124836"/>
-            <a:ext cx="620721" cy="620720"/>
-          </a:xfrm>
-          <a:prstGeom prst="rect">
-            <a:avLst/>
-          </a:prstGeom>
-          <a:noFill/>
-          <a:ln>
-            <a:noFill/>
-          </a:ln>
-        </p:spPr>
-      </p:pic>
-      <p:pic>
-        <p:nvPicPr>
-          <p:cNvPr id="266" name="Google Shape;266;p30"/>
-          <p:cNvPicPr preferRelativeResize="0"/>
-          <p:nvPr/>
-        </p:nvPicPr>
-        <p:blipFill rotWithShape="1">
-          <a:blip r:embed="rId13">
-            <a:alphaModFix/>
-          </a:blip>
-          <a:srcRect/>
-          <a:stretch/>
-        </p:blipFill>
-        <p:spPr>
-          <a:xfrm>
-            <a:off x="2079953" y="3124836"/>
-            <a:ext cx="620721" cy="620720"/>
-          </a:xfrm>
-          <a:prstGeom prst="rect">
-            <a:avLst/>
-          </a:prstGeom>
-          <a:noFill/>
-          <a:ln>
-            <a:noFill/>
-          </a:ln>
-        </p:spPr>
-      </p:pic>
-      <p:pic>
-        <p:nvPicPr>
-          <p:cNvPr id="267" name="Google Shape;267;p30"/>
-          <p:cNvPicPr preferRelativeResize="0"/>
-          <p:nvPr/>
-        </p:nvPicPr>
-        <p:blipFill rotWithShape="1">
-          <a:blip r:embed="rId14">
-            <a:alphaModFix/>
-          </a:blip>
-          <a:srcRect/>
-          <a:stretch/>
-        </p:blipFill>
-        <p:spPr>
-          <a:xfrm>
-            <a:off x="1348999" y="3884128"/>
-            <a:ext cx="620721" cy="620720"/>
-          </a:xfrm>
-          <a:prstGeom prst="rect">
-            <a:avLst/>
-          </a:prstGeom>
-          <a:noFill/>
-          <a:ln>
-            <a:noFill/>
-          </a:ln>
-        </p:spPr>
-      </p:pic>
-      <p:pic>
-        <p:nvPicPr>
-          <p:cNvPr id="268" name="Google Shape;268;p30"/>
-          <p:cNvPicPr preferRelativeResize="0"/>
-          <p:nvPr/>
-        </p:nvPicPr>
-        <p:blipFill rotWithShape="1">
-          <a:blip r:embed="rId15">
-            <a:alphaModFix/>
-          </a:blip>
-          <a:srcRect/>
-          <a:stretch/>
-        </p:blipFill>
-        <p:spPr>
-          <a:xfrm>
-            <a:off x="618023" y="3884128"/>
-            <a:ext cx="620721" cy="620720"/>
-          </a:xfrm>
-          <a:prstGeom prst="rect">
-            <a:avLst/>
-          </a:prstGeom>
-          <a:noFill/>
-          <a:ln>
-            <a:noFill/>
-          </a:ln>
-        </p:spPr>
-      </p:pic>
-      <p:pic>
-        <p:nvPicPr>
-          <p:cNvPr id="269" name="Google Shape;269;p30"/>
-          <p:cNvPicPr preferRelativeResize="0"/>
-          <p:nvPr/>
-        </p:nvPicPr>
-        <p:blipFill rotWithShape="1">
-          <a:blip r:embed="rId16">
-            <a:alphaModFix/>
-          </a:blip>
-          <a:srcRect/>
-          <a:stretch/>
-        </p:blipFill>
-        <p:spPr>
-          <a:xfrm>
-            <a:off x="2079813" y="3883848"/>
-            <a:ext cx="621000" cy="621000"/>
-          </a:xfrm>
-          <a:prstGeom prst="rect">
-            <a:avLst/>
-          </a:prstGeom>
-          <a:noFill/>
-          <a:ln>
-            <a:noFill/>
-          </a:ln>
-        </p:spPr>
-      </p:pic>
-      <p:pic>
-        <p:nvPicPr>
-          <p:cNvPr id="270" name="Google Shape;270;p30"/>
-          <p:cNvPicPr preferRelativeResize="0"/>
-          <p:nvPr/>
-        </p:nvPicPr>
-        <p:blipFill>
-          <a:blip r:embed="rId17">
-            <a:alphaModFix/>
-          </a:blip>
-          <a:stretch>
-            <a:fillRect/>
-          </a:stretch>
-        </p:blipFill>
-        <p:spPr>
-          <a:xfrm>
-            <a:off x="1348859" y="1605694"/>
-            <a:ext cx="621000" cy="621000"/>
-          </a:xfrm>
-          <a:prstGeom prst="rect">
-            <a:avLst/>
-          </a:prstGeom>
-          <a:noFill/>
-          <a:ln>
-            <a:noFill/>
-          </a:ln>
-        </p:spPr>
-      </p:pic>
-      <p:pic>
-        <p:nvPicPr>
-          <p:cNvPr id="271" name="Google Shape;271;p30"/>
-          <p:cNvPicPr preferRelativeResize="0"/>
-          <p:nvPr/>
-        </p:nvPicPr>
-        <p:blipFill>
-          <a:blip r:embed="rId18">
-            <a:alphaModFix/>
-          </a:blip>
-          <a:stretch>
-            <a:fillRect/>
-          </a:stretch>
-        </p:blipFill>
-        <p:spPr>
-          <a:xfrm>
-            <a:off x="617884" y="1605694"/>
-            <a:ext cx="621000" cy="621000"/>
-          </a:xfrm>
-          <a:prstGeom prst="rect">
-            <a:avLst/>
-          </a:prstGeom>
-          <a:noFill/>
-          <a:ln>
-            <a:noFill/>
-          </a:ln>
-        </p:spPr>
-      </p:pic>
-      <p:pic>
-        <p:nvPicPr>
-          <p:cNvPr id="272" name="Google Shape;272;p30"/>
-          <p:cNvPicPr preferRelativeResize="0"/>
-          <p:nvPr/>
-        </p:nvPicPr>
-        <p:blipFill>
-          <a:blip r:embed="rId19">
-            <a:alphaModFix/>
-          </a:blip>
-          <a:stretch>
-            <a:fillRect/>
-          </a:stretch>
-        </p:blipFill>
-        <p:spPr>
-          <a:xfrm>
-            <a:off x="2816814" y="1597219"/>
-            <a:ext cx="621000" cy="621000"/>
-          </a:xfrm>
-          <a:prstGeom prst="rect">
-            <a:avLst/>
-          </a:prstGeom>
-          <a:noFill/>
-          <a:ln>
-            <a:noFill/>
-          </a:ln>
-        </p:spPr>
-      </p:pic>
-      <p:pic>
-        <p:nvPicPr>
-          <p:cNvPr id="273" name="Google Shape;273;p30"/>
-          <p:cNvPicPr preferRelativeResize="0"/>
-          <p:nvPr/>
-        </p:nvPicPr>
-        <p:blipFill>
-          <a:blip r:embed="rId20">
-            <a:alphaModFix/>
-          </a:blip>
-          <a:stretch>
-            <a:fillRect/>
-          </a:stretch>
-        </p:blipFill>
-        <p:spPr>
-          <a:xfrm>
-            <a:off x="2079813" y="1605694"/>
-            <a:ext cx="621000" cy="621000"/>
-          </a:xfrm>
-          <a:prstGeom prst="rect">
-            <a:avLst/>
-          </a:prstGeom>
-          <a:noFill/>
-          <a:ln>
-            <a:noFill/>
-          </a:ln>
-        </p:spPr>
-      </p:pic>
-      <p:pic>
-        <p:nvPicPr>
-          <p:cNvPr id="274" name="Google Shape;274;p30"/>
-          <p:cNvPicPr preferRelativeResize="0"/>
-          <p:nvPr/>
-        </p:nvPicPr>
-        <p:blipFill>
-          <a:blip r:embed="rId21">
-            <a:alphaModFix/>
-          </a:blip>
-          <a:stretch>
-            <a:fillRect/>
-          </a:stretch>
-        </p:blipFill>
-        <p:spPr>
-          <a:xfrm>
-            <a:off x="3553827" y="3875373"/>
-            <a:ext cx="621000" cy="621000"/>
-          </a:xfrm>
-          <a:prstGeom prst="rect">
-            <a:avLst/>
-          </a:prstGeom>
-          <a:noFill/>
-          <a:ln>
-            <a:noFill/>
-          </a:ln>
-        </p:spPr>
-      </p:pic>
-      <p:pic>
-        <p:nvPicPr>
-          <p:cNvPr id="275" name="Google Shape;275;p30"/>
-          <p:cNvPicPr preferRelativeResize="0"/>
-          <p:nvPr/>
-        </p:nvPicPr>
-        <p:blipFill>
-          <a:blip r:embed="rId22">
-            <a:alphaModFix/>
-          </a:blip>
-          <a:stretch>
-            <a:fillRect/>
-          </a:stretch>
-        </p:blipFill>
-        <p:spPr>
-          <a:xfrm>
-            <a:off x="3553827" y="3116081"/>
-            <a:ext cx="621000" cy="621000"/>
-          </a:xfrm>
-          <a:prstGeom prst="rect">
-            <a:avLst/>
-          </a:prstGeom>
-          <a:noFill/>
-          <a:ln>
-            <a:noFill/>
-          </a:ln>
-        </p:spPr>
-      </p:pic>
-      <p:pic>
-        <p:nvPicPr>
-          <p:cNvPr id="276" name="Google Shape;276;p30"/>
-          <p:cNvPicPr preferRelativeResize="0"/>
-          <p:nvPr/>
-        </p:nvPicPr>
-        <p:blipFill>
-          <a:blip r:embed="rId23">
-            <a:alphaModFix/>
-          </a:blip>
-          <a:stretch>
-            <a:fillRect/>
-          </a:stretch>
-        </p:blipFill>
-        <p:spPr>
-          <a:xfrm>
-            <a:off x="2816814" y="2356790"/>
-            <a:ext cx="621000" cy="621000"/>
-          </a:xfrm>
-          <a:prstGeom prst="rect">
-            <a:avLst/>
-          </a:prstGeom>
-          <a:noFill/>
-          <a:ln>
-            <a:noFill/>
-          </a:ln>
-        </p:spPr>
-      </p:pic>
-      <p:pic>
-        <p:nvPicPr>
-          <p:cNvPr id="277" name="Google Shape;277;p30"/>
-          <p:cNvPicPr preferRelativeResize="0"/>
-          <p:nvPr/>
-        </p:nvPicPr>
-        <p:blipFill>
-          <a:blip r:embed="rId24">
-            <a:alphaModFix/>
-          </a:blip>
-          <a:stretch>
-            <a:fillRect/>
-          </a:stretch>
-        </p:blipFill>
-        <p:spPr>
-          <a:xfrm>
-            <a:off x="3553827" y="1597219"/>
-            <a:ext cx="621000" cy="621000"/>
-          </a:xfrm>
-          <a:prstGeom prst="rect">
-            <a:avLst/>
-          </a:prstGeom>
-          <a:noFill/>
-          <a:ln>
-            <a:noFill/>
-          </a:ln>
-        </p:spPr>
-      </p:pic>
-      <p:pic>
-        <p:nvPicPr>
-          <p:cNvPr id="278" name="Google Shape;278;p30"/>
-          <p:cNvPicPr preferRelativeResize="0"/>
-          <p:nvPr/>
-        </p:nvPicPr>
-        <p:blipFill>
-          <a:blip r:embed="rId25">
-            <a:alphaModFix/>
-          </a:blip>
-          <a:stretch>
-            <a:fillRect/>
-          </a:stretch>
-        </p:blipFill>
-        <p:spPr>
-          <a:xfrm>
-            <a:off x="623721" y="2365265"/>
-            <a:ext cx="621000" cy="621000"/>
-          </a:xfrm>
-          <a:prstGeom prst="rect">
-            <a:avLst/>
-          </a:prstGeom>
-          <a:noFill/>
-          <a:ln>
-            <a:noFill/>
-          </a:ln>
-        </p:spPr>
-      </p:pic>
-      <p:pic>
-        <p:nvPicPr>
-          <p:cNvPr id="279" name="Google Shape;279;p30"/>
-          <p:cNvPicPr preferRelativeResize="0"/>
-          <p:nvPr/>
-        </p:nvPicPr>
-        <p:blipFill>
-          <a:blip r:embed="rId26">
-            <a:alphaModFix/>
-          </a:blip>
-          <a:stretch>
-            <a:fillRect/>
-          </a:stretch>
-        </p:blipFill>
-        <p:spPr>
-          <a:xfrm>
-            <a:off x="2079813" y="2365265"/>
-            <a:ext cx="621000" cy="621000"/>
-          </a:xfrm>
-          <a:prstGeom prst="rect">
-            <a:avLst/>
-          </a:prstGeom>
-          <a:noFill/>
-          <a:ln>
-            <a:noFill/>
-          </a:ln>
-        </p:spPr>
-      </p:pic>
-      <p:pic>
-        <p:nvPicPr>
-          <p:cNvPr id="280" name="Google Shape;280;p30"/>
-          <p:cNvPicPr preferRelativeResize="0"/>
-          <p:nvPr/>
-        </p:nvPicPr>
-        <p:blipFill>
-          <a:blip r:embed="rId27">
-            <a:alphaModFix/>
-          </a:blip>
-          <a:stretch>
-            <a:fillRect/>
-          </a:stretch>
-        </p:blipFill>
-        <p:spPr>
-          <a:xfrm>
-            <a:off x="1348859" y="2365265"/>
-            <a:ext cx="621000" cy="621000"/>
-          </a:xfrm>
-          <a:prstGeom prst="rect">
-            <a:avLst/>
-          </a:prstGeom>
-          <a:noFill/>
-          <a:ln>
-            <a:noFill/>
-          </a:ln>
-        </p:spPr>
-      </p:pic>
-      <p:pic>
-        <p:nvPicPr>
-          <p:cNvPr id="281" name="Google Shape;281;p30"/>
-          <p:cNvPicPr preferRelativeResize="0"/>
-          <p:nvPr/>
-        </p:nvPicPr>
-        <p:blipFill>
-          <a:blip r:embed="rId28">
-            <a:alphaModFix/>
-          </a:blip>
-          <a:stretch>
-            <a:fillRect/>
-          </a:stretch>
-        </p:blipFill>
-        <p:spPr>
-          <a:xfrm>
-            <a:off x="3553827" y="2356790"/>
-            <a:ext cx="621000" cy="621000"/>
-          </a:xfrm>
-          <a:prstGeom prst="rect">
-            <a:avLst/>
-          </a:prstGeom>
-          <a:noFill/>
-          <a:ln>
-            <a:noFill/>
-          </a:ln>
-        </p:spPr>
-      </p:pic>
-      <p:pic>
-        <p:nvPicPr>
-          <p:cNvPr id="282" name="Google Shape;282;p30"/>
-          <p:cNvPicPr preferRelativeResize="0"/>
-          <p:nvPr/>
-        </p:nvPicPr>
-        <p:blipFill rotWithShape="1">
-          <a:blip r:embed="rId29">
-            <a:alphaModFix/>
-          </a:blip>
-          <a:srcRect/>
-          <a:stretch/>
-        </p:blipFill>
-        <p:spPr>
-          <a:xfrm>
-            <a:off x="2816954" y="3116361"/>
-            <a:ext cx="620721" cy="620720"/>
-          </a:xfrm>
-          <a:prstGeom prst="rect">
-            <a:avLst/>
-          </a:prstGeom>
-          <a:noFill/>
-          <a:ln>
-            <a:noFill/>
-          </a:ln>
-        </p:spPr>
-      </p:pic>
-      <p:pic>
-        <p:nvPicPr>
-          <p:cNvPr id="283" name="Google Shape;283;p30"/>
-          <p:cNvPicPr preferRelativeResize="0"/>
-          <p:nvPr/>
-        </p:nvPicPr>
-        <p:blipFill rotWithShape="1">
-          <a:blip r:embed="rId30">
-            <a:alphaModFix/>
-          </a:blip>
-          <a:srcRect/>
-          <a:stretch/>
-        </p:blipFill>
-        <p:spPr>
-          <a:xfrm>
-            <a:off x="2816954" y="3875653"/>
-            <a:ext cx="620721" cy="620720"/>
-          </a:xfrm>
-          <a:prstGeom prst="rect">
-            <a:avLst/>
-          </a:prstGeom>
-          <a:noFill/>
-          <a:ln>
-            <a:noFill/>
-          </a:ln>
-        </p:spPr>
-      </p:pic>
-      <p:sp>
-        <p:nvSpPr>
-          <p:cNvPr id="284" name="Google Shape;284;p30"/>
-          <p:cNvSpPr txBox="1">
-            <a:spLocks noGrp="1"/>
-          </p:cNvSpPr>
-          <p:nvPr>
-            <p:ph type="subTitle" idx="4294967295"/>
-          </p:nvPr>
-        </p:nvSpPr>
-        <p:spPr>
-          <a:xfrm>
-            <a:off x="527075" y="1137569"/>
-            <a:ext cx="1579800" cy="411000"/>
-          </a:xfrm>
-          <a:prstGeom prst="rect">
-            <a:avLst/>
-          </a:prstGeom>
-        </p:spPr>
-        <p:txBody>
-          <a:bodyPr spcFirstLastPara="1" wrap="square" lIns="91425" tIns="91425" rIns="91425" bIns="91425" anchor="t" anchorCtr="0">
-            <a:normAutofit fontScale="92500" lnSpcReduction="20000"/>
-          </a:bodyPr>
-          <a:lstStyle/>
-          <a:p>
-            <a:pPr marL="0" lvl="0" indent="0" algn="l" rtl="0">
-              <a:spcBef>
-                <a:spcPts val="0"/>
-              </a:spcBef>
-              <a:spcAft>
-                <a:spcPts val="0"/>
-              </a:spcAft>
-              <a:buNone/>
-            </a:pPr>
-            <a:r>
-              <a:rPr lang="ru" sz="1500" b="1">
-                <a:solidFill>
-                  <a:srgbClr val="013D85"/>
-                </a:solidFill>
-              </a:rPr>
-              <a:t>Разное</a:t>
-            </a:r>
-            <a:endParaRPr sz="1500" b="1">
-              <a:solidFill>
-                <a:srgbClr val="013D85"/>
-              </a:solidFill>
-            </a:endParaRPr>
-          </a:p>
-        </p:txBody>
-      </p:sp>
-      <p:sp>
-        <p:nvSpPr>
-          <p:cNvPr id="285" name="Google Shape;285;p30"/>
-          <p:cNvSpPr txBox="1">
-            <a:spLocks noGrp="1"/>
-          </p:cNvSpPr>
-          <p:nvPr>
-            <p:ph type="subTitle" idx="4294967295"/>
-          </p:nvPr>
-        </p:nvSpPr>
-        <p:spPr>
-          <a:xfrm>
-            <a:off x="4444200" y="1137569"/>
-            <a:ext cx="1974300" cy="411000"/>
-          </a:xfrm>
-          <a:prstGeom prst="rect">
-            <a:avLst/>
-          </a:prstGeom>
-        </p:spPr>
-        <p:txBody>
-          <a:bodyPr spcFirstLastPara="1" wrap="square" lIns="91425" tIns="91425" rIns="91425" bIns="91425" anchor="t" anchorCtr="0">
-            <a:normAutofit fontScale="92500" lnSpcReduction="20000"/>
-          </a:bodyPr>
-          <a:lstStyle/>
-          <a:p>
-            <a:pPr marL="0" lvl="0" indent="0" algn="l" rtl="0">
-              <a:spcBef>
-                <a:spcPts val="0"/>
-              </a:spcBef>
-              <a:spcAft>
-                <a:spcPts val="0"/>
-              </a:spcAft>
-              <a:buNone/>
-            </a:pPr>
-            <a:r>
-              <a:rPr lang="ru" sz="1500" b="1">
-                <a:solidFill>
-                  <a:srgbClr val="013D85"/>
-                </a:solidFill>
-              </a:rPr>
-              <a:t>Флажки/Метки</a:t>
-            </a:r>
-            <a:endParaRPr sz="1500" b="1">
-              <a:solidFill>
-                <a:srgbClr val="013D85"/>
-              </a:solidFill>
-            </a:endParaRPr>
-          </a:p>
-        </p:txBody>
-      </p:sp>
-      <p:pic>
-        <p:nvPicPr>
-          <p:cNvPr id="286" name="Google Shape;286;p30"/>
-          <p:cNvPicPr preferRelativeResize="0"/>
-          <p:nvPr/>
-        </p:nvPicPr>
-        <p:blipFill rotWithShape="1">
-          <a:blip r:embed="rId31">
-            <a:alphaModFix/>
-          </a:blip>
-          <a:srcRect/>
-          <a:stretch/>
-        </p:blipFill>
-        <p:spPr>
-          <a:xfrm>
-            <a:off x="4523225" y="2135910"/>
-            <a:ext cx="440289" cy="440284"/>
-          </a:xfrm>
-          <a:prstGeom prst="rect">
-            <a:avLst/>
-          </a:prstGeom>
-          <a:noFill/>
-          <a:ln>
-            <a:noFill/>
-          </a:ln>
-        </p:spPr>
-      </p:pic>
-      <p:pic>
-        <p:nvPicPr>
-          <p:cNvPr id="287" name="Google Shape;287;p30"/>
-          <p:cNvPicPr preferRelativeResize="0"/>
-          <p:nvPr/>
-        </p:nvPicPr>
-        <p:blipFill rotWithShape="1">
-          <a:blip r:embed="rId32">
-            <a:alphaModFix/>
-          </a:blip>
-          <a:srcRect/>
-          <a:stretch/>
-        </p:blipFill>
-        <p:spPr>
-          <a:xfrm>
-            <a:off x="6162294" y="4088020"/>
-            <a:ext cx="443129" cy="443120"/>
-          </a:xfrm>
-          <a:prstGeom prst="rect">
-            <a:avLst/>
-          </a:prstGeom>
-          <a:noFill/>
-          <a:ln>
-            <a:noFill/>
-          </a:ln>
-        </p:spPr>
-      </p:pic>
-      <p:pic>
-        <p:nvPicPr>
-          <p:cNvPr id="288" name="Google Shape;288;p30"/>
-          <p:cNvPicPr preferRelativeResize="0"/>
-          <p:nvPr/>
-        </p:nvPicPr>
-        <p:blipFill rotWithShape="1">
-          <a:blip r:embed="rId33">
-            <a:alphaModFix/>
-          </a:blip>
-          <a:srcRect/>
-          <a:stretch/>
-        </p:blipFill>
-        <p:spPr>
-          <a:xfrm>
-            <a:off x="4557875" y="2776398"/>
-            <a:ext cx="443128" cy="443120"/>
-          </a:xfrm>
-          <a:prstGeom prst="rect">
-            <a:avLst/>
-          </a:prstGeom>
-          <a:noFill/>
-          <a:ln>
-            <a:noFill/>
-          </a:ln>
-        </p:spPr>
-      </p:pic>
-      <p:pic>
-        <p:nvPicPr>
-          <p:cNvPr id="289" name="Google Shape;289;p30"/>
-          <p:cNvPicPr preferRelativeResize="0"/>
-          <p:nvPr/>
-        </p:nvPicPr>
-        <p:blipFill rotWithShape="1">
-          <a:blip r:embed="rId34">
-            <a:alphaModFix/>
-          </a:blip>
-          <a:srcRect/>
-          <a:stretch/>
-        </p:blipFill>
-        <p:spPr>
-          <a:xfrm>
-            <a:off x="4557887" y="3485217"/>
-            <a:ext cx="443129" cy="443120"/>
-          </a:xfrm>
-          <a:prstGeom prst="rect">
-            <a:avLst/>
-          </a:prstGeom>
-          <a:noFill/>
-          <a:ln>
-            <a:noFill/>
-          </a:ln>
-        </p:spPr>
-      </p:pic>
-      <p:pic>
-        <p:nvPicPr>
-          <p:cNvPr id="290" name="Google Shape;290;p30"/>
-          <p:cNvPicPr preferRelativeResize="0"/>
-          <p:nvPr/>
-        </p:nvPicPr>
-        <p:blipFill rotWithShape="1">
-          <a:blip r:embed="rId35">
-            <a:alphaModFix/>
-          </a:blip>
-          <a:srcRect/>
-          <a:stretch/>
-        </p:blipFill>
-        <p:spPr>
-          <a:xfrm>
-            <a:off x="5060217" y="2135910"/>
-            <a:ext cx="440289" cy="440284"/>
-          </a:xfrm>
-          <a:prstGeom prst="rect">
-            <a:avLst/>
-          </a:prstGeom>
-          <a:noFill/>
-          <a:ln>
-            <a:noFill/>
-          </a:ln>
-        </p:spPr>
-      </p:pic>
-      <p:pic>
-        <p:nvPicPr>
-          <p:cNvPr id="291" name="Google Shape;291;p30"/>
-          <p:cNvPicPr preferRelativeResize="0"/>
-          <p:nvPr/>
-        </p:nvPicPr>
-        <p:blipFill rotWithShape="1">
-          <a:blip r:embed="rId36">
-            <a:alphaModFix/>
-          </a:blip>
-          <a:srcRect/>
-          <a:stretch/>
-        </p:blipFill>
-        <p:spPr>
-          <a:xfrm>
-            <a:off x="6162294" y="3484892"/>
-            <a:ext cx="443129" cy="443120"/>
-          </a:xfrm>
-          <a:prstGeom prst="rect">
-            <a:avLst/>
-          </a:prstGeom>
-          <a:noFill/>
-          <a:ln>
-            <a:noFill/>
-          </a:ln>
-        </p:spPr>
-      </p:pic>
-      <p:pic>
-        <p:nvPicPr>
-          <p:cNvPr id="292" name="Google Shape;292;p30"/>
-          <p:cNvPicPr preferRelativeResize="0"/>
-          <p:nvPr/>
-        </p:nvPicPr>
-        <p:blipFill rotWithShape="1">
-          <a:blip r:embed="rId37">
-            <a:alphaModFix/>
-          </a:blip>
-          <a:srcRect/>
-          <a:stretch/>
-        </p:blipFill>
-        <p:spPr>
-          <a:xfrm>
-            <a:off x="5077187" y="2776398"/>
-            <a:ext cx="443128" cy="443120"/>
-          </a:xfrm>
-          <a:prstGeom prst="rect">
-            <a:avLst/>
-          </a:prstGeom>
-          <a:noFill/>
-          <a:ln>
-            <a:noFill/>
-          </a:ln>
-        </p:spPr>
-      </p:pic>
-      <p:pic>
-        <p:nvPicPr>
-          <p:cNvPr id="293" name="Google Shape;293;p30"/>
-          <p:cNvPicPr preferRelativeResize="0"/>
-          <p:nvPr/>
-        </p:nvPicPr>
-        <p:blipFill rotWithShape="1">
-          <a:blip r:embed="rId38">
-            <a:alphaModFix/>
-          </a:blip>
-          <a:srcRect/>
-          <a:stretch/>
-        </p:blipFill>
-        <p:spPr>
-          <a:xfrm>
-            <a:off x="5077199" y="3485217"/>
-            <a:ext cx="443129" cy="443120"/>
-          </a:xfrm>
-          <a:prstGeom prst="rect">
-            <a:avLst/>
-          </a:prstGeom>
-          <a:noFill/>
-          <a:ln>
-            <a:noFill/>
-          </a:ln>
-        </p:spPr>
-      </p:pic>
-      <p:pic>
-        <p:nvPicPr>
-          <p:cNvPr id="294" name="Google Shape;294;p30"/>
-          <p:cNvPicPr preferRelativeResize="0"/>
-          <p:nvPr/>
-        </p:nvPicPr>
-        <p:blipFill rotWithShape="1">
-          <a:blip r:embed="rId39">
-            <a:alphaModFix/>
-          </a:blip>
-          <a:srcRect/>
-          <a:stretch/>
-        </p:blipFill>
-        <p:spPr>
-          <a:xfrm>
-            <a:off x="5609672" y="2135910"/>
-            <a:ext cx="440289" cy="440284"/>
-          </a:xfrm>
-          <a:prstGeom prst="rect">
-            <a:avLst/>
-          </a:prstGeom>
-          <a:noFill/>
-          <a:ln>
-            <a:noFill/>
-          </a:ln>
-        </p:spPr>
-      </p:pic>
-      <p:pic>
-        <p:nvPicPr>
-          <p:cNvPr id="295" name="Google Shape;295;p30"/>
-          <p:cNvPicPr preferRelativeResize="0"/>
-          <p:nvPr/>
-        </p:nvPicPr>
-        <p:blipFill rotWithShape="1">
-          <a:blip r:embed="rId40">
-            <a:alphaModFix/>
-          </a:blip>
-          <a:srcRect/>
-          <a:stretch/>
-        </p:blipFill>
-        <p:spPr>
-          <a:xfrm>
-            <a:off x="5609672" y="1597225"/>
-            <a:ext cx="440289" cy="440284"/>
-          </a:xfrm>
-          <a:prstGeom prst="rect">
-            <a:avLst/>
-          </a:prstGeom>
-          <a:noFill/>
-          <a:ln>
-            <a:noFill/>
-          </a:ln>
-        </p:spPr>
-      </p:pic>
-      <p:pic>
-        <p:nvPicPr>
-          <p:cNvPr id="296" name="Google Shape;296;p30"/>
-          <p:cNvPicPr preferRelativeResize="0"/>
-          <p:nvPr/>
-        </p:nvPicPr>
-        <p:blipFill rotWithShape="1">
-          <a:blip r:embed="rId41">
-            <a:alphaModFix/>
-          </a:blip>
-          <a:srcRect/>
-          <a:stretch/>
-        </p:blipFill>
-        <p:spPr>
-          <a:xfrm>
-            <a:off x="5616740" y="2776398"/>
-            <a:ext cx="443129" cy="443120"/>
-          </a:xfrm>
-          <a:prstGeom prst="rect">
-            <a:avLst/>
-          </a:prstGeom>
-          <a:noFill/>
-          <a:ln>
-            <a:noFill/>
-          </a:ln>
-        </p:spPr>
-      </p:pic>
-      <p:pic>
-        <p:nvPicPr>
-          <p:cNvPr id="297" name="Google Shape;297;p30"/>
-          <p:cNvPicPr preferRelativeResize="0"/>
-          <p:nvPr/>
-        </p:nvPicPr>
-        <p:blipFill rotWithShape="1">
-          <a:blip r:embed="rId42">
-            <a:alphaModFix/>
-          </a:blip>
-          <a:srcRect/>
-          <a:stretch/>
-        </p:blipFill>
-        <p:spPr>
-          <a:xfrm>
-            <a:off x="5616752" y="3485217"/>
-            <a:ext cx="443129" cy="443120"/>
-          </a:xfrm>
-          <a:prstGeom prst="rect">
-            <a:avLst/>
-          </a:prstGeom>
-          <a:noFill/>
-          <a:ln>
-            <a:noFill/>
-          </a:ln>
-        </p:spPr>
-      </p:pic>
-      <p:pic>
-        <p:nvPicPr>
-          <p:cNvPr id="298" name="Google Shape;298;p30"/>
-          <p:cNvPicPr preferRelativeResize="0"/>
-          <p:nvPr/>
-        </p:nvPicPr>
-        <p:blipFill rotWithShape="1">
-          <a:blip r:embed="rId43">
-            <a:alphaModFix/>
-          </a:blip>
-          <a:srcRect/>
-          <a:stretch/>
-        </p:blipFill>
-        <p:spPr>
-          <a:xfrm>
-            <a:off x="4523225" y="1597225"/>
-            <a:ext cx="440289" cy="440284"/>
-          </a:xfrm>
-          <a:prstGeom prst="rect">
-            <a:avLst/>
-          </a:prstGeom>
-          <a:noFill/>
-          <a:ln>
-            <a:noFill/>
-          </a:ln>
-        </p:spPr>
-      </p:pic>
-      <p:pic>
-        <p:nvPicPr>
-          <p:cNvPr id="299" name="Google Shape;299;p30"/>
-          <p:cNvPicPr preferRelativeResize="0"/>
-          <p:nvPr/>
-        </p:nvPicPr>
-        <p:blipFill rotWithShape="1">
-          <a:blip r:embed="rId44">
-            <a:alphaModFix/>
-          </a:blip>
-          <a:srcRect/>
-          <a:stretch/>
-        </p:blipFill>
-        <p:spPr>
-          <a:xfrm>
-            <a:off x="6163714" y="1596900"/>
-            <a:ext cx="440289" cy="440284"/>
-          </a:xfrm>
-          <a:prstGeom prst="rect">
-            <a:avLst/>
-          </a:prstGeom>
-          <a:noFill/>
-          <a:ln>
-            <a:noFill/>
-          </a:ln>
-        </p:spPr>
-      </p:pic>
-      <p:pic>
-        <p:nvPicPr>
-          <p:cNvPr id="300" name="Google Shape;300;p30"/>
-          <p:cNvPicPr preferRelativeResize="0"/>
-          <p:nvPr/>
-        </p:nvPicPr>
-        <p:blipFill rotWithShape="1">
-          <a:blip r:embed="rId45">
-            <a:alphaModFix/>
-          </a:blip>
-          <a:srcRect/>
-          <a:stretch/>
-        </p:blipFill>
-        <p:spPr>
-          <a:xfrm>
-            <a:off x="6162294" y="2776049"/>
-            <a:ext cx="443129" cy="443120"/>
-          </a:xfrm>
-          <a:prstGeom prst="rect">
-            <a:avLst/>
-          </a:prstGeom>
-          <a:noFill/>
-          <a:ln>
-            <a:noFill/>
-          </a:ln>
-        </p:spPr>
-      </p:pic>
-      <p:pic>
-        <p:nvPicPr>
-          <p:cNvPr id="301" name="Google Shape;301;p30"/>
-          <p:cNvPicPr preferRelativeResize="0"/>
-          <p:nvPr/>
-        </p:nvPicPr>
-        <p:blipFill rotWithShape="1">
-          <a:blip r:embed="rId46">
-            <a:alphaModFix/>
-          </a:blip>
-          <a:srcRect/>
-          <a:stretch/>
-        </p:blipFill>
-        <p:spPr>
-          <a:xfrm>
-            <a:off x="5616750" y="4088345"/>
-            <a:ext cx="443129" cy="443120"/>
-          </a:xfrm>
-          <a:prstGeom prst="rect">
-            <a:avLst/>
-          </a:prstGeom>
-          <a:noFill/>
-          <a:ln>
-            <a:noFill/>
-          </a:ln>
-        </p:spPr>
-      </p:pic>
-      <p:pic>
-        <p:nvPicPr>
-          <p:cNvPr id="302" name="Google Shape;302;p30"/>
-          <p:cNvPicPr preferRelativeResize="0"/>
-          <p:nvPr/>
-        </p:nvPicPr>
-        <p:blipFill rotWithShape="1">
-          <a:blip r:embed="rId47">
-            <a:alphaModFix/>
-          </a:blip>
-          <a:srcRect/>
-          <a:stretch/>
-        </p:blipFill>
-        <p:spPr>
-          <a:xfrm>
-            <a:off x="5060217" y="1597225"/>
-            <a:ext cx="440289" cy="440284"/>
-          </a:xfrm>
-          <a:prstGeom prst="rect">
-            <a:avLst/>
-          </a:prstGeom>
-          <a:noFill/>
-          <a:ln>
-            <a:noFill/>
-          </a:ln>
-        </p:spPr>
-      </p:pic>
-      <p:pic>
-        <p:nvPicPr>
-          <p:cNvPr id="303" name="Google Shape;303;p30"/>
-          <p:cNvPicPr preferRelativeResize="0"/>
-          <p:nvPr/>
-        </p:nvPicPr>
-        <p:blipFill rotWithShape="1">
-          <a:blip r:embed="rId48">
-            <a:alphaModFix/>
-          </a:blip>
-          <a:srcRect/>
-          <a:stretch/>
-        </p:blipFill>
-        <p:spPr>
-          <a:xfrm>
-            <a:off x="6163714" y="2135585"/>
-            <a:ext cx="440289" cy="440284"/>
-          </a:xfrm>
-          <a:prstGeom prst="rect">
-            <a:avLst/>
-          </a:prstGeom>
-          <a:noFill/>
-          <a:ln>
-            <a:noFill/>
-          </a:ln>
-        </p:spPr>
-      </p:pic>
-      <p:pic>
-        <p:nvPicPr>
-          <p:cNvPr id="304" name="Google Shape;304;p30"/>
-          <p:cNvPicPr preferRelativeResize="0"/>
-          <p:nvPr/>
-        </p:nvPicPr>
-        <p:blipFill rotWithShape="1">
-          <a:blip r:embed="rId49">
-            <a:alphaModFix/>
-          </a:blip>
-          <a:srcRect/>
-          <a:stretch/>
-        </p:blipFill>
-        <p:spPr>
-          <a:xfrm>
-            <a:off x="4604823" y="4088345"/>
-            <a:ext cx="443129" cy="443120"/>
-          </a:xfrm>
-          <a:prstGeom prst="rect">
-            <a:avLst/>
-          </a:prstGeom>
-          <a:noFill/>
-          <a:ln>
-            <a:noFill/>
-          </a:ln>
-        </p:spPr>
-      </p:pic>
-      <p:pic>
-        <p:nvPicPr>
-          <p:cNvPr id="305" name="Google Shape;305;p30"/>
-          <p:cNvPicPr preferRelativeResize="0"/>
-          <p:nvPr/>
-        </p:nvPicPr>
-        <p:blipFill rotWithShape="1">
-          <a:blip r:embed="rId50">
-            <a:alphaModFix/>
-          </a:blip>
-          <a:srcRect/>
-          <a:stretch/>
-        </p:blipFill>
-        <p:spPr>
-          <a:xfrm>
-            <a:off x="5077215" y="4088345"/>
-            <a:ext cx="443129" cy="443120"/>
-          </a:xfrm>
-          <a:prstGeom prst="rect">
-            <a:avLst/>
-          </a:prstGeom>
-          <a:noFill/>
-          <a:ln>
-            <a:noFill/>
-          </a:ln>
-        </p:spPr>
-      </p:pic>
-    </p:spTree>
-  </p:cSld>
-  <p:clrMapOvr>
-    <a:masterClrMapping/>
-  </p:clrMapOvr>
-</p:sld>
-</file>
-
-<file path=ppt/slides/slide16.xml><?xml version="1.0" encoding="utf-8"?>
-<p:sld xmlns:a="http://schemas.openxmlformats.org/drawingml/2006/main" xmlns:r="http://schemas.openxmlformats.org/officeDocument/2006/relationships" xmlns:p="http://schemas.openxmlformats.org/presentationml/2006/main">
-  <p:cSld>
-    <p:spTree>
-      <p:nvGrpSpPr>
-        <p:cNvPr id="1" name="Shape 309"/>
-        <p:cNvGrpSpPr/>
-        <p:nvPr/>
-      </p:nvGrpSpPr>
-      <p:grpSpPr>
-        <a:xfrm>
-          <a:off x="0" y="0"/>
-          <a:ext cx="0" cy="0"/>
-          <a:chOff x="0" y="0"/>
-          <a:chExt cx="0" cy="0"/>
-        </a:xfrm>
-      </p:grpSpPr>
-      <p:pic>
-        <p:nvPicPr>
-          <p:cNvPr id="310" name="Google Shape;310;p31"/>
-          <p:cNvPicPr preferRelativeResize="0"/>
-          <p:nvPr/>
-        </p:nvPicPr>
-        <p:blipFill rotWithShape="1">
-          <a:blip r:embed="rId3">
-            <a:alphaModFix/>
-          </a:blip>
-          <a:srcRect t="7798" b="7806"/>
-          <a:stretch/>
-        </p:blipFill>
-        <p:spPr>
-          <a:xfrm>
-            <a:off x="0" y="0"/>
-            <a:ext cx="9144003" cy="5143501"/>
-          </a:xfrm>
-          <a:prstGeom prst="rect">
-            <a:avLst/>
-          </a:prstGeom>
-          <a:noFill/>
-          <a:ln>
-            <a:noFill/>
-          </a:ln>
-        </p:spPr>
-      </p:pic>
-      <p:sp>
-        <p:nvSpPr>
-          <p:cNvPr id="311" name="Google Shape;311;p31"/>
-          <p:cNvSpPr/>
-          <p:nvPr/>
-        </p:nvSpPr>
-        <p:spPr>
-          <a:xfrm>
-            <a:off x="360000" y="3625575"/>
-            <a:ext cx="3004800" cy="847800"/>
-          </a:xfrm>
-          <a:prstGeom prst="wedgeRectCallout">
-            <a:avLst>
-              <a:gd name="adj1" fmla="val -21766"/>
-              <a:gd name="adj2" fmla="val 82835"/>
-            </a:avLst>
-          </a:prstGeom>
-          <a:solidFill>
-            <a:srgbClr val="F3F3F3"/>
-          </a:solidFill>
-          <a:ln w="9525" cap="flat" cmpd="sng">
-            <a:solidFill>
-              <a:srgbClr val="013D85"/>
-            </a:solidFill>
-            <a:prstDash val="solid"/>
-            <a:round/>
-            <a:headEnd type="none" w="sm" len="sm"/>
-            <a:tailEnd type="none" w="sm" len="sm"/>
-          </a:ln>
-        </p:spPr>
-        <p:txBody>
-          <a:bodyPr spcFirstLastPara="1" wrap="square" lIns="198000" tIns="126000" rIns="198000" bIns="126000" anchor="ctr" anchorCtr="0">
-            <a:noAutofit/>
-          </a:bodyPr>
-          <a:lstStyle/>
-          <a:p>
-            <a:pPr marL="0" lvl="0" indent="0" algn="l" rtl="0">
-              <a:spcBef>
-                <a:spcPts val="0"/>
-              </a:spcBef>
-              <a:spcAft>
-                <a:spcPts val="0"/>
-              </a:spcAft>
-              <a:buNone/>
-            </a:pPr>
-            <a:r>
-              <a:rPr lang="ru" sz="1100">
-                <a:solidFill>
-                  <a:srgbClr val="02418B"/>
-                </a:solidFill>
-                <a:latin typeface="Roboto"/>
-                <a:ea typeface="Roboto"/>
-                <a:cs typeface="Roboto"/>
-                <a:sym typeface="Roboto"/>
-              </a:rPr>
-              <a:t>Чтобы добавить картинку на весь</a:t>
-            </a:r>
-            <a:endParaRPr sz="1100">
-              <a:solidFill>
-                <a:srgbClr val="02418B"/>
-              </a:solidFill>
-              <a:latin typeface="Roboto"/>
-              <a:ea typeface="Roboto"/>
-              <a:cs typeface="Roboto"/>
-              <a:sym typeface="Roboto"/>
-            </a:endParaRPr>
-          </a:p>
-          <a:p>
-            <a:pPr marL="0" lvl="0" indent="0" algn="l" rtl="0">
-              <a:spcBef>
-                <a:spcPts val="0"/>
-              </a:spcBef>
-              <a:spcAft>
-                <a:spcPts val="0"/>
-              </a:spcAft>
-              <a:buNone/>
-            </a:pPr>
-            <a:r>
-              <a:rPr lang="ru" sz="1100">
-                <a:solidFill>
-                  <a:srgbClr val="02418B"/>
-                </a:solidFill>
-                <a:latin typeface="Roboto"/>
-                <a:ea typeface="Roboto"/>
-                <a:cs typeface="Roboto"/>
-                <a:sym typeface="Roboto"/>
-              </a:rPr>
-              <a:t>слайд (так органичнее и эффектнее), используйте этот мастер-слайд</a:t>
-            </a:r>
-            <a:endParaRPr sz="1100">
-              <a:solidFill>
-                <a:srgbClr val="02418B"/>
-              </a:solidFill>
-              <a:latin typeface="Roboto"/>
-              <a:ea typeface="Roboto"/>
-              <a:cs typeface="Roboto"/>
-              <a:sym typeface="Roboto"/>
-            </a:endParaRPr>
-          </a:p>
-        </p:txBody>
-      </p:sp>
-    </p:spTree>
-  </p:cSld>
-  <p:clrMapOvr>
-    <a:masterClrMapping/>
-  </p:clrMapOvr>
-</p:sld>
-</file>
-
-<file path=ppt/slides/slide17.xml><?xml version="1.0" encoding="utf-8"?>
-<p:sld xmlns:a="http://schemas.openxmlformats.org/drawingml/2006/main" xmlns:r="http://schemas.openxmlformats.org/officeDocument/2006/relationships" xmlns:p="http://schemas.openxmlformats.org/presentationml/2006/main">
-  <p:cSld>
-    <p:spTree>
-      <p:nvGrpSpPr>
-        <p:cNvPr id="1" name="Shape 315"/>
-        <p:cNvGrpSpPr/>
-        <p:nvPr/>
-      </p:nvGrpSpPr>
-      <p:grpSpPr>
-        <a:xfrm>
-          <a:off x="0" y="0"/>
-          <a:ext cx="0" cy="0"/>
-          <a:chOff x="0" y="0"/>
-          <a:chExt cx="0" cy="0"/>
-        </a:xfrm>
-      </p:grpSpPr>
-      <p:sp>
-        <p:nvSpPr>
-          <p:cNvPr id="316" name="Google Shape;316;p32"/>
-          <p:cNvSpPr txBox="1">
-            <a:spLocks noGrp="1"/>
-          </p:cNvSpPr>
-          <p:nvPr>
-            <p:ph type="title"/>
-          </p:nvPr>
-        </p:nvSpPr>
-        <p:spPr>
-          <a:xfrm>
-            <a:off x="500550" y="330724"/>
-            <a:ext cx="8520600" cy="1095900"/>
-          </a:xfrm>
-          <a:prstGeom prst="rect">
-            <a:avLst/>
-          </a:prstGeom>
-        </p:spPr>
-        <p:txBody>
-          <a:bodyPr spcFirstLastPara="1" wrap="square" lIns="91425" tIns="91425" rIns="91425" bIns="91425" anchor="t" anchorCtr="0">
-            <a:noAutofit/>
-          </a:bodyPr>
-          <a:lstStyle/>
-          <a:p>
-            <a:pPr marL="0" lvl="0" indent="0" algn="l" rtl="0">
-              <a:spcBef>
-                <a:spcPts val="0"/>
-              </a:spcBef>
-              <a:spcAft>
-                <a:spcPts val="0"/>
-              </a:spcAft>
-              <a:buNone/>
-            </a:pPr>
-            <a:r>
-              <a:rPr lang="ru"/>
-              <a:t>Как быстро заменить картинку</a:t>
-            </a:r>
-            <a:endParaRPr/>
-          </a:p>
-        </p:txBody>
-      </p:sp>
-      <p:sp>
-        <p:nvSpPr>
-          <p:cNvPr id="317" name="Google Shape;317;p32"/>
-          <p:cNvSpPr txBox="1">
-            <a:spLocks noGrp="1"/>
-          </p:cNvSpPr>
-          <p:nvPr>
-            <p:ph type="subTitle" idx="4294967295"/>
-          </p:nvPr>
-        </p:nvSpPr>
-        <p:spPr>
-          <a:xfrm>
-            <a:off x="5509200" y="1187525"/>
-            <a:ext cx="3341700" cy="1802100"/>
-          </a:xfrm>
-          <a:prstGeom prst="rect">
-            <a:avLst/>
-          </a:prstGeom>
-        </p:spPr>
-        <p:txBody>
-          <a:bodyPr spcFirstLastPara="1" wrap="square" lIns="91425" tIns="91425" rIns="91425" bIns="91425" anchor="t" anchorCtr="0">
-            <a:normAutofit/>
-          </a:bodyPr>
-          <a:lstStyle/>
-          <a:p>
-            <a:pPr marL="457200" lvl="0" indent="-298450" algn="l" rtl="0">
-              <a:spcBef>
-                <a:spcPts val="0"/>
-              </a:spcBef>
-              <a:spcAft>
-                <a:spcPts val="0"/>
-              </a:spcAft>
-              <a:buSzPts val="1100"/>
-              <a:buChar char="●"/>
-            </a:pPr>
-            <a:r>
-              <a:rPr lang="ru" sz="1100"/>
-              <a:t>Кликните правой кнопкой</a:t>
-            </a:r>
-            <a:endParaRPr sz="1100"/>
-          </a:p>
-          <a:p>
-            <a:pPr marL="457200" lvl="0" indent="0" algn="l" rtl="0">
-              <a:spcBef>
-                <a:spcPts val="0"/>
-              </a:spcBef>
-              <a:spcAft>
-                <a:spcPts val="0"/>
-              </a:spcAft>
-              <a:buNone/>
-            </a:pPr>
-            <a:r>
-              <a:rPr lang="ru" sz="1100"/>
-              <a:t>мыши на изображение</a:t>
-            </a:r>
-            <a:endParaRPr sz="1100"/>
-          </a:p>
-          <a:p>
-            <a:pPr marL="457200" lvl="0" indent="-298450" algn="l" rtl="0">
-              <a:spcBef>
-                <a:spcPts val="0"/>
-              </a:spcBef>
-              <a:spcAft>
-                <a:spcPts val="0"/>
-              </a:spcAft>
-              <a:buSzPts val="1100"/>
-              <a:buChar char="●"/>
-            </a:pPr>
-            <a:r>
-              <a:rPr lang="ru" sz="1100"/>
-              <a:t>Перейдите в пункт «заменить изображение», далее выберите</a:t>
-            </a:r>
-            <a:endParaRPr sz="1100"/>
-          </a:p>
-          <a:p>
-            <a:pPr marL="457200" lvl="0" indent="0" algn="l" rtl="0">
-              <a:spcBef>
-                <a:spcPts val="0"/>
-              </a:spcBef>
-              <a:spcAft>
-                <a:spcPts val="0"/>
-              </a:spcAft>
-              <a:buNone/>
-            </a:pPr>
-            <a:r>
-              <a:rPr lang="ru" sz="1100"/>
-              <a:t>нужный вариант загрузки</a:t>
-            </a:r>
-            <a:endParaRPr sz="1100"/>
-          </a:p>
-          <a:p>
-            <a:pPr marL="457200" lvl="0" indent="-298450" algn="l" rtl="0">
-              <a:spcBef>
-                <a:spcPts val="0"/>
-              </a:spcBef>
-              <a:spcAft>
-                <a:spcPts val="0"/>
-              </a:spcAft>
-              <a:buSzPts val="1100"/>
-              <a:buChar char="●"/>
-            </a:pPr>
-            <a:r>
-              <a:rPr lang="ru" sz="1100"/>
-              <a:t>Двойным щелчком по картинке вы сможете настроить нужный размер</a:t>
-            </a:r>
-            <a:endParaRPr sz="1100"/>
-          </a:p>
-          <a:p>
-            <a:pPr marL="457200" lvl="0" indent="0" algn="l" rtl="0">
-              <a:spcBef>
-                <a:spcPts val="0"/>
-              </a:spcBef>
-              <a:spcAft>
-                <a:spcPts val="0"/>
-              </a:spcAft>
-              <a:buNone/>
-            </a:pPr>
-            <a:r>
-              <a:rPr lang="ru" sz="1100"/>
-              <a:t>и положение изображения</a:t>
-            </a:r>
-            <a:endParaRPr sz="1100"/>
-          </a:p>
-        </p:txBody>
-      </p:sp>
-      <p:pic>
-        <p:nvPicPr>
-          <p:cNvPr id="318" name="Google Shape;318;p32"/>
-          <p:cNvPicPr preferRelativeResize="0"/>
-          <p:nvPr/>
-        </p:nvPicPr>
-        <p:blipFill rotWithShape="1">
-          <a:blip r:embed="rId3">
-            <a:alphaModFix/>
-          </a:blip>
-          <a:srcRect l="1603"/>
-          <a:stretch/>
-        </p:blipFill>
-        <p:spPr>
-          <a:xfrm>
-            <a:off x="619700" y="1290525"/>
-            <a:ext cx="4714251" cy="3432275"/>
-          </a:xfrm>
-          <a:prstGeom prst="rect">
-            <a:avLst/>
-          </a:prstGeom>
-          <a:noFill/>
-          <a:ln w="19050" cap="flat" cmpd="sng">
-            <a:solidFill>
-              <a:srgbClr val="BFC1F0"/>
-            </a:solidFill>
-            <a:prstDash val="solid"/>
-            <a:round/>
-            <a:headEnd type="none" w="sm" len="sm"/>
-            <a:tailEnd type="none" w="sm" len="sm"/>
-          </a:ln>
-        </p:spPr>
-      </p:pic>
-      <p:pic>
-        <p:nvPicPr>
-          <p:cNvPr id="319" name="Google Shape;319;p32"/>
-          <p:cNvPicPr preferRelativeResize="0"/>
-          <p:nvPr/>
-        </p:nvPicPr>
-        <p:blipFill rotWithShape="1">
-          <a:blip r:embed="rId4">
-            <a:alphaModFix/>
-          </a:blip>
-          <a:srcRect r="6872"/>
-          <a:stretch/>
-        </p:blipFill>
-        <p:spPr>
-          <a:xfrm>
-            <a:off x="5765891" y="3258848"/>
-            <a:ext cx="2143109" cy="1463951"/>
-          </a:xfrm>
-          <a:prstGeom prst="rect">
-            <a:avLst/>
-          </a:prstGeom>
-          <a:noFill/>
-          <a:ln w="19050" cap="flat" cmpd="sng">
-            <a:solidFill>
-              <a:srgbClr val="BFC1F0"/>
-            </a:solidFill>
-            <a:prstDash val="solid"/>
-            <a:round/>
-            <a:headEnd type="none" w="sm" len="sm"/>
-            <a:tailEnd type="none" w="sm" len="sm"/>
-          </a:ln>
-        </p:spPr>
-      </p:pic>
-    </p:spTree>
-  </p:cSld>
-  <p:clrMapOvr>
-    <a:masterClrMapping/>
-  </p:clrMapOvr>
-</p:sld>
-</file>
-
-<file path=ppt/slides/slide18.xml><?xml version="1.0" encoding="utf-8"?>
-<p:sld xmlns:a="http://schemas.openxmlformats.org/drawingml/2006/main" xmlns:r="http://schemas.openxmlformats.org/officeDocument/2006/relationships" xmlns:p="http://schemas.openxmlformats.org/presentationml/2006/main">
-  <p:cSld>
-    <p:spTree>
-      <p:nvGrpSpPr>
-        <p:cNvPr id="1" name="Shape 323"/>
-        <p:cNvGrpSpPr/>
-        <p:nvPr/>
-      </p:nvGrpSpPr>
-      <p:grpSpPr>
-        <a:xfrm>
-          <a:off x="0" y="0"/>
-          <a:ext cx="0" cy="0"/>
-          <a:chOff x="0" y="0"/>
-          <a:chExt cx="0" cy="0"/>
-        </a:xfrm>
-      </p:grpSpPr>
-      <p:sp>
-        <p:nvSpPr>
-          <p:cNvPr id="324" name="Google Shape;324;p33"/>
-          <p:cNvSpPr txBox="1">
-            <a:spLocks noGrp="1"/>
-          </p:cNvSpPr>
-          <p:nvPr>
-            <p:ph type="title"/>
-          </p:nvPr>
-        </p:nvSpPr>
-        <p:spPr>
-          <a:xfrm>
-            <a:off x="500550" y="330724"/>
-            <a:ext cx="8520600" cy="1095900"/>
-          </a:xfrm>
-          <a:prstGeom prst="rect">
-            <a:avLst/>
-          </a:prstGeom>
-        </p:spPr>
-        <p:txBody>
-          <a:bodyPr spcFirstLastPara="1" wrap="square" lIns="91425" tIns="91425" rIns="91425" bIns="91425" anchor="t" anchorCtr="0">
-            <a:noAutofit/>
-          </a:bodyPr>
-          <a:lstStyle/>
-          <a:p>
-            <a:pPr marL="0" lvl="0" indent="0" algn="l" rtl="0">
-              <a:spcBef>
-                <a:spcPts val="0"/>
-              </a:spcBef>
-              <a:spcAft>
-                <a:spcPts val="0"/>
-              </a:spcAft>
-              <a:buNone/>
-            </a:pPr>
-            <a:r>
-              <a:rPr lang="ru"/>
-              <a:t>Шаблоны слайдов</a:t>
-            </a:r>
-            <a:endParaRPr/>
-          </a:p>
-        </p:txBody>
-      </p:sp>
-      <p:sp>
-        <p:nvSpPr>
-          <p:cNvPr id="325" name="Google Shape;325;p33"/>
-          <p:cNvSpPr txBox="1">
-            <a:spLocks noGrp="1"/>
-          </p:cNvSpPr>
-          <p:nvPr>
-            <p:ph type="subTitle" idx="4294967295"/>
-          </p:nvPr>
-        </p:nvSpPr>
-        <p:spPr>
-          <a:xfrm>
-            <a:off x="6408425" y="1316150"/>
-            <a:ext cx="2415900" cy="1413900"/>
-          </a:xfrm>
-          <a:prstGeom prst="rect">
-            <a:avLst/>
-          </a:prstGeom>
-        </p:spPr>
-        <p:txBody>
-          <a:bodyPr spcFirstLastPara="1" wrap="square" lIns="91425" tIns="91425" rIns="91425" bIns="91425" anchor="t" anchorCtr="0">
-            <a:normAutofit/>
-          </a:bodyPr>
-          <a:lstStyle/>
-          <a:p>
-            <a:pPr marL="0" lvl="0" indent="0" algn="l" rtl="0">
-              <a:spcBef>
-                <a:spcPts val="0"/>
-              </a:spcBef>
-              <a:spcAft>
-                <a:spcPts val="0"/>
-              </a:spcAft>
-              <a:buNone/>
-            </a:pPr>
-            <a:r>
-              <a:rPr lang="ru" sz="1100"/>
-              <a:t>Чтобы использовать готовые решения слайдов, нужно перейти</a:t>
-            </a:r>
-            <a:endParaRPr sz="1100"/>
-          </a:p>
-          <a:p>
-            <a:pPr marL="0" lvl="0" indent="0" algn="l" rtl="0">
-              <a:spcBef>
-                <a:spcPts val="0"/>
-              </a:spcBef>
-              <a:spcAft>
-                <a:spcPts val="0"/>
-              </a:spcAft>
-              <a:buNone/>
-            </a:pPr>
-            <a:r>
-              <a:rPr lang="ru" sz="1100"/>
-              <a:t>в пункт меню «Слайд»,</a:t>
-            </a:r>
-            <a:endParaRPr sz="1100"/>
-          </a:p>
-          <a:p>
-            <a:pPr marL="0" lvl="0" indent="0" algn="l" rtl="0">
-              <a:spcBef>
-                <a:spcPts val="0"/>
-              </a:spcBef>
-              <a:spcAft>
-                <a:spcPts val="0"/>
-              </a:spcAft>
-              <a:buNone/>
-            </a:pPr>
-            <a:r>
-              <a:rPr lang="ru" sz="1100"/>
-              <a:t>далее в выпадающем списке найти подпункт «Выбрать макет». </a:t>
-            </a:r>
-            <a:endParaRPr sz="1100"/>
-          </a:p>
-        </p:txBody>
-      </p:sp>
-      <p:pic>
-        <p:nvPicPr>
-          <p:cNvPr id="326" name="Google Shape;326;p33"/>
-          <p:cNvPicPr preferRelativeResize="0"/>
-          <p:nvPr/>
-        </p:nvPicPr>
-        <p:blipFill>
-          <a:blip r:embed="rId3">
-            <a:alphaModFix/>
-          </a:blip>
-          <a:stretch>
-            <a:fillRect/>
-          </a:stretch>
-        </p:blipFill>
-        <p:spPr>
-          <a:xfrm>
-            <a:off x="636175" y="1316150"/>
-            <a:ext cx="5582577" cy="3238749"/>
-          </a:xfrm>
-          <a:prstGeom prst="rect">
-            <a:avLst/>
-          </a:prstGeom>
-          <a:noFill/>
-          <a:ln w="19050" cap="flat" cmpd="sng">
-            <a:solidFill>
-              <a:srgbClr val="BFC1F0"/>
-            </a:solidFill>
-            <a:prstDash val="solid"/>
-            <a:round/>
-            <a:headEnd type="none" w="sm" len="sm"/>
-            <a:tailEnd type="none" w="sm" len="sm"/>
-          </a:ln>
-        </p:spPr>
-      </p:pic>
     </p:spTree>
   </p:cSld>
   <p:clrMapOvr>
@@ -19452,7 +13749,28 @@
                 <a:cs typeface="Roboto"/>
                 <a:sym typeface="Roboto"/>
               </a:rPr>
-              <a:t>Система представляет собой 4 контейнера разворачиваемые посредством </a:t>
+              <a:t>Система представляет собой 4 контейнера</a:t>
+            </a:r>
+            <a:r>
+              <a:rPr lang="en-US" dirty="0">
+                <a:latin typeface="Roboto"/>
+                <a:ea typeface="Roboto"/>
+                <a:cs typeface="Roboto"/>
+                <a:sym typeface="Roboto"/>
+              </a:rPr>
+              <a:t>,</a:t>
+            </a:r>
+            <a:r>
+              <a:rPr lang="ru-RU" dirty="0" smtClean="0">
+                <a:solidFill>
+                  <a:srgbClr val="000000"/>
+                </a:solidFill>
+                <a:latin typeface="Roboto"/>
+                <a:ea typeface="Roboto"/>
+                <a:cs typeface="Roboto"/>
+                <a:sym typeface="Roboto"/>
+              </a:rPr>
+              <a:t> разворачиваемые посредством </a:t>
             </a:r>
             <a:r>
               <a:rPr lang="en-US" dirty="0" smtClean="0">

--- a/project/Презентация.pptx
+++ b/project/Презентация.pptx
@@ -9193,7 +9193,7 @@
         </p:nvGraphicFramePr>
         <p:xfrm>
           <a:off x="952500" y="1544194"/>
-          <a:ext cx="7239000" cy="1720377"/>
+          <a:ext cx="7239000" cy="1778478"/>
         </p:xfrm>
         <a:graphic>
           <a:graphicData uri="http://schemas.openxmlformats.org/drawingml/2006/table">
